--- a/lessons/class4/class4A_Polarization.pptx
+++ b/lessons/class4/class4A_Polarization.pptx
@@ -5,22 +5,23 @@
     <p:sldMasterId id="2147483660" r:id="rId1"/>
   </p:sldMasterIdLst>
   <p:notesMasterIdLst>
-    <p:notesMasterId r:id="rId15"/>
+    <p:notesMasterId r:id="rId16"/>
   </p:notesMasterIdLst>
   <p:sldIdLst>
-    <p:sldId id="735" r:id="rId2"/>
-    <p:sldId id="808" r:id="rId3"/>
-    <p:sldId id="809" r:id="rId4"/>
-    <p:sldId id="813" r:id="rId5"/>
-    <p:sldId id="810" r:id="rId6"/>
-    <p:sldId id="833" r:id="rId7"/>
-    <p:sldId id="832" r:id="rId8"/>
-    <p:sldId id="812" r:id="rId9"/>
-    <p:sldId id="815" r:id="rId10"/>
-    <p:sldId id="834" r:id="rId11"/>
-    <p:sldId id="814" r:id="rId12"/>
-    <p:sldId id="816" r:id="rId13"/>
-    <p:sldId id="835" r:id="rId14"/>
+    <p:sldId id="836" r:id="rId2"/>
+    <p:sldId id="735" r:id="rId3"/>
+    <p:sldId id="808" r:id="rId4"/>
+    <p:sldId id="809" r:id="rId5"/>
+    <p:sldId id="813" r:id="rId6"/>
+    <p:sldId id="810" r:id="rId7"/>
+    <p:sldId id="833" r:id="rId8"/>
+    <p:sldId id="832" r:id="rId9"/>
+    <p:sldId id="812" r:id="rId10"/>
+    <p:sldId id="815" r:id="rId11"/>
+    <p:sldId id="834" r:id="rId12"/>
+    <p:sldId id="814" r:id="rId13"/>
+    <p:sldId id="816" r:id="rId14"/>
+    <p:sldId id="835" r:id="rId15"/>
   </p:sldIdLst>
   <p:sldSz cx="9144000" cy="6858000" type="screen4x3"/>
   <p:notesSz cx="6858000" cy="9144000"/>
@@ -1799,7 +1800,7 @@
           <a:p>
             <a:fld id="{B0C0A60C-850A-4EA4-9C14-A8FE98B94505}" type="datetimeFigureOut">
               <a:rPr lang="en-US" smtClean="0"/>
-              <a:t>12/30/20</a:t>
+              <a:t>1/10/21</a:t>
             </a:fld>
             <a:endParaRPr lang="en-US"/>
           </a:p>
@@ -2198,7 +2199,7 @@
           <a:p>
             <a:fld id="{5738B90E-0779-4C36-915C-6F05FCD89456}" type="datetime1">
               <a:rPr lang="en-US" smtClean="0"/>
-              <a:t>12/30/20</a:t>
+              <a:t>1/10/21</a:t>
             </a:fld>
             <a:endParaRPr lang="en-US"/>
           </a:p>
@@ -2395,7 +2396,7 @@
           <a:p>
             <a:fld id="{7B9EA29D-D431-42FE-B7B6-AAE4454C77D3}" type="datetime1">
               <a:rPr lang="en-US" smtClean="0"/>
-              <a:t>12/30/20</a:t>
+              <a:t>1/10/21</a:t>
             </a:fld>
             <a:endParaRPr lang="en-US"/>
           </a:p>
@@ -2750,7 +2751,7 @@
           <a:p>
             <a:fld id="{690D8A1E-EA8F-46C1-B891-AE0C00D9C314}" type="datetime1">
               <a:rPr lang="en-US" smtClean="0"/>
-              <a:t>12/30/20</a:t>
+              <a:t>1/10/21</a:t>
             </a:fld>
             <a:endParaRPr lang="en-US"/>
           </a:p>
@@ -3058,7 +3059,7 @@
           <a:p>
             <a:fld id="{D753EFC8-4232-4598-94F6-94C0EBAFC469}" type="datetime1">
               <a:rPr lang="en-US" smtClean="0"/>
-              <a:t>12/30/20</a:t>
+              <a:t>1/10/21</a:t>
             </a:fld>
             <a:endParaRPr lang="en-US"/>
           </a:p>
@@ -3387,7 +3388,7 @@
           <a:p>
             <a:fld id="{F3161074-1C18-4AE7-957D-F18524378C85}" type="datetime1">
               <a:rPr lang="en-US" smtClean="0"/>
-              <a:t>12/30/20</a:t>
+              <a:t>1/10/21</a:t>
             </a:fld>
             <a:endParaRPr lang="en-US"/>
           </a:p>
@@ -3640,7 +3641,7 @@
           <a:p>
             <a:fld id="{69BE256C-8D9A-4404-B47D-41A1AE514425}" type="datetime1">
               <a:rPr lang="en-US" smtClean="0"/>
-              <a:t>12/30/20</a:t>
+              <a:t>1/10/21</a:t>
             </a:fld>
             <a:endParaRPr lang="en-US"/>
           </a:p>
@@ -4088,7 +4089,7 @@
           <a:p>
             <a:fld id="{66CB2154-9035-4012-8189-BAAB61C5A5EE}" type="datetime1">
               <a:rPr lang="en-US" smtClean="0"/>
-              <a:t>12/30/20</a:t>
+              <a:t>1/10/21</a:t>
             </a:fld>
             <a:endParaRPr lang="en-US"/>
           </a:p>
@@ -4276,7 +4277,7 @@
           <a:p>
             <a:fld id="{6700A58B-DD98-43D0-B791-721480A02982}" type="datetime1">
               <a:rPr lang="en-US" smtClean="0"/>
-              <a:t>12/30/20</a:t>
+              <a:t>1/10/21</a:t>
             </a:fld>
             <a:endParaRPr lang="en-US"/>
           </a:p>
@@ -4482,7 +4483,7 @@
           <a:p>
             <a:fld id="{7DB6E382-4F61-4E24-BE1A-377EC83D0E3A}" type="datetime1">
               <a:rPr lang="en-US" smtClean="0"/>
-              <a:t>12/30/20</a:t>
+              <a:t>1/10/21</a:t>
             </a:fld>
             <a:endParaRPr lang="en-US"/>
           </a:p>
@@ -4888,7 +4889,7 @@
           <a:p>
             <a:fld id="{4142EED6-FC16-45B9-B8C4-2BC5DBA88325}" type="datetime1">
               <a:rPr lang="en-US" smtClean="0"/>
-              <a:t>12/30/20</a:t>
+              <a:t>1/10/21</a:t>
             </a:fld>
             <a:endParaRPr lang="en-US"/>
           </a:p>
@@ -5220,7 +5221,7 @@
           <a:p>
             <a:fld id="{DF59512B-4F1D-43D7-8819-2F53FEF69650}" type="datetime1">
               <a:rPr lang="en-US" smtClean="0"/>
-              <a:t>12/30/20</a:t>
+              <a:t>1/10/21</a:t>
             </a:fld>
             <a:endParaRPr lang="en-US"/>
           </a:p>
@@ -5510,7 +5511,7 @@
           <a:p>
             <a:fld id="{08437B94-E2BF-44DC-ADC5-B05FC9934E9D}" type="datetime1">
               <a:rPr lang="en-US" smtClean="0"/>
-              <a:t>12/30/20</a:t>
+              <a:t>1/10/21</a:t>
             </a:fld>
             <a:endParaRPr lang="en-US"/>
           </a:p>
@@ -5931,6 +5932,2900 @@
           <p:cNvPr id="2" name="Date Placeholder 1">
             <a:extLst>
               <a:ext uri="{FF2B5EF4-FFF2-40B4-BE49-F238E27FC236}">
+                <a16:creationId xmlns:a16="http://schemas.microsoft.com/office/drawing/2014/main" id="{04C803A3-2673-194A-AA28-6A7188921C4F}"/>
+              </a:ext>
+            </a:extLst>
+          </p:cNvPr>
+          <p:cNvSpPr>
+            <a:spLocks noGrp="1"/>
+          </p:cNvSpPr>
+          <p:nvPr>
+            <p:ph type="dt" sz="half" idx="10"/>
+          </p:nvPr>
+        </p:nvSpPr>
+        <p:spPr/>
+        <p:txBody>
+          <a:bodyPr/>
+          <a:lstStyle/>
+          <a:p>
+            <a:fld id="{6700A58B-DD98-43D0-B791-721480A02982}" type="datetime1">
+              <a:rPr lang="en-US" smtClean="0"/>
+              <a:t>1/10/21</a:t>
+            </a:fld>
+            <a:endParaRPr lang="en-US"/>
+          </a:p>
+        </p:txBody>
+      </p:sp>
+      <p:sp>
+        <p:nvSpPr>
+          <p:cNvPr id="3" name="Title 2">
+            <a:extLst>
+              <a:ext uri="{FF2B5EF4-FFF2-40B4-BE49-F238E27FC236}">
+                <a16:creationId xmlns:a16="http://schemas.microsoft.com/office/drawing/2014/main" id="{B8DA28D8-707C-2A47-BF2B-C4E6245E58BF}"/>
+              </a:ext>
+            </a:extLst>
+          </p:cNvPr>
+          <p:cNvSpPr>
+            <a:spLocks noGrp="1"/>
+          </p:cNvSpPr>
+          <p:nvPr>
+            <p:ph type="title"/>
+          </p:nvPr>
+        </p:nvSpPr>
+        <p:spPr/>
+        <p:txBody>
+          <a:bodyPr/>
+          <a:lstStyle/>
+          <a:p>
+            <a:endParaRPr lang="en-US"/>
+          </a:p>
+        </p:txBody>
+      </p:sp>
+      <p:sp>
+        <p:nvSpPr>
+          <p:cNvPr id="4" name="Footer Placeholder 3">
+            <a:extLst>
+              <a:ext uri="{FF2B5EF4-FFF2-40B4-BE49-F238E27FC236}">
+                <a16:creationId xmlns:a16="http://schemas.microsoft.com/office/drawing/2014/main" id="{0697DFD9-D6A7-3A46-9B35-3D203C85AB4F}"/>
+              </a:ext>
+            </a:extLst>
+          </p:cNvPr>
+          <p:cNvSpPr>
+            <a:spLocks noGrp="1"/>
+          </p:cNvSpPr>
+          <p:nvPr>
+            <p:ph type="ftr" sz="quarter" idx="3"/>
+          </p:nvPr>
+        </p:nvSpPr>
+        <p:spPr/>
+        <p:txBody>
+          <a:bodyPr/>
+          <a:lstStyle/>
+          <a:p>
+            <a:r>
+              <a:rPr lang="en-US"/>
+              <a:t>Kwartler</a:t>
+            </a:r>
+            <a:endParaRPr lang="en-US" dirty="0"/>
+          </a:p>
+        </p:txBody>
+      </p:sp>
+      <p:sp>
+        <p:nvSpPr>
+          <p:cNvPr id="5" name="Slide Number Placeholder 4">
+            <a:extLst>
+              <a:ext uri="{FF2B5EF4-FFF2-40B4-BE49-F238E27FC236}">
+                <a16:creationId xmlns:a16="http://schemas.microsoft.com/office/drawing/2014/main" id="{A3B6C415-FB83-244B-A10D-2F0513F41BD6}"/>
+              </a:ext>
+            </a:extLst>
+          </p:cNvPr>
+          <p:cNvSpPr>
+            <a:spLocks noGrp="1"/>
+          </p:cNvSpPr>
+          <p:nvPr>
+            <p:ph type="sldNum" sz="quarter" idx="4"/>
+          </p:nvPr>
+        </p:nvSpPr>
+        <p:spPr/>
+        <p:txBody>
+          <a:bodyPr/>
+          <a:lstStyle/>
+          <a:p>
+            <a:fld id="{37290FF7-652B-4475-AEAB-8B1A5D23AE09}" type="slidenum">
+              <a:rPr lang="en-US" smtClean="0"/>
+              <a:pPr/>
+              <a:t>1</a:t>
+            </a:fld>
+            <a:endParaRPr lang="en-US" dirty="0"/>
+          </a:p>
+        </p:txBody>
+      </p:sp>
+      <p:pic>
+        <p:nvPicPr>
+          <p:cNvPr id="1026" name="Picture 2" descr="Me Looking for your attendance - | Make a Meme">
+            <a:extLst>
+              <a:ext uri="{FF2B5EF4-FFF2-40B4-BE49-F238E27FC236}">
+                <a16:creationId xmlns:a16="http://schemas.microsoft.com/office/drawing/2014/main" id="{6D7B4908-1244-0243-ABBC-B124B4CF2AA0}"/>
+              </a:ext>
+            </a:extLst>
+          </p:cNvPr>
+          <p:cNvPicPr>
+            <a:picLocks noChangeAspect="1" noChangeArrowheads="1"/>
+          </p:cNvPicPr>
+          <p:nvPr/>
+        </p:nvPicPr>
+        <p:blipFill>
+          <a:blip r:embed="rId2">
+            <a:extLst>
+              <a:ext uri="{28A0092B-C50C-407E-A947-70E740481C1C}">
+                <a14:useLocalDpi xmlns:a14="http://schemas.microsoft.com/office/drawing/2010/main" val="0"/>
+              </a:ext>
+            </a:extLst>
+          </a:blip>
+          <a:srcRect/>
+          <a:stretch>
+            <a:fillRect/>
+          </a:stretch>
+        </p:blipFill>
+        <p:spPr bwMode="auto">
+          <a:xfrm>
+            <a:off x="1641475" y="0"/>
+            <a:ext cx="5861050" cy="6858000"/>
+          </a:xfrm>
+          <a:prstGeom prst="rect">
+            <a:avLst/>
+          </a:prstGeom>
+          <a:noFill/>
+          <a:extLst>
+            <a:ext uri="{909E8E84-426E-40DD-AFC4-6F175D3DCCD1}">
+              <a14:hiddenFill xmlns:a14="http://schemas.microsoft.com/office/drawing/2010/main">
+                <a:solidFill>
+                  <a:srgbClr val="FFFFFF"/>
+                </a:solidFill>
+              </a14:hiddenFill>
+            </a:ext>
+          </a:extLst>
+        </p:spPr>
+      </p:pic>
+    </p:spTree>
+    <p:extLst>
+      <p:ext uri="{BB962C8B-B14F-4D97-AF65-F5344CB8AC3E}">
+        <p14:creationId xmlns:p14="http://schemas.microsoft.com/office/powerpoint/2010/main" val="1795897690"/>
+      </p:ext>
+    </p:extLst>
+  </p:cSld>
+  <p:clrMapOvr>
+    <a:masterClrMapping/>
+  </p:clrMapOvr>
+</p:sld>
+</file>
+
+<file path=ppt/slides/slide10.xml><?xml version="1.0" encoding="utf-8"?>
+<p:sld xmlns:a="http://schemas.openxmlformats.org/drawingml/2006/main" xmlns:r="http://schemas.openxmlformats.org/officeDocument/2006/relationships" xmlns:p="http://schemas.openxmlformats.org/presentationml/2006/main">
+  <p:cSld>
+    <p:spTree>
+      <p:nvGrpSpPr>
+        <p:cNvPr id="1" name=""/>
+        <p:cNvGrpSpPr/>
+        <p:nvPr/>
+      </p:nvGrpSpPr>
+      <p:grpSpPr>
+        <a:xfrm>
+          <a:off x="0" y="0"/>
+          <a:ext cx="0" cy="0"/>
+          <a:chOff x="0" y="0"/>
+          <a:chExt cx="0" cy="0"/>
+        </a:xfrm>
+      </p:grpSpPr>
+      <p:sp>
+        <p:nvSpPr>
+          <p:cNvPr id="2" name="Date Placeholder 1"/>
+          <p:cNvSpPr>
+            <a:spLocks noGrp="1"/>
+          </p:cNvSpPr>
+          <p:nvPr>
+            <p:ph type="dt" sz="half" idx="10"/>
+          </p:nvPr>
+        </p:nvSpPr>
+        <p:spPr/>
+        <p:txBody>
+          <a:bodyPr/>
+          <a:lstStyle/>
+          <a:p>
+            <a:fld id="{6700A58B-DD98-43D0-B791-721480A02982}" type="datetime1">
+              <a:rPr lang="en-US" smtClean="0"/>
+              <a:t>1/10/21</a:t>
+            </a:fld>
+            <a:endParaRPr lang="en-US"/>
+          </a:p>
+        </p:txBody>
+      </p:sp>
+      <p:sp>
+        <p:nvSpPr>
+          <p:cNvPr id="3" name="Title 2"/>
+          <p:cNvSpPr>
+            <a:spLocks noGrp="1"/>
+          </p:cNvSpPr>
+          <p:nvPr>
+            <p:ph type="title"/>
+          </p:nvPr>
+        </p:nvSpPr>
+        <p:spPr/>
+        <p:txBody>
+          <a:bodyPr/>
+          <a:lstStyle/>
+          <a:p>
+            <a:r>
+              <a:rPr lang="en-US" dirty="0"/>
+              <a:t>Simple Sentiment Polarity</a:t>
+            </a:r>
+          </a:p>
+        </p:txBody>
+      </p:sp>
+      <p:sp>
+        <p:nvSpPr>
+          <p:cNvPr id="4" name="Footer Placeholder 3"/>
+          <p:cNvSpPr>
+            <a:spLocks noGrp="1"/>
+          </p:cNvSpPr>
+          <p:nvPr>
+            <p:ph type="ftr" sz="quarter" idx="3"/>
+          </p:nvPr>
+        </p:nvSpPr>
+        <p:spPr/>
+        <p:txBody>
+          <a:bodyPr/>
+          <a:lstStyle/>
+          <a:p>
+            <a:r>
+              <a:rPr lang="en-US"/>
+              <a:t>Kwartler</a:t>
+            </a:r>
+            <a:endParaRPr lang="en-US" dirty="0"/>
+          </a:p>
+        </p:txBody>
+      </p:sp>
+      <p:sp>
+        <p:nvSpPr>
+          <p:cNvPr id="5" name="Slide Number Placeholder 4"/>
+          <p:cNvSpPr>
+            <a:spLocks noGrp="1"/>
+          </p:cNvSpPr>
+          <p:nvPr>
+            <p:ph type="sldNum" sz="quarter" idx="4"/>
+          </p:nvPr>
+        </p:nvSpPr>
+        <p:spPr/>
+        <p:txBody>
+          <a:bodyPr/>
+          <a:lstStyle/>
+          <a:p>
+            <a:fld id="{37290FF7-652B-4475-AEAB-8B1A5D23AE09}" type="slidenum">
+              <a:rPr lang="en-US" smtClean="0"/>
+              <a:pPr/>
+              <a:t>10</a:t>
+            </a:fld>
+            <a:endParaRPr lang="en-US" dirty="0"/>
+          </a:p>
+        </p:txBody>
+      </p:sp>
+      <p:sp>
+        <p:nvSpPr>
+          <p:cNvPr id="6" name="Rectangle 5"/>
+          <p:cNvSpPr/>
+          <p:nvPr/>
+        </p:nvSpPr>
+        <p:spPr>
+          <a:xfrm>
+            <a:off x="423379" y="1640304"/>
+            <a:ext cx="4114800" cy="4389120"/>
+          </a:xfrm>
+          <a:prstGeom prst="rect">
+            <a:avLst/>
+          </a:prstGeom>
+          <a:solidFill>
+            <a:schemeClr val="bg1">
+              <a:lumMod val="95000"/>
+            </a:schemeClr>
+          </a:solidFill>
+          <a:ln>
+            <a:noFill/>
+          </a:ln>
+          <a:effectLst>
+            <a:outerShdw blurRad="50800" dist="38100" dir="2700000" algn="tl" rotWithShape="0">
+              <a:prstClr val="black">
+                <a:alpha val="40000"/>
+              </a:prstClr>
+            </a:outerShdw>
+          </a:effectLst>
+        </p:spPr>
+        <p:style>
+          <a:lnRef idx="2">
+            <a:schemeClr val="accent1">
+              <a:shade val="50000"/>
+            </a:schemeClr>
+          </a:lnRef>
+          <a:fillRef idx="1">
+            <a:schemeClr val="accent1"/>
+          </a:fillRef>
+          <a:effectRef idx="0">
+            <a:schemeClr val="accent1"/>
+          </a:effectRef>
+          <a:fontRef idx="minor">
+            <a:schemeClr val="lt1"/>
+          </a:fontRef>
+        </p:style>
+        <p:txBody>
+          <a:bodyPr rtlCol="0" anchor="ctr"/>
+          <a:lstStyle/>
+          <a:p>
+            <a:pPr algn="ctr" defTabSz="457200"/>
+            <a:endParaRPr lang="en-US" sz="1800" kern="1200" dirty="0">
+              <a:solidFill>
+                <a:prstClr val="white"/>
+              </a:solidFill>
+              <a:latin typeface="Arial Unicode MS" panose="020B0604020202020204" pitchFamily="34" charset="-128"/>
+              <a:cs typeface="Arial Unicode MS" panose="020B0604020202020204" pitchFamily="34" charset="-128"/>
+            </a:endParaRPr>
+          </a:p>
+        </p:txBody>
+      </p:sp>
+      <p:sp>
+        <p:nvSpPr>
+          <p:cNvPr id="7" name="Rectangle 6"/>
+          <p:cNvSpPr/>
+          <p:nvPr/>
+        </p:nvSpPr>
+        <p:spPr>
+          <a:xfrm>
+            <a:off x="424432" y="1307220"/>
+            <a:ext cx="4114800" cy="457200"/>
+          </a:xfrm>
+          <a:prstGeom prst="rect">
+            <a:avLst/>
+          </a:prstGeom>
+          <a:solidFill>
+            <a:schemeClr val="bg1">
+              <a:lumMod val="50000"/>
+            </a:schemeClr>
+          </a:solidFill>
+          <a:ln>
+            <a:noFill/>
+          </a:ln>
+        </p:spPr>
+        <p:style>
+          <a:lnRef idx="2">
+            <a:schemeClr val="accent1">
+              <a:shade val="50000"/>
+            </a:schemeClr>
+          </a:lnRef>
+          <a:fillRef idx="1">
+            <a:schemeClr val="accent1"/>
+          </a:fillRef>
+          <a:effectRef idx="0">
+            <a:schemeClr val="accent1"/>
+          </a:effectRef>
+          <a:fontRef idx="minor">
+            <a:schemeClr val="lt1"/>
+          </a:fontRef>
+        </p:style>
+        <p:txBody>
+          <a:bodyPr rtlCol="0" anchor="ctr"/>
+          <a:lstStyle/>
+          <a:p>
+            <a:pPr algn="ctr" defTabSz="457200"/>
+            <a:r>
+              <a:rPr lang="en-US" sz="2400" b="1" kern="1200" dirty="0">
+                <a:solidFill>
+                  <a:prstClr val="white"/>
+                </a:solidFill>
+                <a:latin typeface="Arial Unicode MS" panose="020B0604020202020204" pitchFamily="34" charset="-128"/>
+                <a:cs typeface="Arial Unicode MS" panose="020B0604020202020204" pitchFamily="34" charset="-128"/>
+              </a:rPr>
+              <a:t>Zipf’s Law</a:t>
+            </a:r>
+          </a:p>
+        </p:txBody>
+      </p:sp>
+      <p:graphicFrame>
+        <p:nvGraphicFramePr>
+          <p:cNvPr id="8" name="Chart 7"/>
+          <p:cNvGraphicFramePr>
+            <a:graphicFrameLocks/>
+          </p:cNvGraphicFramePr>
+          <p:nvPr>
+            <p:extLst>
+              <p:ext uri="{D42A27DB-BD31-4B8C-83A1-F6EECF244321}">
+                <p14:modId xmlns:p14="http://schemas.microsoft.com/office/powerpoint/2010/main" val="1843735760"/>
+              </p:ext>
+            </p:extLst>
+          </p:nvPr>
+        </p:nvGraphicFramePr>
+        <p:xfrm>
+          <a:off x="495534" y="3263462"/>
+          <a:ext cx="3931919" cy="2491622"/>
+        </p:xfrm>
+        <a:graphic>
+          <a:graphicData uri="http://schemas.openxmlformats.org/drawingml/2006/chart">
+            <c:chart xmlns:c="http://schemas.openxmlformats.org/drawingml/2006/chart" xmlns:r="http://schemas.openxmlformats.org/officeDocument/2006/relationships" r:id="rId2"/>
+          </a:graphicData>
+        </a:graphic>
+      </p:graphicFrame>
+      <p:sp>
+        <p:nvSpPr>
+          <p:cNvPr id="9" name="Rectangle 8"/>
+          <p:cNvSpPr/>
+          <p:nvPr/>
+        </p:nvSpPr>
+        <p:spPr>
+          <a:xfrm>
+            <a:off x="494188" y="2218764"/>
+            <a:ext cx="3943350" cy="822960"/>
+          </a:xfrm>
+          <a:prstGeom prst="rect">
+            <a:avLst/>
+          </a:prstGeom>
+          <a:ln>
+            <a:noFill/>
+          </a:ln>
+          <a:effectLst>
+            <a:outerShdw blurRad="50800" dist="38100" dir="2700000" algn="tl" rotWithShape="0">
+              <a:prstClr val="black">
+                <a:alpha val="40000"/>
+              </a:prstClr>
+            </a:outerShdw>
+          </a:effectLst>
+        </p:spPr>
+        <p:style>
+          <a:lnRef idx="2">
+            <a:schemeClr val="accent1">
+              <a:shade val="50000"/>
+            </a:schemeClr>
+          </a:lnRef>
+          <a:fillRef idx="1">
+            <a:schemeClr val="accent1"/>
+          </a:fillRef>
+          <a:effectRef idx="0">
+            <a:schemeClr val="accent1"/>
+          </a:effectRef>
+          <a:fontRef idx="minor">
+            <a:schemeClr val="lt1"/>
+          </a:fontRef>
+        </p:style>
+        <p:txBody>
+          <a:bodyPr rtlCol="0" anchor="ctr"/>
+          <a:lstStyle/>
+          <a:p>
+            <a:pPr algn="ctr" defTabSz="457200"/>
+            <a:r>
+              <a:rPr lang="en-US" sz="1600" b="1" kern="1200" dirty="0">
+                <a:solidFill>
+                  <a:prstClr val="white"/>
+                </a:solidFill>
+                <a:latin typeface="Arial Unicode MS" panose="020B0604020202020204" pitchFamily="34" charset="-128"/>
+                <a:cs typeface="Arial Unicode MS" panose="020B0604020202020204" pitchFamily="34" charset="-128"/>
+              </a:rPr>
+              <a:t>Many words in natural language but there is steep decline in everyday usage.  Follows a predictable pattern.  </a:t>
+            </a:r>
+          </a:p>
+        </p:txBody>
+      </p:sp>
+      <p:cxnSp>
+        <p:nvCxnSpPr>
+          <p:cNvPr id="14" name="Straight Connector 13">
+            <a:extLst>
+              <a:ext uri="{FF2B5EF4-FFF2-40B4-BE49-F238E27FC236}">
+                <a16:creationId xmlns:a16="http://schemas.microsoft.com/office/drawing/2014/main" id="{7411C58D-8320-694F-9D2F-F704AAAC8318}"/>
+              </a:ext>
+            </a:extLst>
+          </p:cNvPr>
+          <p:cNvCxnSpPr/>
+          <p:nvPr/>
+        </p:nvCxnSpPr>
+        <p:spPr>
+          <a:xfrm>
+            <a:off x="6798363" y="6549885"/>
+            <a:ext cx="0" cy="182880"/>
+          </a:xfrm>
+          <a:prstGeom prst="line">
+            <a:avLst/>
+          </a:prstGeom>
+          <a:ln>
+            <a:solidFill>
+              <a:schemeClr val="bg1">
+                <a:lumMod val="85000"/>
+              </a:schemeClr>
+            </a:solidFill>
+          </a:ln>
+        </p:spPr>
+        <p:style>
+          <a:lnRef idx="1">
+            <a:schemeClr val="accent1"/>
+          </a:lnRef>
+          <a:fillRef idx="0">
+            <a:schemeClr val="accent1"/>
+          </a:fillRef>
+          <a:effectRef idx="0">
+            <a:schemeClr val="accent1"/>
+          </a:effectRef>
+          <a:fontRef idx="minor">
+            <a:schemeClr val="tx1"/>
+          </a:fontRef>
+        </p:style>
+      </p:cxnSp>
+      <p:cxnSp>
+        <p:nvCxnSpPr>
+          <p:cNvPr id="15" name="Straight Connector 14">
+            <a:extLst>
+              <a:ext uri="{FF2B5EF4-FFF2-40B4-BE49-F238E27FC236}">
+                <a16:creationId xmlns:a16="http://schemas.microsoft.com/office/drawing/2014/main" id="{D7C46A7B-29FB-DD42-95C7-E7F38E65E588}"/>
+              </a:ext>
+            </a:extLst>
+          </p:cNvPr>
+          <p:cNvCxnSpPr/>
+          <p:nvPr/>
+        </p:nvCxnSpPr>
+        <p:spPr>
+          <a:xfrm>
+            <a:off x="7076661" y="4664763"/>
+            <a:ext cx="182880" cy="0"/>
+          </a:xfrm>
+          <a:prstGeom prst="line">
+            <a:avLst/>
+          </a:prstGeom>
+          <a:ln>
+            <a:solidFill>
+              <a:schemeClr val="bg1">
+                <a:lumMod val="85000"/>
+              </a:schemeClr>
+            </a:solidFill>
+          </a:ln>
+        </p:spPr>
+        <p:style>
+          <a:lnRef idx="1">
+            <a:schemeClr val="accent1"/>
+          </a:lnRef>
+          <a:fillRef idx="0">
+            <a:schemeClr val="accent1"/>
+          </a:fillRef>
+          <a:effectRef idx="0">
+            <a:schemeClr val="accent1"/>
+          </a:effectRef>
+          <a:fontRef idx="minor">
+            <a:schemeClr val="tx1"/>
+          </a:fontRef>
+        </p:style>
+      </p:cxnSp>
+    </p:spTree>
+    <p:extLst>
+      <p:ext uri="{BB962C8B-B14F-4D97-AF65-F5344CB8AC3E}">
+        <p14:creationId xmlns:p14="http://schemas.microsoft.com/office/powerpoint/2010/main" val="530107012"/>
+      </p:ext>
+    </p:extLst>
+  </p:cSld>
+  <p:clrMapOvr>
+    <a:masterClrMapping/>
+  </p:clrMapOvr>
+</p:sld>
+</file>
+
+<file path=ppt/slides/slide11.xml><?xml version="1.0" encoding="utf-8"?>
+<p:sld xmlns:a="http://schemas.openxmlformats.org/drawingml/2006/main" xmlns:r="http://schemas.openxmlformats.org/officeDocument/2006/relationships" xmlns:p="http://schemas.openxmlformats.org/presentationml/2006/main">
+  <p:cSld>
+    <p:spTree>
+      <p:nvGrpSpPr>
+        <p:cNvPr id="1" name=""/>
+        <p:cNvGrpSpPr/>
+        <p:nvPr/>
+      </p:nvGrpSpPr>
+      <p:grpSpPr>
+        <a:xfrm>
+          <a:off x="0" y="0"/>
+          <a:ext cx="0" cy="0"/>
+          <a:chOff x="0" y="0"/>
+          <a:chExt cx="0" cy="0"/>
+        </a:xfrm>
+      </p:grpSpPr>
+      <p:sp>
+        <p:nvSpPr>
+          <p:cNvPr id="2" name="Date Placeholder 1"/>
+          <p:cNvSpPr>
+            <a:spLocks noGrp="1"/>
+          </p:cNvSpPr>
+          <p:nvPr>
+            <p:ph type="dt" sz="half" idx="10"/>
+          </p:nvPr>
+        </p:nvSpPr>
+        <p:spPr/>
+        <p:txBody>
+          <a:bodyPr/>
+          <a:lstStyle/>
+          <a:p>
+            <a:fld id="{6700A58B-DD98-43D0-B791-721480A02982}" type="datetime1">
+              <a:rPr lang="en-US" smtClean="0"/>
+              <a:t>1/10/21</a:t>
+            </a:fld>
+            <a:endParaRPr lang="en-US"/>
+          </a:p>
+        </p:txBody>
+      </p:sp>
+      <p:sp>
+        <p:nvSpPr>
+          <p:cNvPr id="3" name="Title 2"/>
+          <p:cNvSpPr>
+            <a:spLocks noGrp="1"/>
+          </p:cNvSpPr>
+          <p:nvPr>
+            <p:ph type="title"/>
+          </p:nvPr>
+        </p:nvSpPr>
+        <p:spPr/>
+        <p:txBody>
+          <a:bodyPr/>
+          <a:lstStyle/>
+          <a:p>
+            <a:r>
+              <a:rPr lang="en-US" dirty="0"/>
+              <a:t>Simple Sentiment Polarity</a:t>
+            </a:r>
+          </a:p>
+        </p:txBody>
+      </p:sp>
+      <p:sp>
+        <p:nvSpPr>
+          <p:cNvPr id="4" name="Footer Placeholder 3"/>
+          <p:cNvSpPr>
+            <a:spLocks noGrp="1"/>
+          </p:cNvSpPr>
+          <p:nvPr>
+            <p:ph type="ftr" sz="quarter" idx="3"/>
+          </p:nvPr>
+        </p:nvSpPr>
+        <p:spPr/>
+        <p:txBody>
+          <a:bodyPr/>
+          <a:lstStyle/>
+          <a:p>
+            <a:r>
+              <a:rPr lang="en-US"/>
+              <a:t>Kwartler</a:t>
+            </a:r>
+            <a:endParaRPr lang="en-US" dirty="0"/>
+          </a:p>
+        </p:txBody>
+      </p:sp>
+      <p:sp>
+        <p:nvSpPr>
+          <p:cNvPr id="5" name="Slide Number Placeholder 4"/>
+          <p:cNvSpPr>
+            <a:spLocks noGrp="1"/>
+          </p:cNvSpPr>
+          <p:nvPr>
+            <p:ph type="sldNum" sz="quarter" idx="4"/>
+          </p:nvPr>
+        </p:nvSpPr>
+        <p:spPr/>
+        <p:txBody>
+          <a:bodyPr/>
+          <a:lstStyle/>
+          <a:p>
+            <a:fld id="{37290FF7-652B-4475-AEAB-8B1A5D23AE09}" type="slidenum">
+              <a:rPr lang="en-US" smtClean="0"/>
+              <a:pPr/>
+              <a:t>11</a:t>
+            </a:fld>
+            <a:endParaRPr lang="en-US" dirty="0"/>
+          </a:p>
+        </p:txBody>
+      </p:sp>
+      <p:sp>
+        <p:nvSpPr>
+          <p:cNvPr id="10" name="Rectangle 9"/>
+          <p:cNvSpPr/>
+          <p:nvPr/>
+        </p:nvSpPr>
+        <p:spPr>
+          <a:xfrm>
+            <a:off x="4572000" y="1666443"/>
+            <a:ext cx="4114800" cy="4389120"/>
+          </a:xfrm>
+          <a:prstGeom prst="rect">
+            <a:avLst/>
+          </a:prstGeom>
+          <a:solidFill>
+            <a:schemeClr val="bg1">
+              <a:lumMod val="95000"/>
+            </a:schemeClr>
+          </a:solidFill>
+          <a:ln>
+            <a:noFill/>
+          </a:ln>
+          <a:effectLst>
+            <a:outerShdw blurRad="50800" dist="38100" dir="2700000" algn="tl" rotWithShape="0">
+              <a:prstClr val="black">
+                <a:alpha val="40000"/>
+              </a:prstClr>
+            </a:outerShdw>
+          </a:effectLst>
+        </p:spPr>
+        <p:style>
+          <a:lnRef idx="2">
+            <a:schemeClr val="accent1">
+              <a:shade val="50000"/>
+            </a:schemeClr>
+          </a:lnRef>
+          <a:fillRef idx="1">
+            <a:schemeClr val="accent1"/>
+          </a:fillRef>
+          <a:effectRef idx="0">
+            <a:schemeClr val="accent1"/>
+          </a:effectRef>
+          <a:fontRef idx="minor">
+            <a:schemeClr val="lt1"/>
+          </a:fontRef>
+        </p:style>
+        <p:txBody>
+          <a:bodyPr rtlCol="0" anchor="ctr"/>
+          <a:lstStyle/>
+          <a:p>
+            <a:pPr marL="120650" indent="-120650" defTabSz="457200">
+              <a:buFont typeface="Arial" panose="020B0604020202020204" pitchFamily="34" charset="0"/>
+              <a:buChar char="•"/>
+            </a:pPr>
+            <a:endParaRPr lang="en-US" sz="2000" b="1" kern="1200" dirty="0">
+              <a:solidFill>
+                <a:prstClr val="white"/>
+              </a:solidFill>
+              <a:latin typeface="Arial Unicode MS" panose="020B0604020202020204" pitchFamily="34" charset="-128"/>
+              <a:cs typeface="Arial Unicode MS" panose="020B0604020202020204" pitchFamily="34" charset="-128"/>
+            </a:endParaRPr>
+          </a:p>
+        </p:txBody>
+      </p:sp>
+      <p:sp>
+        <p:nvSpPr>
+          <p:cNvPr id="11" name="Rectangle 10"/>
+          <p:cNvSpPr/>
+          <p:nvPr/>
+        </p:nvSpPr>
+        <p:spPr>
+          <a:xfrm>
+            <a:off x="4572000" y="1333359"/>
+            <a:ext cx="4114800" cy="457200"/>
+          </a:xfrm>
+          <a:prstGeom prst="rect">
+            <a:avLst/>
+          </a:prstGeom>
+          <a:solidFill>
+            <a:schemeClr val="bg1">
+              <a:lumMod val="50000"/>
+            </a:schemeClr>
+          </a:solidFill>
+          <a:ln>
+            <a:noFill/>
+          </a:ln>
+        </p:spPr>
+        <p:style>
+          <a:lnRef idx="2">
+            <a:schemeClr val="accent1">
+              <a:shade val="50000"/>
+            </a:schemeClr>
+          </a:lnRef>
+          <a:fillRef idx="1">
+            <a:schemeClr val="accent1"/>
+          </a:fillRef>
+          <a:effectRef idx="0">
+            <a:schemeClr val="accent1"/>
+          </a:effectRef>
+          <a:fontRef idx="minor">
+            <a:schemeClr val="lt1"/>
+          </a:fontRef>
+        </p:style>
+        <p:txBody>
+          <a:bodyPr rtlCol="0" anchor="ctr"/>
+          <a:lstStyle/>
+          <a:p>
+            <a:pPr algn="ctr" defTabSz="457200"/>
+            <a:r>
+              <a:rPr lang="en-US" sz="2400" b="1" kern="1200" dirty="0">
+                <a:solidFill>
+                  <a:prstClr val="white"/>
+                </a:solidFill>
+                <a:latin typeface="Arial Unicode MS" panose="020B0604020202020204" pitchFamily="34" charset="-128"/>
+                <a:cs typeface="Arial Unicode MS" panose="020B0604020202020204" pitchFamily="34" charset="-128"/>
+              </a:rPr>
+              <a:t>Lexicon</a:t>
+            </a:r>
+          </a:p>
+        </p:txBody>
+      </p:sp>
+      <p:sp>
+        <p:nvSpPr>
+          <p:cNvPr id="12" name="TextBox 11"/>
+          <p:cNvSpPr txBox="1"/>
+          <p:nvPr/>
+        </p:nvSpPr>
+        <p:spPr>
+          <a:xfrm>
+            <a:off x="4692034" y="3805364"/>
+            <a:ext cx="3874735" cy="1477328"/>
+          </a:xfrm>
+          <a:prstGeom prst="rect">
+            <a:avLst/>
+          </a:prstGeom>
+          <a:noFill/>
+        </p:spPr>
+        <p:txBody>
+          <a:bodyPr wrap="square" rtlCol="0">
+            <a:spAutoFit/>
+          </a:bodyPr>
+          <a:lstStyle/>
+          <a:p>
+            <a:pPr marL="120650" indent="-120650" defTabSz="457200">
+              <a:buFont typeface="Arial" panose="020B0604020202020204" pitchFamily="34" charset="0"/>
+              <a:buChar char="•"/>
+            </a:pPr>
+            <a:r>
+              <a:rPr lang="en-US" sz="1800" kern="1200" dirty="0">
+                <a:solidFill>
+                  <a:prstClr val="black"/>
+                </a:solidFill>
+                <a:latin typeface="Arial Unicode MS" panose="020B0604020202020204" pitchFamily="34" charset="-128"/>
+                <a:ea typeface="Arial Unicode MS" panose="020B0604020202020204" pitchFamily="34" charset="-128"/>
+                <a:cs typeface="Arial Unicode MS" panose="020B0604020202020204" pitchFamily="34" charset="-128"/>
+              </a:rPr>
+              <a:t>library(</a:t>
+            </a:r>
+            <a:r>
+              <a:rPr lang="en-US" sz="1800" kern="1200" dirty="0" err="1">
+                <a:solidFill>
+                  <a:prstClr val="black"/>
+                </a:solidFill>
+                <a:latin typeface="Arial Unicode MS" panose="020B0604020202020204" pitchFamily="34" charset="-128"/>
+                <a:ea typeface="Arial Unicode MS" panose="020B0604020202020204" pitchFamily="34" charset="-128"/>
+                <a:cs typeface="Arial Unicode MS" panose="020B0604020202020204" pitchFamily="34" charset="-128"/>
+              </a:rPr>
+              <a:t>qdap</a:t>
+            </a:r>
+            <a:r>
+              <a:rPr lang="en-US" sz="1800" kern="1200" dirty="0">
+                <a:solidFill>
+                  <a:prstClr val="black"/>
+                </a:solidFill>
+                <a:latin typeface="Arial Unicode MS" panose="020B0604020202020204" pitchFamily="34" charset="-128"/>
+                <a:ea typeface="Arial Unicode MS" panose="020B0604020202020204" pitchFamily="34" charset="-128"/>
+                <a:cs typeface="Arial Unicode MS" panose="020B0604020202020204" pitchFamily="34" charset="-128"/>
+              </a:rPr>
+              <a:t>) </a:t>
+            </a:r>
+          </a:p>
+          <a:p>
+            <a:pPr marL="577850" lvl="1" indent="-120650" defTabSz="457200">
+              <a:buFont typeface="Arial" panose="020B0604020202020204" pitchFamily="34" charset="0"/>
+              <a:buChar char="•"/>
+            </a:pPr>
+            <a:r>
+              <a:rPr lang="en-US" dirty="0">
+                <a:solidFill>
+                  <a:prstClr val="black"/>
+                </a:solidFill>
+                <a:latin typeface="Arial Unicode MS" panose="020B0604020202020204" pitchFamily="34" charset="-128"/>
+                <a:ea typeface="Arial Unicode MS" panose="020B0604020202020204" pitchFamily="34" charset="-128"/>
+                <a:cs typeface="Arial Unicode MS" panose="020B0604020202020204" pitchFamily="34" charset="-128"/>
+              </a:rPr>
+              <a:t>polarity()</a:t>
+            </a:r>
+          </a:p>
+          <a:p>
+            <a:pPr marL="120650" indent="-120650" defTabSz="457200">
+              <a:buFont typeface="Arial" panose="020B0604020202020204" pitchFamily="34" charset="0"/>
+              <a:buChar char="•"/>
+            </a:pPr>
+            <a:endParaRPr lang="en-US" kern="1200" dirty="0">
+              <a:solidFill>
+                <a:prstClr val="black"/>
+              </a:solidFill>
+              <a:latin typeface="Arial Unicode MS" panose="020B0604020202020204" pitchFamily="34" charset="-128"/>
+              <a:ea typeface="Arial Unicode MS" panose="020B0604020202020204" pitchFamily="34" charset="-128"/>
+              <a:cs typeface="Arial Unicode MS" panose="020B0604020202020204" pitchFamily="34" charset="-128"/>
+            </a:endParaRPr>
+          </a:p>
+          <a:p>
+            <a:pPr marL="120650" indent="-120650" defTabSz="457200">
+              <a:buFont typeface="Arial" panose="020B0604020202020204" pitchFamily="34" charset="0"/>
+              <a:buChar char="•"/>
+            </a:pPr>
+            <a:r>
+              <a:rPr lang="en-US" dirty="0">
+                <a:solidFill>
+                  <a:prstClr val="black"/>
+                </a:solidFill>
+                <a:latin typeface="Arial Unicode MS" panose="020B0604020202020204" pitchFamily="34" charset="-128"/>
+                <a:ea typeface="Arial Unicode MS" panose="020B0604020202020204" pitchFamily="34" charset="-128"/>
+                <a:cs typeface="Arial Unicode MS" panose="020B0604020202020204" pitchFamily="34" charset="-128"/>
+              </a:rPr>
+              <a:t>library(</a:t>
+            </a:r>
+            <a:r>
+              <a:rPr lang="en-US" dirty="0" err="1">
+                <a:solidFill>
+                  <a:prstClr val="black"/>
+                </a:solidFill>
+                <a:latin typeface="Arial Unicode MS" panose="020B0604020202020204" pitchFamily="34" charset="-128"/>
+                <a:ea typeface="Arial Unicode MS" panose="020B0604020202020204" pitchFamily="34" charset="-128"/>
+                <a:cs typeface="Arial Unicode MS" panose="020B0604020202020204" pitchFamily="34" charset="-128"/>
+              </a:rPr>
+              <a:t>tidytext</a:t>
+            </a:r>
+            <a:r>
+              <a:rPr lang="en-US" dirty="0">
+                <a:solidFill>
+                  <a:prstClr val="black"/>
+                </a:solidFill>
+                <a:latin typeface="Arial Unicode MS" panose="020B0604020202020204" pitchFamily="34" charset="-128"/>
+                <a:ea typeface="Arial Unicode MS" panose="020B0604020202020204" pitchFamily="34" charset="-128"/>
+                <a:cs typeface="Arial Unicode MS" panose="020B0604020202020204" pitchFamily="34" charset="-128"/>
+              </a:rPr>
+              <a:t>) &amp; library(</a:t>
+            </a:r>
+            <a:r>
+              <a:rPr lang="en-US" dirty="0" err="1">
+                <a:solidFill>
+                  <a:prstClr val="black"/>
+                </a:solidFill>
+                <a:latin typeface="Arial Unicode MS" panose="020B0604020202020204" pitchFamily="34" charset="-128"/>
+                <a:ea typeface="Arial Unicode MS" panose="020B0604020202020204" pitchFamily="34" charset="-128"/>
+                <a:cs typeface="Arial Unicode MS" panose="020B0604020202020204" pitchFamily="34" charset="-128"/>
+              </a:rPr>
+              <a:t>dplyr</a:t>
+            </a:r>
+            <a:r>
+              <a:rPr lang="en-US" dirty="0">
+                <a:solidFill>
+                  <a:prstClr val="black"/>
+                </a:solidFill>
+                <a:latin typeface="Arial Unicode MS" panose="020B0604020202020204" pitchFamily="34" charset="-128"/>
+                <a:ea typeface="Arial Unicode MS" panose="020B0604020202020204" pitchFamily="34" charset="-128"/>
+                <a:cs typeface="Arial Unicode MS" panose="020B0604020202020204" pitchFamily="34" charset="-128"/>
+              </a:rPr>
+              <a:t>)</a:t>
+            </a:r>
+          </a:p>
+          <a:p>
+            <a:pPr marL="577850" lvl="1" indent="-120650" defTabSz="457200">
+              <a:buFont typeface="Arial" panose="020B0604020202020204" pitchFamily="34" charset="0"/>
+              <a:buChar char="•"/>
+            </a:pPr>
+            <a:r>
+              <a:rPr lang="en-US" dirty="0" err="1">
+                <a:solidFill>
+                  <a:prstClr val="black"/>
+                </a:solidFill>
+                <a:latin typeface="Arial Unicode MS" panose="020B0604020202020204" pitchFamily="34" charset="-128"/>
+                <a:ea typeface="Arial Unicode MS" panose="020B0604020202020204" pitchFamily="34" charset="-128"/>
+                <a:cs typeface="Arial Unicode MS" panose="020B0604020202020204" pitchFamily="34" charset="-128"/>
+              </a:rPr>
+              <a:t>inner_join</a:t>
+            </a:r>
+            <a:r>
+              <a:rPr lang="en-US" dirty="0">
+                <a:solidFill>
+                  <a:prstClr val="black"/>
+                </a:solidFill>
+                <a:latin typeface="Arial Unicode MS" panose="020B0604020202020204" pitchFamily="34" charset="-128"/>
+                <a:ea typeface="Arial Unicode MS" panose="020B0604020202020204" pitchFamily="34" charset="-128"/>
+                <a:cs typeface="Arial Unicode MS" panose="020B0604020202020204" pitchFamily="34" charset="-128"/>
+              </a:rPr>
+              <a:t>()</a:t>
+            </a:r>
+            <a:endParaRPr lang="en-US" kern="1200" dirty="0">
+              <a:solidFill>
+                <a:prstClr val="black"/>
+              </a:solidFill>
+              <a:latin typeface="Arial Unicode MS" panose="020B0604020202020204" pitchFamily="34" charset="-128"/>
+              <a:ea typeface="Arial Unicode MS" panose="020B0604020202020204" pitchFamily="34" charset="-128"/>
+              <a:cs typeface="Arial Unicode MS" panose="020B0604020202020204" pitchFamily="34" charset="-128"/>
+            </a:endParaRPr>
+          </a:p>
+        </p:txBody>
+      </p:sp>
+      <p:sp>
+        <p:nvSpPr>
+          <p:cNvPr id="13" name="Rectangle 12"/>
+          <p:cNvSpPr/>
+          <p:nvPr/>
+        </p:nvSpPr>
+        <p:spPr>
+          <a:xfrm>
+            <a:off x="4657725" y="2209044"/>
+            <a:ext cx="3943350" cy="822960"/>
+          </a:xfrm>
+          <a:prstGeom prst="rect">
+            <a:avLst/>
+          </a:prstGeom>
+          <a:ln>
+            <a:noFill/>
+          </a:ln>
+          <a:effectLst>
+            <a:outerShdw blurRad="50800" dist="38100" dir="2700000" algn="tl" rotWithShape="0">
+              <a:prstClr val="black">
+                <a:alpha val="40000"/>
+              </a:prstClr>
+            </a:outerShdw>
+          </a:effectLst>
+        </p:spPr>
+        <p:style>
+          <a:lnRef idx="2">
+            <a:schemeClr val="accent1">
+              <a:shade val="50000"/>
+            </a:schemeClr>
+          </a:lnRef>
+          <a:fillRef idx="1">
+            <a:schemeClr val="accent1"/>
+          </a:fillRef>
+          <a:effectRef idx="0">
+            <a:schemeClr val="accent1"/>
+          </a:effectRef>
+          <a:fontRef idx="minor">
+            <a:schemeClr val="lt1"/>
+          </a:fontRef>
+        </p:style>
+        <p:txBody>
+          <a:bodyPr rtlCol="0" anchor="ctr"/>
+          <a:lstStyle/>
+          <a:p>
+            <a:pPr algn="ctr" defTabSz="457200"/>
+            <a:r>
+              <a:rPr lang="en-US" sz="1600" b="1" kern="1200" dirty="0">
+                <a:solidFill>
+                  <a:prstClr val="white"/>
+                </a:solidFill>
+                <a:latin typeface="Arial Unicode MS" panose="020B0604020202020204" pitchFamily="34" charset="-128"/>
+                <a:cs typeface="Arial Unicode MS" panose="020B0604020202020204" pitchFamily="34" charset="-128"/>
+              </a:rPr>
+              <a:t>Because of </a:t>
+            </a:r>
+            <a:r>
+              <a:rPr lang="en-US" sz="1600" b="1" kern="1200" dirty="0" err="1">
+                <a:solidFill>
+                  <a:prstClr val="white"/>
+                </a:solidFill>
+                <a:latin typeface="Arial Unicode MS" panose="020B0604020202020204" pitchFamily="34" charset="-128"/>
+                <a:cs typeface="Arial Unicode MS" panose="020B0604020202020204" pitchFamily="34" charset="-128"/>
+              </a:rPr>
+              <a:t>Zipf’s</a:t>
+            </a:r>
+            <a:r>
+              <a:rPr lang="en-US" sz="1600" b="1" kern="1200" dirty="0">
+                <a:solidFill>
+                  <a:prstClr val="white"/>
+                </a:solidFill>
+                <a:latin typeface="Arial Unicode MS" panose="020B0604020202020204" pitchFamily="34" charset="-128"/>
+                <a:cs typeface="Arial Unicode MS" panose="020B0604020202020204" pitchFamily="34" charset="-128"/>
+              </a:rPr>
+              <a:t> Law you can have </a:t>
+            </a:r>
+            <a:r>
+              <a:rPr lang="en-US" sz="1600" b="1" kern="1200" dirty="0" err="1">
+                <a:solidFill>
+                  <a:prstClr val="white"/>
+                </a:solidFill>
+                <a:latin typeface="Arial Unicode MS" panose="020B0604020202020204" pitchFamily="34" charset="-128"/>
+                <a:cs typeface="Arial Unicode MS" panose="020B0604020202020204" pitchFamily="34" charset="-128"/>
+              </a:rPr>
+              <a:t>pos</a:t>
+            </a:r>
+            <a:r>
+              <a:rPr lang="en-US" sz="1600" b="1" kern="1200" dirty="0">
+                <a:solidFill>
+                  <a:prstClr val="white"/>
+                </a:solidFill>
+                <a:latin typeface="Arial Unicode MS" panose="020B0604020202020204" pitchFamily="34" charset="-128"/>
+                <a:cs typeface="Arial Unicode MS" panose="020B0604020202020204" pitchFamily="34" charset="-128"/>
+              </a:rPr>
+              <a:t>/</a:t>
+            </a:r>
+            <a:r>
+              <a:rPr lang="en-US" sz="1600" b="1" kern="1200" dirty="0" err="1">
+                <a:solidFill>
+                  <a:prstClr val="white"/>
+                </a:solidFill>
+                <a:latin typeface="Arial Unicode MS" panose="020B0604020202020204" pitchFamily="34" charset="-128"/>
+                <a:cs typeface="Arial Unicode MS" panose="020B0604020202020204" pitchFamily="34" charset="-128"/>
+              </a:rPr>
+              <a:t>neg</a:t>
+            </a:r>
+            <a:r>
+              <a:rPr lang="en-US" sz="1600" b="1" kern="1200" dirty="0">
+                <a:solidFill>
+                  <a:prstClr val="white"/>
+                </a:solidFill>
+                <a:latin typeface="Arial Unicode MS" panose="020B0604020202020204" pitchFamily="34" charset="-128"/>
+                <a:cs typeface="Arial Unicode MS" panose="020B0604020202020204" pitchFamily="34" charset="-128"/>
+              </a:rPr>
+              <a:t> lexicons that do not encompass all possible terms.</a:t>
+            </a:r>
+          </a:p>
+        </p:txBody>
+      </p:sp>
+      <p:cxnSp>
+        <p:nvCxnSpPr>
+          <p:cNvPr id="14" name="Straight Connector 13">
+            <a:extLst>
+              <a:ext uri="{FF2B5EF4-FFF2-40B4-BE49-F238E27FC236}">
+                <a16:creationId xmlns:a16="http://schemas.microsoft.com/office/drawing/2014/main" id="{D74CF0A8-C7EC-624B-A148-D5FFA2ABEE05}"/>
+              </a:ext>
+            </a:extLst>
+          </p:cNvPr>
+          <p:cNvCxnSpPr/>
+          <p:nvPr/>
+        </p:nvCxnSpPr>
+        <p:spPr>
+          <a:xfrm>
+            <a:off x="6798363" y="6549885"/>
+            <a:ext cx="0" cy="182880"/>
+          </a:xfrm>
+          <a:prstGeom prst="line">
+            <a:avLst/>
+          </a:prstGeom>
+          <a:ln>
+            <a:solidFill>
+              <a:schemeClr val="bg1">
+                <a:lumMod val="85000"/>
+              </a:schemeClr>
+            </a:solidFill>
+          </a:ln>
+        </p:spPr>
+        <p:style>
+          <a:lnRef idx="1">
+            <a:schemeClr val="accent1"/>
+          </a:lnRef>
+          <a:fillRef idx="0">
+            <a:schemeClr val="accent1"/>
+          </a:fillRef>
+          <a:effectRef idx="0">
+            <a:schemeClr val="accent1"/>
+          </a:effectRef>
+          <a:fontRef idx="minor">
+            <a:schemeClr val="tx1"/>
+          </a:fontRef>
+        </p:style>
+      </p:cxnSp>
+      <p:cxnSp>
+        <p:nvCxnSpPr>
+          <p:cNvPr id="15" name="Straight Connector 14">
+            <a:extLst>
+              <a:ext uri="{FF2B5EF4-FFF2-40B4-BE49-F238E27FC236}">
+                <a16:creationId xmlns:a16="http://schemas.microsoft.com/office/drawing/2014/main" id="{A42F4250-2533-2B4D-B0BB-6CE0A87CC28F}"/>
+              </a:ext>
+            </a:extLst>
+          </p:cNvPr>
+          <p:cNvCxnSpPr/>
+          <p:nvPr/>
+        </p:nvCxnSpPr>
+        <p:spPr>
+          <a:xfrm>
+            <a:off x="7076661" y="4664763"/>
+            <a:ext cx="182880" cy="0"/>
+          </a:xfrm>
+          <a:prstGeom prst="line">
+            <a:avLst/>
+          </a:prstGeom>
+          <a:ln>
+            <a:solidFill>
+              <a:schemeClr val="bg1">
+                <a:lumMod val="85000"/>
+              </a:schemeClr>
+            </a:solidFill>
+          </a:ln>
+        </p:spPr>
+        <p:style>
+          <a:lnRef idx="1">
+            <a:schemeClr val="accent1"/>
+          </a:lnRef>
+          <a:fillRef idx="0">
+            <a:schemeClr val="accent1"/>
+          </a:fillRef>
+          <a:effectRef idx="0">
+            <a:schemeClr val="accent1"/>
+          </a:effectRef>
+          <a:fontRef idx="minor">
+            <a:schemeClr val="tx1"/>
+          </a:fontRef>
+        </p:style>
+      </p:cxnSp>
+      <p:sp>
+        <p:nvSpPr>
+          <p:cNvPr id="16" name="Rectangle 15">
+            <a:extLst>
+              <a:ext uri="{FF2B5EF4-FFF2-40B4-BE49-F238E27FC236}">
+                <a16:creationId xmlns:a16="http://schemas.microsoft.com/office/drawing/2014/main" id="{67AB155B-F941-AE44-B62A-5CB3BD62385A}"/>
+              </a:ext>
+            </a:extLst>
+          </p:cNvPr>
+          <p:cNvSpPr/>
+          <p:nvPr/>
+        </p:nvSpPr>
+        <p:spPr>
+          <a:xfrm>
+            <a:off x="266623" y="1679493"/>
+            <a:ext cx="4114800" cy="4389120"/>
+          </a:xfrm>
+          <a:prstGeom prst="rect">
+            <a:avLst/>
+          </a:prstGeom>
+          <a:solidFill>
+            <a:schemeClr val="bg1">
+              <a:lumMod val="95000"/>
+            </a:schemeClr>
+          </a:solidFill>
+          <a:ln>
+            <a:noFill/>
+          </a:ln>
+          <a:effectLst>
+            <a:outerShdw blurRad="50800" dist="38100" dir="2700000" algn="tl" rotWithShape="0">
+              <a:prstClr val="black">
+                <a:alpha val="40000"/>
+              </a:prstClr>
+            </a:outerShdw>
+          </a:effectLst>
+        </p:spPr>
+        <p:style>
+          <a:lnRef idx="2">
+            <a:schemeClr val="accent1">
+              <a:shade val="50000"/>
+            </a:schemeClr>
+          </a:lnRef>
+          <a:fillRef idx="1">
+            <a:schemeClr val="accent1"/>
+          </a:fillRef>
+          <a:effectRef idx="0">
+            <a:schemeClr val="accent1"/>
+          </a:effectRef>
+          <a:fontRef idx="minor">
+            <a:schemeClr val="lt1"/>
+          </a:fontRef>
+        </p:style>
+        <p:txBody>
+          <a:bodyPr rtlCol="0" anchor="ctr"/>
+          <a:lstStyle/>
+          <a:p>
+            <a:pPr algn="ctr" defTabSz="457200"/>
+            <a:endParaRPr lang="en-US" sz="1800" kern="1200" dirty="0">
+              <a:solidFill>
+                <a:prstClr val="white"/>
+              </a:solidFill>
+              <a:latin typeface="Arial Unicode MS" panose="020B0604020202020204" pitchFamily="34" charset="-128"/>
+              <a:cs typeface="Arial Unicode MS" panose="020B0604020202020204" pitchFamily="34" charset="-128"/>
+            </a:endParaRPr>
+          </a:p>
+        </p:txBody>
+      </p:sp>
+      <p:sp>
+        <p:nvSpPr>
+          <p:cNvPr id="17" name="Rectangle 16">
+            <a:extLst>
+              <a:ext uri="{FF2B5EF4-FFF2-40B4-BE49-F238E27FC236}">
+                <a16:creationId xmlns:a16="http://schemas.microsoft.com/office/drawing/2014/main" id="{48582DBD-5915-D347-99D7-EB5FD1E7BE28}"/>
+              </a:ext>
+            </a:extLst>
+          </p:cNvPr>
+          <p:cNvSpPr/>
+          <p:nvPr/>
+        </p:nvSpPr>
+        <p:spPr>
+          <a:xfrm>
+            <a:off x="267676" y="1346409"/>
+            <a:ext cx="4114800" cy="457200"/>
+          </a:xfrm>
+          <a:prstGeom prst="rect">
+            <a:avLst/>
+          </a:prstGeom>
+          <a:solidFill>
+            <a:schemeClr val="bg1">
+              <a:lumMod val="50000"/>
+            </a:schemeClr>
+          </a:solidFill>
+          <a:ln>
+            <a:noFill/>
+          </a:ln>
+        </p:spPr>
+        <p:style>
+          <a:lnRef idx="2">
+            <a:schemeClr val="accent1">
+              <a:shade val="50000"/>
+            </a:schemeClr>
+          </a:lnRef>
+          <a:fillRef idx="1">
+            <a:schemeClr val="accent1"/>
+          </a:fillRef>
+          <a:effectRef idx="0">
+            <a:schemeClr val="accent1"/>
+          </a:effectRef>
+          <a:fontRef idx="minor">
+            <a:schemeClr val="lt1"/>
+          </a:fontRef>
+        </p:style>
+        <p:txBody>
+          <a:bodyPr rtlCol="0" anchor="ctr"/>
+          <a:lstStyle/>
+          <a:p>
+            <a:pPr algn="ctr" defTabSz="457200"/>
+            <a:r>
+              <a:rPr lang="en-US" sz="2400" b="1" kern="1200" dirty="0">
+                <a:solidFill>
+                  <a:prstClr val="white"/>
+                </a:solidFill>
+                <a:latin typeface="Arial Unicode MS" panose="020B0604020202020204" pitchFamily="34" charset="-128"/>
+                <a:cs typeface="Arial Unicode MS" panose="020B0604020202020204" pitchFamily="34" charset="-128"/>
+              </a:rPr>
+              <a:t>Zipf’s Law</a:t>
+            </a:r>
+          </a:p>
+        </p:txBody>
+      </p:sp>
+      <p:graphicFrame>
+        <p:nvGraphicFramePr>
+          <p:cNvPr id="18" name="Chart 17">
+            <a:extLst>
+              <a:ext uri="{FF2B5EF4-FFF2-40B4-BE49-F238E27FC236}">
+                <a16:creationId xmlns:a16="http://schemas.microsoft.com/office/drawing/2014/main" id="{4A4034D4-5B52-3745-A298-E5764C6EC740}"/>
+              </a:ext>
+            </a:extLst>
+          </p:cNvPr>
+          <p:cNvGraphicFramePr>
+            <a:graphicFrameLocks/>
+          </p:cNvGraphicFramePr>
+          <p:nvPr>
+            <p:extLst>
+              <p:ext uri="{D42A27DB-BD31-4B8C-83A1-F6EECF244321}">
+                <p14:modId xmlns:p14="http://schemas.microsoft.com/office/powerpoint/2010/main" val="800195304"/>
+              </p:ext>
+            </p:extLst>
+          </p:nvPr>
+        </p:nvGraphicFramePr>
+        <p:xfrm>
+          <a:off x="338778" y="3302651"/>
+          <a:ext cx="3931919" cy="2491622"/>
+        </p:xfrm>
+        <a:graphic>
+          <a:graphicData uri="http://schemas.openxmlformats.org/drawingml/2006/chart">
+            <c:chart xmlns:c="http://schemas.openxmlformats.org/drawingml/2006/chart" xmlns:r="http://schemas.openxmlformats.org/officeDocument/2006/relationships" r:id="rId2"/>
+          </a:graphicData>
+        </a:graphic>
+      </p:graphicFrame>
+      <p:sp>
+        <p:nvSpPr>
+          <p:cNvPr id="19" name="Rectangle 18">
+            <a:extLst>
+              <a:ext uri="{FF2B5EF4-FFF2-40B4-BE49-F238E27FC236}">
+                <a16:creationId xmlns:a16="http://schemas.microsoft.com/office/drawing/2014/main" id="{CB80A3BE-A646-C44C-A629-239BC76FD4D4}"/>
+              </a:ext>
+            </a:extLst>
+          </p:cNvPr>
+          <p:cNvSpPr/>
+          <p:nvPr/>
+        </p:nvSpPr>
+        <p:spPr>
+          <a:xfrm>
+            <a:off x="337432" y="2257953"/>
+            <a:ext cx="3943350" cy="822960"/>
+          </a:xfrm>
+          <a:prstGeom prst="rect">
+            <a:avLst/>
+          </a:prstGeom>
+          <a:ln>
+            <a:noFill/>
+          </a:ln>
+          <a:effectLst>
+            <a:outerShdw blurRad="50800" dist="38100" dir="2700000" algn="tl" rotWithShape="0">
+              <a:prstClr val="black">
+                <a:alpha val="40000"/>
+              </a:prstClr>
+            </a:outerShdw>
+          </a:effectLst>
+        </p:spPr>
+        <p:style>
+          <a:lnRef idx="2">
+            <a:schemeClr val="accent1">
+              <a:shade val="50000"/>
+            </a:schemeClr>
+          </a:lnRef>
+          <a:fillRef idx="1">
+            <a:schemeClr val="accent1"/>
+          </a:fillRef>
+          <a:effectRef idx="0">
+            <a:schemeClr val="accent1"/>
+          </a:effectRef>
+          <a:fontRef idx="minor">
+            <a:schemeClr val="lt1"/>
+          </a:fontRef>
+        </p:style>
+        <p:txBody>
+          <a:bodyPr rtlCol="0" anchor="ctr"/>
+          <a:lstStyle/>
+          <a:p>
+            <a:pPr algn="ctr" defTabSz="457200"/>
+            <a:r>
+              <a:rPr lang="en-US" sz="1600" b="1" kern="1200" dirty="0">
+                <a:solidFill>
+                  <a:prstClr val="white"/>
+                </a:solidFill>
+                <a:latin typeface="Arial Unicode MS" panose="020B0604020202020204" pitchFamily="34" charset="-128"/>
+                <a:cs typeface="Arial Unicode MS" panose="020B0604020202020204" pitchFamily="34" charset="-128"/>
+              </a:rPr>
+              <a:t>Many words in natural language but there is steep decline in everyday usage.  Follows a predictable pattern.  </a:t>
+            </a:r>
+          </a:p>
+        </p:txBody>
+      </p:sp>
+    </p:spTree>
+    <p:extLst>
+      <p:ext uri="{BB962C8B-B14F-4D97-AF65-F5344CB8AC3E}">
+        <p14:creationId xmlns:p14="http://schemas.microsoft.com/office/powerpoint/2010/main" val="2328698724"/>
+      </p:ext>
+    </p:extLst>
+  </p:cSld>
+  <p:clrMapOvr>
+    <a:masterClrMapping/>
+  </p:clrMapOvr>
+</p:sld>
+</file>
+
+<file path=ppt/slides/slide12.xml><?xml version="1.0" encoding="utf-8"?>
+<p:sld xmlns:a="http://schemas.openxmlformats.org/drawingml/2006/main" xmlns:r="http://schemas.openxmlformats.org/officeDocument/2006/relationships" xmlns:p="http://schemas.openxmlformats.org/presentationml/2006/main">
+  <p:cSld>
+    <p:spTree>
+      <p:nvGrpSpPr>
+        <p:cNvPr id="1" name=""/>
+        <p:cNvGrpSpPr/>
+        <p:nvPr/>
+      </p:nvGrpSpPr>
+      <p:grpSpPr>
+        <a:xfrm>
+          <a:off x="0" y="0"/>
+          <a:ext cx="0" cy="0"/>
+          <a:chOff x="0" y="0"/>
+          <a:chExt cx="0" cy="0"/>
+        </a:xfrm>
+      </p:grpSpPr>
+      <p:sp>
+        <p:nvSpPr>
+          <p:cNvPr id="2" name="Date Placeholder 1"/>
+          <p:cNvSpPr>
+            <a:spLocks noGrp="1"/>
+          </p:cNvSpPr>
+          <p:nvPr>
+            <p:ph type="dt" sz="half" idx="10"/>
+          </p:nvPr>
+        </p:nvSpPr>
+        <p:spPr/>
+        <p:txBody>
+          <a:bodyPr/>
+          <a:lstStyle/>
+          <a:p>
+            <a:fld id="{6700A58B-DD98-43D0-B791-721480A02982}" type="datetime1">
+              <a:rPr lang="en-US" smtClean="0"/>
+              <a:t>1/10/21</a:t>
+            </a:fld>
+            <a:endParaRPr lang="en-US"/>
+          </a:p>
+        </p:txBody>
+      </p:sp>
+      <p:sp>
+        <p:nvSpPr>
+          <p:cNvPr id="3" name="Title 2"/>
+          <p:cNvSpPr>
+            <a:spLocks noGrp="1"/>
+          </p:cNvSpPr>
+          <p:nvPr>
+            <p:ph type="title"/>
+          </p:nvPr>
+        </p:nvSpPr>
+        <p:spPr/>
+        <p:txBody>
+          <a:bodyPr/>
+          <a:lstStyle/>
+          <a:p>
+            <a:r>
+              <a:rPr lang="en-US" dirty="0"/>
+              <a:t>Differences between Polarity &amp; Emotion</a:t>
+            </a:r>
+          </a:p>
+        </p:txBody>
+      </p:sp>
+      <p:sp>
+        <p:nvSpPr>
+          <p:cNvPr id="4" name="Footer Placeholder 3"/>
+          <p:cNvSpPr>
+            <a:spLocks noGrp="1"/>
+          </p:cNvSpPr>
+          <p:nvPr>
+            <p:ph type="ftr" sz="quarter" idx="3"/>
+          </p:nvPr>
+        </p:nvSpPr>
+        <p:spPr/>
+        <p:txBody>
+          <a:bodyPr/>
+          <a:lstStyle/>
+          <a:p>
+            <a:r>
+              <a:rPr lang="en-US"/>
+              <a:t>Kwartler</a:t>
+            </a:r>
+            <a:endParaRPr lang="en-US" dirty="0"/>
+          </a:p>
+        </p:txBody>
+      </p:sp>
+      <p:sp>
+        <p:nvSpPr>
+          <p:cNvPr id="5" name="Slide Number Placeholder 4"/>
+          <p:cNvSpPr>
+            <a:spLocks noGrp="1"/>
+          </p:cNvSpPr>
+          <p:nvPr>
+            <p:ph type="sldNum" sz="quarter" idx="4"/>
+          </p:nvPr>
+        </p:nvSpPr>
+        <p:spPr/>
+        <p:txBody>
+          <a:bodyPr/>
+          <a:lstStyle/>
+          <a:p>
+            <a:fld id="{37290FF7-652B-4475-AEAB-8B1A5D23AE09}" type="slidenum">
+              <a:rPr lang="en-US" smtClean="0"/>
+              <a:pPr/>
+              <a:t>12</a:t>
+            </a:fld>
+            <a:endParaRPr lang="en-US" dirty="0"/>
+          </a:p>
+        </p:txBody>
+      </p:sp>
+      <p:pic>
+        <p:nvPicPr>
+          <p:cNvPr id="1026" name="Picture 2" descr="Image result for trap meme"/>
+          <p:cNvPicPr>
+            <a:picLocks noChangeAspect="1" noChangeArrowheads="1"/>
+          </p:cNvPicPr>
+          <p:nvPr/>
+        </p:nvPicPr>
+        <p:blipFill>
+          <a:blip r:embed="rId2">
+            <a:extLst>
+              <a:ext uri="{28A0092B-C50C-407E-A947-70E740481C1C}">
+                <a14:useLocalDpi xmlns:a14="http://schemas.microsoft.com/office/drawing/2010/main" val="0"/>
+              </a:ext>
+            </a:extLst>
+          </a:blip>
+          <a:srcRect/>
+          <a:stretch>
+            <a:fillRect/>
+          </a:stretch>
+        </p:blipFill>
+        <p:spPr bwMode="auto">
+          <a:xfrm>
+            <a:off x="378372" y="2287368"/>
+            <a:ext cx="3581290" cy="2650155"/>
+          </a:xfrm>
+          <a:prstGeom prst="rect">
+            <a:avLst/>
+          </a:prstGeom>
+          <a:noFill/>
+          <a:extLst>
+            <a:ext uri="{909E8E84-426E-40DD-AFC4-6F175D3DCCD1}">
+              <a14:hiddenFill xmlns:a14="http://schemas.microsoft.com/office/drawing/2010/main">
+                <a:solidFill>
+                  <a:srgbClr val="FFFFFF"/>
+                </a:solidFill>
+              </a14:hiddenFill>
+            </a:ext>
+          </a:extLst>
+        </p:spPr>
+      </p:pic>
+      <p:sp>
+        <p:nvSpPr>
+          <p:cNvPr id="6" name="TextBox 5"/>
+          <p:cNvSpPr txBox="1"/>
+          <p:nvPr/>
+        </p:nvSpPr>
+        <p:spPr>
+          <a:xfrm>
+            <a:off x="4035973" y="2682920"/>
+            <a:ext cx="4382814" cy="1938992"/>
+          </a:xfrm>
+          <a:prstGeom prst="rect">
+            <a:avLst/>
+          </a:prstGeom>
+          <a:noFill/>
+        </p:spPr>
+        <p:txBody>
+          <a:bodyPr wrap="square" rtlCol="0">
+            <a:spAutoFit/>
+          </a:bodyPr>
+          <a:lstStyle/>
+          <a:p>
+            <a:pPr marL="285750" indent="-285750">
+              <a:buFont typeface="Arial" panose="020B0604020202020204" pitchFamily="34" charset="0"/>
+              <a:buChar char="•"/>
+            </a:pPr>
+            <a:r>
+              <a:rPr lang="en-US" sz="2400" dirty="0"/>
+              <a:t>Surprise is an emotion</a:t>
+            </a:r>
+          </a:p>
+          <a:p>
+            <a:pPr marL="285750" indent="-285750">
+              <a:buFont typeface="Arial" panose="020B0604020202020204" pitchFamily="34" charset="0"/>
+              <a:buChar char="•"/>
+            </a:pPr>
+            <a:endParaRPr lang="en-US" sz="2400" dirty="0"/>
+          </a:p>
+          <a:p>
+            <a:pPr marL="285750" indent="-285750">
+              <a:buFont typeface="Arial" panose="020B0604020202020204" pitchFamily="34" charset="0"/>
+              <a:buChar char="•"/>
+            </a:pPr>
+            <a:r>
+              <a:rPr lang="en-US" sz="2400" dirty="0"/>
+              <a:t>Some emotions can be positive &amp; negative</a:t>
+            </a:r>
+          </a:p>
+          <a:p>
+            <a:pPr lvl="1"/>
+            <a:endParaRPr lang="en-US" sz="2400" dirty="0"/>
+          </a:p>
+        </p:txBody>
+      </p:sp>
+      <p:sp>
+        <p:nvSpPr>
+          <p:cNvPr id="8" name="Rectangle 7"/>
+          <p:cNvSpPr/>
+          <p:nvPr/>
+        </p:nvSpPr>
+        <p:spPr>
+          <a:xfrm>
+            <a:off x="4243388" y="2268917"/>
+            <a:ext cx="4114800" cy="457200"/>
+          </a:xfrm>
+          <a:prstGeom prst="rect">
+            <a:avLst/>
+          </a:prstGeom>
+          <a:solidFill>
+            <a:schemeClr val="bg1">
+              <a:lumMod val="50000"/>
+            </a:schemeClr>
+          </a:solidFill>
+          <a:ln>
+            <a:noFill/>
+          </a:ln>
+        </p:spPr>
+        <p:style>
+          <a:lnRef idx="2">
+            <a:schemeClr val="accent1">
+              <a:shade val="50000"/>
+            </a:schemeClr>
+          </a:lnRef>
+          <a:fillRef idx="1">
+            <a:schemeClr val="accent1"/>
+          </a:fillRef>
+          <a:effectRef idx="0">
+            <a:schemeClr val="accent1"/>
+          </a:effectRef>
+          <a:fontRef idx="minor">
+            <a:schemeClr val="lt1"/>
+          </a:fontRef>
+        </p:style>
+        <p:txBody>
+          <a:bodyPr rtlCol="0" anchor="ctr"/>
+          <a:lstStyle/>
+          <a:p>
+            <a:pPr algn="ctr" defTabSz="457200"/>
+            <a:r>
+              <a:rPr lang="en-US" sz="2400" b="1" dirty="0">
+                <a:solidFill>
+                  <a:prstClr val="white"/>
+                </a:solidFill>
+                <a:latin typeface="Arial Unicode MS" panose="020B0604020202020204" pitchFamily="34" charset="-128"/>
+                <a:cs typeface="Arial Unicode MS" panose="020B0604020202020204" pitchFamily="34" charset="-128"/>
+              </a:rPr>
+              <a:t>Polarity isn’t an emotion</a:t>
+            </a:r>
+            <a:endParaRPr lang="en-US" sz="2400" b="1" kern="1200" dirty="0">
+              <a:solidFill>
+                <a:prstClr val="white"/>
+              </a:solidFill>
+              <a:latin typeface="Arial Unicode MS" panose="020B0604020202020204" pitchFamily="34" charset="-128"/>
+              <a:cs typeface="Arial Unicode MS" panose="020B0604020202020204" pitchFamily="34" charset="-128"/>
+            </a:endParaRPr>
+          </a:p>
+        </p:txBody>
+      </p:sp>
+      <p:sp>
+        <p:nvSpPr>
+          <p:cNvPr id="10" name="TextBox 9"/>
+          <p:cNvSpPr txBox="1"/>
+          <p:nvPr/>
+        </p:nvSpPr>
+        <p:spPr>
+          <a:xfrm>
+            <a:off x="382543" y="5863407"/>
+            <a:ext cx="8361679" cy="338554"/>
+          </a:xfrm>
+          <a:prstGeom prst="rect">
+            <a:avLst/>
+          </a:prstGeom>
+          <a:solidFill>
+            <a:schemeClr val="accent6"/>
+          </a:solidFill>
+        </p:spPr>
+        <p:txBody>
+          <a:bodyPr wrap="square" rtlCol="0">
+            <a:spAutoFit/>
+          </a:bodyPr>
+          <a:lstStyle/>
+          <a:p>
+            <a:pPr algn="ctr" defTabSz="457200"/>
+            <a:r>
+              <a:rPr lang="en-US" sz="1600" kern="1200" dirty="0">
+                <a:solidFill>
+                  <a:prstClr val="white"/>
+                </a:solidFill>
+                <a:latin typeface="Arial Unicode MS" panose="020B0604020202020204" pitchFamily="34" charset="-128"/>
+                <a:ea typeface="Arial Unicode MS" panose="020B0604020202020204" pitchFamily="34" charset="-128"/>
+                <a:cs typeface="Arial Unicode MS" panose="020B0604020202020204" pitchFamily="34" charset="-128"/>
+              </a:rPr>
+              <a:t>Surprise!  You won the lottery!!</a:t>
+            </a:r>
+          </a:p>
+        </p:txBody>
+      </p:sp>
+      <p:cxnSp>
+        <p:nvCxnSpPr>
+          <p:cNvPr id="15" name="Straight Connector 14">
+            <a:extLst>
+              <a:ext uri="{FF2B5EF4-FFF2-40B4-BE49-F238E27FC236}">
+                <a16:creationId xmlns:a16="http://schemas.microsoft.com/office/drawing/2014/main" id="{17A16838-6667-D947-A7BD-E0F5E9F609C9}"/>
+              </a:ext>
+            </a:extLst>
+          </p:cNvPr>
+          <p:cNvCxnSpPr/>
+          <p:nvPr/>
+        </p:nvCxnSpPr>
+        <p:spPr>
+          <a:xfrm>
+            <a:off x="6798363" y="6549885"/>
+            <a:ext cx="0" cy="182880"/>
+          </a:xfrm>
+          <a:prstGeom prst="line">
+            <a:avLst/>
+          </a:prstGeom>
+          <a:ln>
+            <a:solidFill>
+              <a:schemeClr val="bg1">
+                <a:lumMod val="85000"/>
+              </a:schemeClr>
+            </a:solidFill>
+          </a:ln>
+        </p:spPr>
+        <p:style>
+          <a:lnRef idx="1">
+            <a:schemeClr val="accent1"/>
+          </a:lnRef>
+          <a:fillRef idx="0">
+            <a:schemeClr val="accent1"/>
+          </a:fillRef>
+          <a:effectRef idx="0">
+            <a:schemeClr val="accent1"/>
+          </a:effectRef>
+          <a:fontRef idx="minor">
+            <a:schemeClr val="tx1"/>
+          </a:fontRef>
+        </p:style>
+      </p:cxnSp>
+      <p:cxnSp>
+        <p:nvCxnSpPr>
+          <p:cNvPr id="16" name="Straight Connector 15">
+            <a:extLst>
+              <a:ext uri="{FF2B5EF4-FFF2-40B4-BE49-F238E27FC236}">
+                <a16:creationId xmlns:a16="http://schemas.microsoft.com/office/drawing/2014/main" id="{B69E23AE-BBA5-FA45-9A89-C560D11F3D5C}"/>
+              </a:ext>
+            </a:extLst>
+          </p:cNvPr>
+          <p:cNvCxnSpPr/>
+          <p:nvPr/>
+        </p:nvCxnSpPr>
+        <p:spPr>
+          <a:xfrm>
+            <a:off x="7076661" y="4664763"/>
+            <a:ext cx="182880" cy="0"/>
+          </a:xfrm>
+          <a:prstGeom prst="line">
+            <a:avLst/>
+          </a:prstGeom>
+          <a:ln>
+            <a:solidFill>
+              <a:schemeClr val="bg1">
+                <a:lumMod val="85000"/>
+              </a:schemeClr>
+            </a:solidFill>
+          </a:ln>
+        </p:spPr>
+        <p:style>
+          <a:lnRef idx="1">
+            <a:schemeClr val="accent1"/>
+          </a:lnRef>
+          <a:fillRef idx="0">
+            <a:schemeClr val="accent1"/>
+          </a:fillRef>
+          <a:effectRef idx="0">
+            <a:schemeClr val="accent1"/>
+          </a:effectRef>
+          <a:fontRef idx="minor">
+            <a:schemeClr val="tx1"/>
+          </a:fontRef>
+        </p:style>
+      </p:cxnSp>
+    </p:spTree>
+    <p:extLst>
+      <p:ext uri="{BB962C8B-B14F-4D97-AF65-F5344CB8AC3E}">
+        <p14:creationId xmlns:p14="http://schemas.microsoft.com/office/powerpoint/2010/main" val="3437578903"/>
+      </p:ext>
+    </p:extLst>
+  </p:cSld>
+  <p:clrMapOvr>
+    <a:masterClrMapping/>
+  </p:clrMapOvr>
+</p:sld>
+</file>
+
+<file path=ppt/slides/slide13.xml><?xml version="1.0" encoding="utf-8"?>
+<p:sld xmlns:a="http://schemas.openxmlformats.org/drawingml/2006/main" xmlns:r="http://schemas.openxmlformats.org/officeDocument/2006/relationships" xmlns:p="http://schemas.openxmlformats.org/presentationml/2006/main">
+  <p:cSld>
+    <p:spTree>
+      <p:nvGrpSpPr>
+        <p:cNvPr id="1" name=""/>
+        <p:cNvGrpSpPr/>
+        <p:nvPr/>
+      </p:nvGrpSpPr>
+      <p:grpSpPr>
+        <a:xfrm>
+          <a:off x="0" y="0"/>
+          <a:ext cx="0" cy="0"/>
+          <a:chOff x="0" y="0"/>
+          <a:chExt cx="0" cy="0"/>
+        </a:xfrm>
+      </p:grpSpPr>
+      <p:sp>
+        <p:nvSpPr>
+          <p:cNvPr id="2" name="Date Placeholder 1"/>
+          <p:cNvSpPr>
+            <a:spLocks noGrp="1"/>
+          </p:cNvSpPr>
+          <p:nvPr>
+            <p:ph type="dt" sz="half" idx="10"/>
+          </p:nvPr>
+        </p:nvSpPr>
+        <p:spPr/>
+        <p:txBody>
+          <a:bodyPr/>
+          <a:lstStyle/>
+          <a:p>
+            <a:fld id="{6700A58B-DD98-43D0-B791-721480A02982}" type="datetime1">
+              <a:rPr lang="en-US" smtClean="0"/>
+              <a:t>1/10/21</a:t>
+            </a:fld>
+            <a:endParaRPr lang="en-US"/>
+          </a:p>
+        </p:txBody>
+      </p:sp>
+      <p:sp>
+        <p:nvSpPr>
+          <p:cNvPr id="3" name="Title 2"/>
+          <p:cNvSpPr>
+            <a:spLocks noGrp="1"/>
+          </p:cNvSpPr>
+          <p:nvPr>
+            <p:ph type="title"/>
+          </p:nvPr>
+        </p:nvSpPr>
+        <p:spPr/>
+        <p:txBody>
+          <a:bodyPr/>
+          <a:lstStyle/>
+          <a:p>
+            <a:r>
+              <a:rPr lang="en-US" dirty="0"/>
+              <a:t>Differences between Polarity &amp; Emotion</a:t>
+            </a:r>
+          </a:p>
+        </p:txBody>
+      </p:sp>
+      <p:sp>
+        <p:nvSpPr>
+          <p:cNvPr id="4" name="Footer Placeholder 3"/>
+          <p:cNvSpPr>
+            <a:spLocks noGrp="1"/>
+          </p:cNvSpPr>
+          <p:nvPr>
+            <p:ph type="ftr" sz="quarter" idx="3"/>
+          </p:nvPr>
+        </p:nvSpPr>
+        <p:spPr/>
+        <p:txBody>
+          <a:bodyPr/>
+          <a:lstStyle/>
+          <a:p>
+            <a:r>
+              <a:rPr lang="en-US"/>
+              <a:t>Kwartler</a:t>
+            </a:r>
+            <a:endParaRPr lang="en-US" dirty="0"/>
+          </a:p>
+        </p:txBody>
+      </p:sp>
+      <p:sp>
+        <p:nvSpPr>
+          <p:cNvPr id="5" name="Slide Number Placeholder 4"/>
+          <p:cNvSpPr>
+            <a:spLocks noGrp="1"/>
+          </p:cNvSpPr>
+          <p:nvPr>
+            <p:ph type="sldNum" sz="quarter" idx="4"/>
+          </p:nvPr>
+        </p:nvSpPr>
+        <p:spPr/>
+        <p:txBody>
+          <a:bodyPr/>
+          <a:lstStyle/>
+          <a:p>
+            <a:fld id="{37290FF7-652B-4475-AEAB-8B1A5D23AE09}" type="slidenum">
+              <a:rPr lang="en-US" smtClean="0"/>
+              <a:pPr/>
+              <a:t>13</a:t>
+            </a:fld>
+            <a:endParaRPr lang="en-US" dirty="0"/>
+          </a:p>
+        </p:txBody>
+      </p:sp>
+      <p:pic>
+        <p:nvPicPr>
+          <p:cNvPr id="1026" name="Picture 2" descr="Image result for trap meme"/>
+          <p:cNvPicPr>
+            <a:picLocks noChangeAspect="1" noChangeArrowheads="1"/>
+          </p:cNvPicPr>
+          <p:nvPr/>
+        </p:nvPicPr>
+        <p:blipFill>
+          <a:blip r:embed="rId2">
+            <a:extLst>
+              <a:ext uri="{28A0092B-C50C-407E-A947-70E740481C1C}">
+                <a14:useLocalDpi xmlns:a14="http://schemas.microsoft.com/office/drawing/2010/main" val="0"/>
+              </a:ext>
+            </a:extLst>
+          </a:blip>
+          <a:srcRect/>
+          <a:stretch>
+            <a:fillRect/>
+          </a:stretch>
+        </p:blipFill>
+        <p:spPr bwMode="auto">
+          <a:xfrm>
+            <a:off x="378372" y="2287368"/>
+            <a:ext cx="3581290" cy="2650155"/>
+          </a:xfrm>
+          <a:prstGeom prst="rect">
+            <a:avLst/>
+          </a:prstGeom>
+          <a:noFill/>
+          <a:extLst>
+            <a:ext uri="{909E8E84-426E-40DD-AFC4-6F175D3DCCD1}">
+              <a14:hiddenFill xmlns:a14="http://schemas.microsoft.com/office/drawing/2010/main">
+                <a:solidFill>
+                  <a:srgbClr val="FFFFFF"/>
+                </a:solidFill>
+              </a14:hiddenFill>
+            </a:ext>
+          </a:extLst>
+        </p:spPr>
+      </p:pic>
+      <p:sp>
+        <p:nvSpPr>
+          <p:cNvPr id="8" name="Rectangle 7"/>
+          <p:cNvSpPr/>
+          <p:nvPr/>
+        </p:nvSpPr>
+        <p:spPr>
+          <a:xfrm>
+            <a:off x="4243388" y="2268917"/>
+            <a:ext cx="4114800" cy="457200"/>
+          </a:xfrm>
+          <a:prstGeom prst="rect">
+            <a:avLst/>
+          </a:prstGeom>
+          <a:solidFill>
+            <a:schemeClr val="bg1">
+              <a:lumMod val="50000"/>
+            </a:schemeClr>
+          </a:solidFill>
+          <a:ln>
+            <a:noFill/>
+          </a:ln>
+        </p:spPr>
+        <p:style>
+          <a:lnRef idx="2">
+            <a:schemeClr val="accent1">
+              <a:shade val="50000"/>
+            </a:schemeClr>
+          </a:lnRef>
+          <a:fillRef idx="1">
+            <a:schemeClr val="accent1"/>
+          </a:fillRef>
+          <a:effectRef idx="0">
+            <a:schemeClr val="accent1"/>
+          </a:effectRef>
+          <a:fontRef idx="minor">
+            <a:schemeClr val="lt1"/>
+          </a:fontRef>
+        </p:style>
+        <p:txBody>
+          <a:bodyPr rtlCol="0" anchor="ctr"/>
+          <a:lstStyle/>
+          <a:p>
+            <a:pPr algn="ctr" defTabSz="457200"/>
+            <a:r>
+              <a:rPr lang="en-US" sz="2400" b="1" dirty="0">
+                <a:solidFill>
+                  <a:prstClr val="white"/>
+                </a:solidFill>
+                <a:latin typeface="Arial Unicode MS" panose="020B0604020202020204" pitchFamily="34" charset="-128"/>
+                <a:cs typeface="Arial Unicode MS" panose="020B0604020202020204" pitchFamily="34" charset="-128"/>
+              </a:rPr>
+              <a:t>Polarity isn’t an emotion</a:t>
+            </a:r>
+            <a:endParaRPr lang="en-US" sz="2400" b="1" kern="1200" dirty="0">
+              <a:solidFill>
+                <a:prstClr val="white"/>
+              </a:solidFill>
+              <a:latin typeface="Arial Unicode MS" panose="020B0604020202020204" pitchFamily="34" charset="-128"/>
+              <a:cs typeface="Arial Unicode MS" panose="020B0604020202020204" pitchFamily="34" charset="-128"/>
+            </a:endParaRPr>
+          </a:p>
+        </p:txBody>
+      </p:sp>
+      <p:sp>
+        <p:nvSpPr>
+          <p:cNvPr id="9" name="TextBox 8"/>
+          <p:cNvSpPr txBox="1"/>
+          <p:nvPr/>
+        </p:nvSpPr>
+        <p:spPr>
+          <a:xfrm>
+            <a:off x="382543" y="5863407"/>
+            <a:ext cx="8361679" cy="338554"/>
+          </a:xfrm>
+          <a:prstGeom prst="rect">
+            <a:avLst/>
+          </a:prstGeom>
+          <a:solidFill>
+            <a:schemeClr val="accent6"/>
+          </a:solidFill>
+        </p:spPr>
+        <p:txBody>
+          <a:bodyPr wrap="square" rtlCol="0">
+            <a:spAutoFit/>
+          </a:bodyPr>
+          <a:lstStyle/>
+          <a:p>
+            <a:pPr algn="ctr" defTabSz="457200"/>
+            <a:r>
+              <a:rPr lang="en-US" sz="1600" kern="1200" dirty="0">
+                <a:solidFill>
+                  <a:prstClr val="white"/>
+                </a:solidFill>
+                <a:latin typeface="Arial Unicode MS" panose="020B0604020202020204" pitchFamily="34" charset="-128"/>
+                <a:ea typeface="Arial Unicode MS" panose="020B0604020202020204" pitchFamily="34" charset="-128"/>
+                <a:cs typeface="Arial Unicode MS" panose="020B0604020202020204" pitchFamily="34" charset="-128"/>
+              </a:rPr>
+              <a:t>Surprise!  You were hit by a bus!!</a:t>
+            </a:r>
+          </a:p>
+        </p:txBody>
+      </p:sp>
+      <p:sp>
+        <p:nvSpPr>
+          <p:cNvPr id="10" name="TextBox 9"/>
+          <p:cNvSpPr txBox="1"/>
+          <p:nvPr/>
+        </p:nvSpPr>
+        <p:spPr>
+          <a:xfrm>
+            <a:off x="4035973" y="2739027"/>
+            <a:ext cx="4382814" cy="1938992"/>
+          </a:xfrm>
+          <a:prstGeom prst="rect">
+            <a:avLst/>
+          </a:prstGeom>
+          <a:noFill/>
+        </p:spPr>
+        <p:txBody>
+          <a:bodyPr wrap="square" rtlCol="0">
+            <a:spAutoFit/>
+          </a:bodyPr>
+          <a:lstStyle/>
+          <a:p>
+            <a:pPr marL="285750" indent="-285750">
+              <a:buFont typeface="Arial" panose="020B0604020202020204" pitchFamily="34" charset="0"/>
+              <a:buChar char="•"/>
+            </a:pPr>
+            <a:r>
+              <a:rPr lang="en-US" sz="2400" dirty="0"/>
+              <a:t>Surprise is an emotion</a:t>
+            </a:r>
+          </a:p>
+          <a:p>
+            <a:pPr marL="285750" indent="-285750">
+              <a:buFont typeface="Arial" panose="020B0604020202020204" pitchFamily="34" charset="0"/>
+              <a:buChar char="•"/>
+            </a:pPr>
+            <a:endParaRPr lang="en-US" sz="2400" dirty="0"/>
+          </a:p>
+          <a:p>
+            <a:pPr marL="285750" indent="-285750">
+              <a:buFont typeface="Arial" panose="020B0604020202020204" pitchFamily="34" charset="0"/>
+              <a:buChar char="•"/>
+            </a:pPr>
+            <a:r>
+              <a:rPr lang="en-US" sz="2400" dirty="0"/>
+              <a:t>Some emotions can be positive &amp; negative</a:t>
+            </a:r>
+          </a:p>
+          <a:p>
+            <a:pPr lvl="1"/>
+            <a:endParaRPr lang="en-US" sz="2400" dirty="0"/>
+          </a:p>
+        </p:txBody>
+      </p:sp>
+      <p:cxnSp>
+        <p:nvCxnSpPr>
+          <p:cNvPr id="11" name="Straight Connector 10">
+            <a:extLst>
+              <a:ext uri="{FF2B5EF4-FFF2-40B4-BE49-F238E27FC236}">
+                <a16:creationId xmlns:a16="http://schemas.microsoft.com/office/drawing/2014/main" id="{F084AB3F-0B5E-ED46-9BC5-62A3F05ADF77}"/>
+              </a:ext>
+            </a:extLst>
+          </p:cNvPr>
+          <p:cNvCxnSpPr/>
+          <p:nvPr/>
+        </p:nvCxnSpPr>
+        <p:spPr>
+          <a:xfrm>
+            <a:off x="6798363" y="6549885"/>
+            <a:ext cx="0" cy="182880"/>
+          </a:xfrm>
+          <a:prstGeom prst="line">
+            <a:avLst/>
+          </a:prstGeom>
+          <a:ln>
+            <a:solidFill>
+              <a:schemeClr val="bg1">
+                <a:lumMod val="85000"/>
+              </a:schemeClr>
+            </a:solidFill>
+          </a:ln>
+        </p:spPr>
+        <p:style>
+          <a:lnRef idx="1">
+            <a:schemeClr val="accent1"/>
+          </a:lnRef>
+          <a:fillRef idx="0">
+            <a:schemeClr val="accent1"/>
+          </a:fillRef>
+          <a:effectRef idx="0">
+            <a:schemeClr val="accent1"/>
+          </a:effectRef>
+          <a:fontRef idx="minor">
+            <a:schemeClr val="tx1"/>
+          </a:fontRef>
+        </p:style>
+      </p:cxnSp>
+      <p:cxnSp>
+        <p:nvCxnSpPr>
+          <p:cNvPr id="12" name="Straight Connector 11">
+            <a:extLst>
+              <a:ext uri="{FF2B5EF4-FFF2-40B4-BE49-F238E27FC236}">
+                <a16:creationId xmlns:a16="http://schemas.microsoft.com/office/drawing/2014/main" id="{8B862B9D-A925-354E-A806-FECC88B1D833}"/>
+              </a:ext>
+            </a:extLst>
+          </p:cNvPr>
+          <p:cNvCxnSpPr/>
+          <p:nvPr/>
+        </p:nvCxnSpPr>
+        <p:spPr>
+          <a:xfrm>
+            <a:off x="7076661" y="4664763"/>
+            <a:ext cx="182880" cy="0"/>
+          </a:xfrm>
+          <a:prstGeom prst="line">
+            <a:avLst/>
+          </a:prstGeom>
+          <a:ln>
+            <a:solidFill>
+              <a:schemeClr val="bg1">
+                <a:lumMod val="85000"/>
+              </a:schemeClr>
+            </a:solidFill>
+          </a:ln>
+        </p:spPr>
+        <p:style>
+          <a:lnRef idx="1">
+            <a:schemeClr val="accent1"/>
+          </a:lnRef>
+          <a:fillRef idx="0">
+            <a:schemeClr val="accent1"/>
+          </a:fillRef>
+          <a:effectRef idx="0">
+            <a:schemeClr val="accent1"/>
+          </a:effectRef>
+          <a:fontRef idx="minor">
+            <a:schemeClr val="tx1"/>
+          </a:fontRef>
+        </p:style>
+      </p:cxnSp>
+    </p:spTree>
+    <p:extLst>
+      <p:ext uri="{BB962C8B-B14F-4D97-AF65-F5344CB8AC3E}">
+        <p14:creationId xmlns:p14="http://schemas.microsoft.com/office/powerpoint/2010/main" val="1961875374"/>
+      </p:ext>
+    </p:extLst>
+  </p:cSld>
+  <p:clrMapOvr>
+    <a:masterClrMapping/>
+  </p:clrMapOvr>
+</p:sld>
+</file>
+
+<file path=ppt/slides/slide14.xml><?xml version="1.0" encoding="utf-8"?>
+<p:sld xmlns:a="http://schemas.openxmlformats.org/drawingml/2006/main" xmlns:r="http://schemas.openxmlformats.org/officeDocument/2006/relationships" xmlns:p="http://schemas.openxmlformats.org/presentationml/2006/main">
+  <p:cSld>
+    <p:spTree>
+      <p:nvGrpSpPr>
+        <p:cNvPr id="1" name=""/>
+        <p:cNvGrpSpPr/>
+        <p:nvPr/>
+      </p:nvGrpSpPr>
+      <p:grpSpPr>
+        <a:xfrm>
+          <a:off x="0" y="0"/>
+          <a:ext cx="0" cy="0"/>
+          <a:chOff x="0" y="0"/>
+          <a:chExt cx="0" cy="0"/>
+        </a:xfrm>
+      </p:grpSpPr>
+      <p:sp>
+        <p:nvSpPr>
+          <p:cNvPr id="2" name="Title 1"/>
+          <p:cNvSpPr>
+            <a:spLocks noGrp="1"/>
+          </p:cNvSpPr>
+          <p:nvPr>
+            <p:ph type="title"/>
+          </p:nvPr>
+        </p:nvSpPr>
+        <p:spPr/>
+        <p:txBody>
+          <a:bodyPr>
+            <a:normAutofit/>
+          </a:bodyPr>
+          <a:lstStyle/>
+          <a:p>
+            <a:r>
+              <a:rPr lang="en-US" dirty="0"/>
+              <a:t>A bit more complex polarity</a:t>
+            </a:r>
+          </a:p>
+        </p:txBody>
+      </p:sp>
+      <p:sp>
+        <p:nvSpPr>
+          <p:cNvPr id="8" name="Rectangle 7"/>
+          <p:cNvSpPr/>
+          <p:nvPr/>
+        </p:nvSpPr>
+        <p:spPr>
+          <a:xfrm>
+            <a:off x="334476" y="1159660"/>
+            <a:ext cx="8484403" cy="4959785"/>
+          </a:xfrm>
+          <a:prstGeom prst="rect">
+            <a:avLst/>
+          </a:prstGeom>
+          <a:solidFill>
+            <a:schemeClr val="bg1">
+              <a:lumMod val="95000"/>
+            </a:schemeClr>
+          </a:solidFill>
+          <a:ln>
+            <a:noFill/>
+          </a:ln>
+          <a:effectLst>
+            <a:outerShdw blurRad="50800" dist="38100" dir="2700000" algn="tl" rotWithShape="0">
+              <a:prstClr val="black">
+                <a:alpha val="40000"/>
+              </a:prstClr>
+            </a:outerShdw>
+          </a:effectLst>
+        </p:spPr>
+        <p:style>
+          <a:lnRef idx="2">
+            <a:schemeClr val="accent1">
+              <a:shade val="50000"/>
+            </a:schemeClr>
+          </a:lnRef>
+          <a:fillRef idx="1">
+            <a:schemeClr val="accent1"/>
+          </a:fillRef>
+          <a:effectRef idx="0">
+            <a:schemeClr val="accent1"/>
+          </a:effectRef>
+          <a:fontRef idx="minor">
+            <a:schemeClr val="lt1"/>
+          </a:fontRef>
+        </p:style>
+        <p:txBody>
+          <a:bodyPr rtlCol="0" anchor="ctr"/>
+          <a:lstStyle/>
+          <a:p>
+            <a:pPr marL="120650" indent="-120650" defTabSz="457200">
+              <a:buFont typeface="Arial" panose="020B0604020202020204" pitchFamily="34" charset="0"/>
+              <a:buChar char="•"/>
+            </a:pPr>
+            <a:endParaRPr lang="en-US" sz="2000" b="1" kern="1200" dirty="0">
+              <a:solidFill>
+                <a:prstClr val="white"/>
+              </a:solidFill>
+              <a:latin typeface="Arial Unicode MS" panose="020B0604020202020204" pitchFamily="34" charset="-128"/>
+              <a:cs typeface="Arial Unicode MS" panose="020B0604020202020204" pitchFamily="34" charset="-128"/>
+            </a:endParaRPr>
+          </a:p>
+        </p:txBody>
+      </p:sp>
+      <p:sp>
+        <p:nvSpPr>
+          <p:cNvPr id="9" name="Rectangle 8"/>
+          <p:cNvSpPr/>
+          <p:nvPr/>
+        </p:nvSpPr>
+        <p:spPr>
+          <a:xfrm>
+            <a:off x="334477" y="1157657"/>
+            <a:ext cx="8484402" cy="457200"/>
+          </a:xfrm>
+          <a:prstGeom prst="rect">
+            <a:avLst/>
+          </a:prstGeom>
+          <a:solidFill>
+            <a:schemeClr val="bg1">
+              <a:lumMod val="50000"/>
+            </a:schemeClr>
+          </a:solidFill>
+          <a:ln>
+            <a:noFill/>
+          </a:ln>
+        </p:spPr>
+        <p:style>
+          <a:lnRef idx="2">
+            <a:schemeClr val="accent1">
+              <a:shade val="50000"/>
+            </a:schemeClr>
+          </a:lnRef>
+          <a:fillRef idx="1">
+            <a:schemeClr val="accent1"/>
+          </a:fillRef>
+          <a:effectRef idx="0">
+            <a:schemeClr val="accent1"/>
+          </a:effectRef>
+          <a:fontRef idx="minor">
+            <a:schemeClr val="lt1"/>
+          </a:fontRef>
+        </p:style>
+        <p:txBody>
+          <a:bodyPr rtlCol="0" anchor="ctr"/>
+          <a:lstStyle/>
+          <a:p>
+            <a:pPr algn="ctr" defTabSz="457200"/>
+            <a:r>
+              <a:rPr lang="en-US" sz="2400" b="1" u="sng" kern="1200" dirty="0">
+                <a:solidFill>
+                  <a:prstClr val="white"/>
+                </a:solidFill>
+                <a:latin typeface="Arial Unicode MS" panose="020B0604020202020204" pitchFamily="34" charset="-128"/>
+                <a:cs typeface="Arial Unicode MS" panose="020B0604020202020204" pitchFamily="34" charset="-128"/>
+              </a:rPr>
+              <a:t>Scoring</a:t>
+            </a:r>
+          </a:p>
+        </p:txBody>
+      </p:sp>
+      <p:sp>
+        <p:nvSpPr>
+          <p:cNvPr id="16" name="TextBox 15"/>
+          <p:cNvSpPr txBox="1"/>
+          <p:nvPr/>
+        </p:nvSpPr>
+        <p:spPr>
+          <a:xfrm>
+            <a:off x="530088" y="1674845"/>
+            <a:ext cx="6233784" cy="3323987"/>
+          </a:xfrm>
+          <a:prstGeom prst="rect">
+            <a:avLst/>
+          </a:prstGeom>
+          <a:noFill/>
+        </p:spPr>
+        <p:txBody>
+          <a:bodyPr wrap="square" rtlCol="0">
+            <a:spAutoFit/>
+          </a:bodyPr>
+          <a:lstStyle/>
+          <a:p>
+            <a:pPr marL="342900" indent="-342900" defTabSz="457200">
+              <a:buAutoNum type="arabicPeriod"/>
+            </a:pPr>
+            <a:r>
+              <a:rPr lang="en-US" sz="1500" b="1" dirty="0">
+                <a:solidFill>
+                  <a:prstClr val="black"/>
+                </a:solidFill>
+                <a:latin typeface="Arial Unicode MS" panose="020B0604020202020204" pitchFamily="34" charset="-128"/>
+                <a:ea typeface="Arial Unicode MS" panose="020B0604020202020204" pitchFamily="34" charset="-128"/>
+                <a:cs typeface="Arial Unicode MS" panose="020B0604020202020204" pitchFamily="34" charset="-128"/>
+              </a:rPr>
+              <a:t>Identify a polarized word from a lexicon</a:t>
+            </a:r>
+          </a:p>
+          <a:p>
+            <a:pPr marL="342900" indent="-342900" defTabSz="457200">
+              <a:buAutoNum type="arabicPeriod"/>
+            </a:pPr>
+            <a:r>
+              <a:rPr lang="en-US" sz="1500" b="1" kern="1200" dirty="0">
+                <a:solidFill>
+                  <a:prstClr val="black"/>
+                </a:solidFill>
+                <a:latin typeface="Arial Unicode MS" panose="020B0604020202020204" pitchFamily="34" charset="-128"/>
+                <a:ea typeface="Arial Unicode MS" panose="020B0604020202020204" pitchFamily="34" charset="-128"/>
+                <a:cs typeface="Arial Unicode MS" panose="020B0604020202020204" pitchFamily="34" charset="-128"/>
+              </a:rPr>
+              <a:t>Identify “context cluster”</a:t>
+            </a:r>
+          </a:p>
+          <a:p>
+            <a:pPr marL="800100" lvl="1" indent="-342900" defTabSz="457200">
+              <a:buAutoNum type="arabicPeriod"/>
+            </a:pPr>
+            <a:r>
+              <a:rPr lang="en-US" sz="1500" dirty="0">
+                <a:solidFill>
+                  <a:prstClr val="black"/>
+                </a:solidFill>
+                <a:latin typeface="Arial Unicode MS" panose="020B0604020202020204" pitchFamily="34" charset="-128"/>
+                <a:ea typeface="Arial Unicode MS" panose="020B0604020202020204" pitchFamily="34" charset="-128"/>
+                <a:cs typeface="Arial Unicode MS" panose="020B0604020202020204" pitchFamily="34" charset="-128"/>
+              </a:rPr>
+              <a:t>ID Neutral Words </a:t>
+            </a:r>
+          </a:p>
+          <a:p>
+            <a:pPr marL="800100" lvl="1" indent="-342900" defTabSz="457200">
+              <a:buAutoNum type="arabicPeriod"/>
+            </a:pPr>
+            <a:r>
+              <a:rPr lang="en-US" sz="1500" kern="1200" dirty="0">
+                <a:solidFill>
+                  <a:prstClr val="black"/>
+                </a:solidFill>
+                <a:latin typeface="Arial Unicode MS" panose="020B0604020202020204" pitchFamily="34" charset="-128"/>
+                <a:ea typeface="Arial Unicode MS" panose="020B0604020202020204" pitchFamily="34" charset="-128"/>
+                <a:cs typeface="Arial Unicode MS" panose="020B0604020202020204" pitchFamily="34" charset="-128"/>
+              </a:rPr>
+              <a:t>ID Amplifiers “very”</a:t>
+            </a:r>
+          </a:p>
+          <a:p>
+            <a:pPr marL="800100" lvl="1" indent="-342900" defTabSz="457200">
+              <a:buAutoNum type="arabicPeriod"/>
+            </a:pPr>
+            <a:r>
+              <a:rPr lang="en-US" sz="1500" dirty="0">
+                <a:solidFill>
+                  <a:prstClr val="black"/>
+                </a:solidFill>
+                <a:latin typeface="Arial Unicode MS" panose="020B0604020202020204" pitchFamily="34" charset="-128"/>
+                <a:ea typeface="Arial Unicode MS" panose="020B0604020202020204" pitchFamily="34" charset="-128"/>
+                <a:cs typeface="Arial Unicode MS" panose="020B0604020202020204" pitchFamily="34" charset="-128"/>
+              </a:rPr>
+              <a:t>ID d</a:t>
+            </a:r>
+            <a:r>
+              <a:rPr lang="en-US" sz="1500" kern="1200" dirty="0">
+                <a:solidFill>
+                  <a:prstClr val="black"/>
+                </a:solidFill>
+                <a:latin typeface="Arial Unicode MS" panose="020B0604020202020204" pitchFamily="34" charset="-128"/>
+                <a:ea typeface="Arial Unicode MS" panose="020B0604020202020204" pitchFamily="34" charset="-128"/>
+                <a:cs typeface="Arial Unicode MS" panose="020B0604020202020204" pitchFamily="34" charset="-128"/>
+              </a:rPr>
+              <a:t>e-amplifiers i.e. “hardly”</a:t>
+            </a:r>
+          </a:p>
+          <a:p>
+            <a:pPr marL="800100" lvl="1" indent="-342900" defTabSz="457200">
+              <a:buAutoNum type="arabicPeriod"/>
+            </a:pPr>
+            <a:r>
+              <a:rPr lang="en-US" sz="1500" dirty="0">
+                <a:solidFill>
+                  <a:prstClr val="black"/>
+                </a:solidFill>
+                <a:latin typeface="Arial Unicode MS" panose="020B0604020202020204" pitchFamily="34" charset="-128"/>
+                <a:ea typeface="Arial Unicode MS" panose="020B0604020202020204" pitchFamily="34" charset="-128"/>
+                <a:cs typeface="Arial Unicode MS" panose="020B0604020202020204" pitchFamily="34" charset="-128"/>
+              </a:rPr>
+              <a:t>ID Negators i.e. “not”</a:t>
+            </a:r>
+            <a:endParaRPr lang="en-US" sz="1500" kern="1200" dirty="0">
+              <a:solidFill>
+                <a:prstClr val="black"/>
+              </a:solidFill>
+              <a:latin typeface="Arial Unicode MS" panose="020B0604020202020204" pitchFamily="34" charset="-128"/>
+              <a:ea typeface="Arial Unicode MS" panose="020B0604020202020204" pitchFamily="34" charset="-128"/>
+              <a:cs typeface="Arial Unicode MS" panose="020B0604020202020204" pitchFamily="34" charset="-128"/>
+            </a:endParaRPr>
+          </a:p>
+          <a:p>
+            <a:pPr marL="342900" indent="-342900" defTabSz="457200">
+              <a:buAutoNum type="arabicPeriod"/>
+            </a:pPr>
+            <a:r>
+              <a:rPr lang="en-US" sz="1500" b="1" kern="1200" dirty="0">
+                <a:solidFill>
+                  <a:prstClr val="black"/>
+                </a:solidFill>
+                <a:latin typeface="Arial Unicode MS" panose="020B0604020202020204" pitchFamily="34" charset="-128"/>
+                <a:ea typeface="Arial Unicode MS" panose="020B0604020202020204" pitchFamily="34" charset="-128"/>
+                <a:cs typeface="Arial Unicode MS" panose="020B0604020202020204" pitchFamily="34" charset="-128"/>
+              </a:rPr>
+              <a:t>Assign Values </a:t>
+            </a:r>
+          </a:p>
+          <a:p>
+            <a:pPr marL="800100" lvl="1" indent="-342900" defTabSz="457200">
+              <a:buAutoNum type="arabicPeriod"/>
+            </a:pPr>
+            <a:r>
+              <a:rPr lang="en-US" sz="1500" dirty="0">
+                <a:solidFill>
+                  <a:prstClr val="black"/>
+                </a:solidFill>
+                <a:latin typeface="Arial Unicode MS" panose="020B0604020202020204" pitchFamily="34" charset="-128"/>
+                <a:ea typeface="Arial Unicode MS" panose="020B0604020202020204" pitchFamily="34" charset="-128"/>
+                <a:cs typeface="Arial Unicode MS" panose="020B0604020202020204" pitchFamily="34" charset="-128"/>
+              </a:rPr>
+              <a:t>Neutral Words = 0</a:t>
+            </a:r>
+          </a:p>
+          <a:p>
+            <a:pPr marL="800100" lvl="1" indent="-342900" defTabSz="457200">
+              <a:buAutoNum type="arabicPeriod"/>
+            </a:pPr>
+            <a:r>
+              <a:rPr lang="en-US" sz="1500" dirty="0">
+                <a:solidFill>
+                  <a:prstClr val="black"/>
+                </a:solidFill>
+                <a:latin typeface="Arial Unicode MS" panose="020B0604020202020204" pitchFamily="34" charset="-128"/>
+                <a:ea typeface="Arial Unicode MS" panose="020B0604020202020204" pitchFamily="34" charset="-128"/>
+                <a:cs typeface="Arial Unicode MS" panose="020B0604020202020204" pitchFamily="34" charset="-128"/>
+              </a:rPr>
+              <a:t>Amplifiers = 0.8</a:t>
+            </a:r>
+          </a:p>
+          <a:p>
+            <a:pPr marL="800100" lvl="1" indent="-342900" defTabSz="457200">
+              <a:buAutoNum type="arabicPeriod"/>
+            </a:pPr>
+            <a:r>
+              <a:rPr lang="en-US" sz="1500" dirty="0">
+                <a:solidFill>
+                  <a:prstClr val="black"/>
+                </a:solidFill>
+                <a:latin typeface="Arial Unicode MS" panose="020B0604020202020204" pitchFamily="34" charset="-128"/>
+                <a:ea typeface="Arial Unicode MS" panose="020B0604020202020204" pitchFamily="34" charset="-128"/>
+                <a:cs typeface="Arial Unicode MS" panose="020B0604020202020204" pitchFamily="34" charset="-128"/>
+              </a:rPr>
+              <a:t>De-amplifiers = -0.8</a:t>
+            </a:r>
+          </a:p>
+          <a:p>
+            <a:pPr marL="800100" lvl="1" indent="-342900" defTabSz="457200">
+              <a:buAutoNum type="arabicPeriod"/>
+            </a:pPr>
+            <a:r>
+              <a:rPr lang="en-US" sz="1500" dirty="0">
+                <a:solidFill>
+                  <a:prstClr val="black"/>
+                </a:solidFill>
+                <a:latin typeface="Arial Unicode MS" panose="020B0604020202020204" pitchFamily="34" charset="-128"/>
+                <a:ea typeface="Arial Unicode MS" panose="020B0604020202020204" pitchFamily="34" charset="-128"/>
+                <a:cs typeface="Arial Unicode MS" panose="020B0604020202020204" pitchFamily="34" charset="-128"/>
+              </a:rPr>
+              <a:t>ID Negators = -1 * </a:t>
+            </a:r>
+          </a:p>
+          <a:p>
+            <a:pPr marL="342900" indent="-342900" defTabSz="457200">
+              <a:buAutoNum type="arabicPeriod"/>
+            </a:pPr>
+            <a:r>
+              <a:rPr lang="en-US" sz="1500" b="1" kern="1200" dirty="0">
+                <a:solidFill>
+                  <a:prstClr val="black"/>
+                </a:solidFill>
+                <a:latin typeface="Arial Unicode MS" panose="020B0604020202020204" pitchFamily="34" charset="-128"/>
+                <a:ea typeface="Arial Unicode MS" panose="020B0604020202020204" pitchFamily="34" charset="-128"/>
+                <a:cs typeface="Arial Unicode MS" panose="020B0604020202020204" pitchFamily="34" charset="-128"/>
+              </a:rPr>
+              <a:t>Sum Values</a:t>
+            </a:r>
+          </a:p>
+          <a:p>
+            <a:pPr marL="342900" indent="-342900" defTabSz="457200">
+              <a:buAutoNum type="arabicPeriod"/>
+            </a:pPr>
+            <a:r>
+              <a:rPr lang="en-US" sz="1500" b="1" dirty="0">
+                <a:solidFill>
+                  <a:prstClr val="black"/>
+                </a:solidFill>
+                <a:latin typeface="Arial Unicode MS" panose="020B0604020202020204" pitchFamily="34" charset="-128"/>
+                <a:ea typeface="Arial Unicode MS" panose="020B0604020202020204" pitchFamily="34" charset="-128"/>
+                <a:cs typeface="Arial Unicode MS" panose="020B0604020202020204" pitchFamily="34" charset="-128"/>
+              </a:rPr>
+              <a:t>Divide Sum by sqrt of word count </a:t>
+            </a:r>
+            <a:r>
+              <a:rPr lang="en-US" sz="1500" dirty="0">
+                <a:solidFill>
+                  <a:prstClr val="black"/>
+                </a:solidFill>
+                <a:latin typeface="Arial Unicode MS" panose="020B0604020202020204" pitchFamily="34" charset="-128"/>
+                <a:ea typeface="Arial Unicode MS" panose="020B0604020202020204" pitchFamily="34" charset="-128"/>
+                <a:cs typeface="Arial Unicode MS" panose="020B0604020202020204" pitchFamily="34" charset="-128"/>
+              </a:rPr>
+              <a:t>– accounts for length of document “how dense the polarity is”</a:t>
+            </a:r>
+            <a:endParaRPr lang="en-US" sz="1500" kern="1200" dirty="0">
+              <a:solidFill>
+                <a:prstClr val="black"/>
+              </a:solidFill>
+              <a:latin typeface="Arial Unicode MS" panose="020B0604020202020204" pitchFamily="34" charset="-128"/>
+              <a:ea typeface="Arial Unicode MS" panose="020B0604020202020204" pitchFamily="34" charset="-128"/>
+              <a:cs typeface="Arial Unicode MS" panose="020B0604020202020204" pitchFamily="34" charset="-128"/>
+            </a:endParaRPr>
+          </a:p>
+        </p:txBody>
+      </p:sp>
+      <p:sp>
+        <p:nvSpPr>
+          <p:cNvPr id="11" name="Footer Placeholder 5">
+            <a:extLst>
+              <a:ext uri="{FF2B5EF4-FFF2-40B4-BE49-F238E27FC236}">
+                <a16:creationId xmlns:a16="http://schemas.microsoft.com/office/drawing/2014/main" id="{966A28C3-CD6B-42ED-BBBD-47C0AC8CD3BC}"/>
+              </a:ext>
+            </a:extLst>
+          </p:cNvPr>
+          <p:cNvSpPr>
+            <a:spLocks noGrp="1"/>
+          </p:cNvSpPr>
+          <p:nvPr>
+            <p:ph type="ftr" sz="quarter" idx="3"/>
+          </p:nvPr>
+        </p:nvSpPr>
+        <p:spPr>
+          <a:xfrm>
+            <a:off x="3028950" y="6356351"/>
+            <a:ext cx="3086100" cy="365125"/>
+          </a:xfrm>
+        </p:spPr>
+        <p:txBody>
+          <a:bodyPr/>
+          <a:lstStyle/>
+          <a:p>
+            <a:r>
+              <a:rPr lang="en-US" dirty="0"/>
+              <a:t>Kwartler</a:t>
+            </a:r>
+          </a:p>
+        </p:txBody>
+      </p:sp>
+      <p:sp>
+        <p:nvSpPr>
+          <p:cNvPr id="5" name="Rectangle 4">
+            <a:extLst>
+              <a:ext uri="{FF2B5EF4-FFF2-40B4-BE49-F238E27FC236}">
+                <a16:creationId xmlns:a16="http://schemas.microsoft.com/office/drawing/2014/main" id="{D6BC52BC-3A2D-2D4F-9863-A1066DAB60F6}"/>
+              </a:ext>
+            </a:extLst>
+          </p:cNvPr>
+          <p:cNvSpPr/>
+          <p:nvPr/>
+        </p:nvSpPr>
+        <p:spPr>
+          <a:xfrm>
+            <a:off x="516835" y="5486400"/>
+            <a:ext cx="8091588" cy="463826"/>
+          </a:xfrm>
+          <a:prstGeom prst="rect">
+            <a:avLst/>
+          </a:prstGeom>
+        </p:spPr>
+        <p:style>
+          <a:lnRef idx="2">
+            <a:schemeClr val="accent1">
+              <a:shade val="50000"/>
+            </a:schemeClr>
+          </a:lnRef>
+          <a:fillRef idx="1">
+            <a:schemeClr val="accent1"/>
+          </a:fillRef>
+          <a:effectRef idx="0">
+            <a:schemeClr val="accent1"/>
+          </a:effectRef>
+          <a:fontRef idx="minor">
+            <a:schemeClr val="lt1"/>
+          </a:fontRef>
+        </p:style>
+        <p:txBody>
+          <a:bodyPr rtlCol="0" anchor="ctr"/>
+          <a:lstStyle/>
+          <a:p>
+            <a:pPr algn="ctr"/>
+            <a:r>
+              <a:rPr lang="en-US" dirty="0"/>
+              <a:t>Let’s open ﻿</a:t>
+            </a:r>
+            <a:r>
+              <a:rPr lang="en-US" dirty="0" err="1"/>
+              <a:t>A_polarity_math.R</a:t>
+            </a:r>
+            <a:r>
+              <a:rPr lang="en-US" dirty="0"/>
+              <a:t> to see it in action.</a:t>
+            </a:r>
+          </a:p>
+        </p:txBody>
+      </p:sp>
+      <p:cxnSp>
+        <p:nvCxnSpPr>
+          <p:cNvPr id="10" name="Straight Connector 9">
+            <a:extLst>
+              <a:ext uri="{FF2B5EF4-FFF2-40B4-BE49-F238E27FC236}">
+                <a16:creationId xmlns:a16="http://schemas.microsoft.com/office/drawing/2014/main" id="{EE912FC4-D092-D941-8D15-6CFBCAEA270C}"/>
+              </a:ext>
+            </a:extLst>
+          </p:cNvPr>
+          <p:cNvCxnSpPr/>
+          <p:nvPr/>
+        </p:nvCxnSpPr>
+        <p:spPr>
+          <a:xfrm>
+            <a:off x="6798363" y="6549885"/>
+            <a:ext cx="0" cy="182880"/>
+          </a:xfrm>
+          <a:prstGeom prst="line">
+            <a:avLst/>
+          </a:prstGeom>
+          <a:ln>
+            <a:solidFill>
+              <a:schemeClr val="bg1">
+                <a:lumMod val="85000"/>
+              </a:schemeClr>
+            </a:solidFill>
+          </a:ln>
+        </p:spPr>
+        <p:style>
+          <a:lnRef idx="1">
+            <a:schemeClr val="accent1"/>
+          </a:lnRef>
+          <a:fillRef idx="0">
+            <a:schemeClr val="accent1"/>
+          </a:fillRef>
+          <a:effectRef idx="0">
+            <a:schemeClr val="accent1"/>
+          </a:effectRef>
+          <a:fontRef idx="minor">
+            <a:schemeClr val="tx1"/>
+          </a:fontRef>
+        </p:style>
+      </p:cxnSp>
+      <p:cxnSp>
+        <p:nvCxnSpPr>
+          <p:cNvPr id="12" name="Straight Connector 11">
+            <a:extLst>
+              <a:ext uri="{FF2B5EF4-FFF2-40B4-BE49-F238E27FC236}">
+                <a16:creationId xmlns:a16="http://schemas.microsoft.com/office/drawing/2014/main" id="{99689052-05DB-1D4B-A1AF-66A6E4430635}"/>
+              </a:ext>
+            </a:extLst>
+          </p:cNvPr>
+          <p:cNvCxnSpPr/>
+          <p:nvPr/>
+        </p:nvCxnSpPr>
+        <p:spPr>
+          <a:xfrm>
+            <a:off x="7076661" y="4664763"/>
+            <a:ext cx="182880" cy="0"/>
+          </a:xfrm>
+          <a:prstGeom prst="line">
+            <a:avLst/>
+          </a:prstGeom>
+          <a:ln>
+            <a:solidFill>
+              <a:schemeClr val="bg1">
+                <a:lumMod val="85000"/>
+              </a:schemeClr>
+            </a:solidFill>
+          </a:ln>
+        </p:spPr>
+        <p:style>
+          <a:lnRef idx="1">
+            <a:schemeClr val="accent1"/>
+          </a:lnRef>
+          <a:fillRef idx="0">
+            <a:schemeClr val="accent1"/>
+          </a:fillRef>
+          <a:effectRef idx="0">
+            <a:schemeClr val="accent1"/>
+          </a:effectRef>
+          <a:fontRef idx="minor">
+            <a:schemeClr val="tx1"/>
+          </a:fontRef>
+        </p:style>
+      </p:cxnSp>
+    </p:spTree>
+    <p:extLst>
+      <p:ext uri="{BB962C8B-B14F-4D97-AF65-F5344CB8AC3E}">
+        <p14:creationId xmlns:p14="http://schemas.microsoft.com/office/powerpoint/2010/main" val="4100425887"/>
+      </p:ext>
+    </p:extLst>
+  </p:cSld>
+  <p:clrMapOvr>
+    <a:masterClrMapping/>
+  </p:clrMapOvr>
+</p:sld>
+</file>
+
+<file path=ppt/slides/slide2.xml><?xml version="1.0" encoding="utf-8"?>
+<p:sld xmlns:a="http://schemas.openxmlformats.org/drawingml/2006/main" xmlns:r="http://schemas.openxmlformats.org/officeDocument/2006/relationships" xmlns:p="http://schemas.openxmlformats.org/presentationml/2006/main">
+  <p:cSld>
+    <p:spTree>
+      <p:nvGrpSpPr>
+        <p:cNvPr id="1" name=""/>
+        <p:cNvGrpSpPr/>
+        <p:nvPr/>
+      </p:nvGrpSpPr>
+      <p:grpSpPr>
+        <a:xfrm>
+          <a:off x="0" y="0"/>
+          <a:ext cx="0" cy="0"/>
+          <a:chOff x="0" y="0"/>
+          <a:chExt cx="0" cy="0"/>
+        </a:xfrm>
+      </p:grpSpPr>
+      <p:sp>
+        <p:nvSpPr>
+          <p:cNvPr id="2" name="Date Placeholder 1">
+            <a:extLst>
+              <a:ext uri="{FF2B5EF4-FFF2-40B4-BE49-F238E27FC236}">
                 <a16:creationId xmlns:a16="http://schemas.microsoft.com/office/drawing/2014/main" id="{C3CAEBDC-A022-42FC-8B92-BDD83F961C50}"/>
               </a:ext>
             </a:extLst>
@@ -5950,7 +8845,7 @@
             <a:fld id="{6700A58B-DD98-43D0-B791-721480A02982}" type="datetime1">
               <a:rPr lang="en-US" smtClean="0"/>
               <a:pPr/>
-              <a:t>12/30/20</a:t>
+              <a:t>1/10/21</a:t>
             </a:fld>
             <a:endParaRPr lang="en-US"/>
           </a:p>
@@ -6046,7 +8941,7 @@
             <a:fld id="{37290FF7-652B-4475-AEAB-8B1A5D23AE09}" type="slidenum">
               <a:rPr lang="en-US" smtClean="0"/>
               <a:pPr/>
-              <a:t>1</a:t>
+              <a:t>2</a:t>
             </a:fld>
             <a:endParaRPr lang="en-US"/>
           </a:p>
@@ -6323,7 +9218,7 @@
 </p:sld>
 </file>
 
-<file path=ppt/slides/slide10.xml><?xml version="1.0" encoding="utf-8"?>
+<file path=ppt/slides/slide3.xml><?xml version="1.0" encoding="utf-8"?>
 <p:sld xmlns:a="http://schemas.openxmlformats.org/drawingml/2006/main" xmlns:r="http://schemas.openxmlformats.org/officeDocument/2006/relationships" xmlns:p="http://schemas.openxmlformats.org/presentationml/2006/main">
   <p:cSld>
     <p:spTree>
@@ -6357,7 +9252,7 @@
           <a:p>
             <a:fld id="{6700A58B-DD98-43D0-B791-721480A02982}" type="datetime1">
               <a:rPr lang="en-US" smtClean="0"/>
-              <a:t>12/30/20</a:t>
+              <a:t>1/10/21</a:t>
             </a:fld>
             <a:endParaRPr lang="en-US"/>
           </a:p>
@@ -6380,7 +9275,15 @@
           <a:p>
             <a:r>
               <a:rPr lang="en-US" dirty="0"/>
-              <a:t>Simple Sentiment Polarity</a:t>
+              <a:t>Why do we see </a:t>
+            </a:r>
+            <a:r>
+              <a:rPr lang="en-US" dirty="0" err="1"/>
+              <a:t>Zipf’s</a:t>
+            </a:r>
+            <a:r>
+              <a:rPr lang="en-US" dirty="0"/>
+              <a:t> law in linguistics?</a:t>
             </a:r>
           </a:p>
         </p:txBody>
@@ -6426,2310 +9329,7 @@
             <a:fld id="{37290FF7-652B-4475-AEAB-8B1A5D23AE09}" type="slidenum">
               <a:rPr lang="en-US" smtClean="0"/>
               <a:pPr/>
-              <a:t>10</a:t>
-            </a:fld>
-            <a:endParaRPr lang="en-US" dirty="0"/>
-          </a:p>
-        </p:txBody>
-      </p:sp>
-      <p:sp>
-        <p:nvSpPr>
-          <p:cNvPr id="10" name="Rectangle 9"/>
-          <p:cNvSpPr/>
-          <p:nvPr/>
-        </p:nvSpPr>
-        <p:spPr>
-          <a:xfrm>
-            <a:off x="4572000" y="1666443"/>
-            <a:ext cx="4114800" cy="4389120"/>
-          </a:xfrm>
-          <a:prstGeom prst="rect">
-            <a:avLst/>
-          </a:prstGeom>
-          <a:solidFill>
-            <a:schemeClr val="bg1">
-              <a:lumMod val="95000"/>
-            </a:schemeClr>
-          </a:solidFill>
-          <a:ln>
-            <a:noFill/>
-          </a:ln>
-          <a:effectLst>
-            <a:outerShdw blurRad="50800" dist="38100" dir="2700000" algn="tl" rotWithShape="0">
-              <a:prstClr val="black">
-                <a:alpha val="40000"/>
-              </a:prstClr>
-            </a:outerShdw>
-          </a:effectLst>
-        </p:spPr>
-        <p:style>
-          <a:lnRef idx="2">
-            <a:schemeClr val="accent1">
-              <a:shade val="50000"/>
-            </a:schemeClr>
-          </a:lnRef>
-          <a:fillRef idx="1">
-            <a:schemeClr val="accent1"/>
-          </a:fillRef>
-          <a:effectRef idx="0">
-            <a:schemeClr val="accent1"/>
-          </a:effectRef>
-          <a:fontRef idx="minor">
-            <a:schemeClr val="lt1"/>
-          </a:fontRef>
-        </p:style>
-        <p:txBody>
-          <a:bodyPr rtlCol="0" anchor="ctr"/>
-          <a:lstStyle/>
-          <a:p>
-            <a:pPr marL="120650" indent="-120650" defTabSz="457200">
-              <a:buFont typeface="Arial" panose="020B0604020202020204" pitchFamily="34" charset="0"/>
-              <a:buChar char="•"/>
-            </a:pPr>
-            <a:endParaRPr lang="en-US" sz="2000" b="1" kern="1200" dirty="0">
-              <a:solidFill>
-                <a:prstClr val="white"/>
-              </a:solidFill>
-              <a:latin typeface="Arial Unicode MS" panose="020B0604020202020204" pitchFamily="34" charset="-128"/>
-              <a:cs typeface="Arial Unicode MS" panose="020B0604020202020204" pitchFamily="34" charset="-128"/>
-            </a:endParaRPr>
-          </a:p>
-        </p:txBody>
-      </p:sp>
-      <p:sp>
-        <p:nvSpPr>
-          <p:cNvPr id="11" name="Rectangle 10"/>
-          <p:cNvSpPr/>
-          <p:nvPr/>
-        </p:nvSpPr>
-        <p:spPr>
-          <a:xfrm>
-            <a:off x="4572000" y="1333359"/>
-            <a:ext cx="4114800" cy="457200"/>
-          </a:xfrm>
-          <a:prstGeom prst="rect">
-            <a:avLst/>
-          </a:prstGeom>
-          <a:solidFill>
-            <a:schemeClr val="bg1">
-              <a:lumMod val="50000"/>
-            </a:schemeClr>
-          </a:solidFill>
-          <a:ln>
-            <a:noFill/>
-          </a:ln>
-        </p:spPr>
-        <p:style>
-          <a:lnRef idx="2">
-            <a:schemeClr val="accent1">
-              <a:shade val="50000"/>
-            </a:schemeClr>
-          </a:lnRef>
-          <a:fillRef idx="1">
-            <a:schemeClr val="accent1"/>
-          </a:fillRef>
-          <a:effectRef idx="0">
-            <a:schemeClr val="accent1"/>
-          </a:effectRef>
-          <a:fontRef idx="minor">
-            <a:schemeClr val="lt1"/>
-          </a:fontRef>
-        </p:style>
-        <p:txBody>
-          <a:bodyPr rtlCol="0" anchor="ctr"/>
-          <a:lstStyle/>
-          <a:p>
-            <a:pPr algn="ctr" defTabSz="457200"/>
-            <a:r>
-              <a:rPr lang="en-US" sz="2400" b="1" kern="1200" dirty="0">
-                <a:solidFill>
-                  <a:prstClr val="white"/>
-                </a:solidFill>
-                <a:latin typeface="Arial Unicode MS" panose="020B0604020202020204" pitchFamily="34" charset="-128"/>
-                <a:cs typeface="Arial Unicode MS" panose="020B0604020202020204" pitchFamily="34" charset="-128"/>
-              </a:rPr>
-              <a:t>Lexicon</a:t>
-            </a:r>
-          </a:p>
-        </p:txBody>
-      </p:sp>
-      <p:sp>
-        <p:nvSpPr>
-          <p:cNvPr id="12" name="TextBox 11"/>
-          <p:cNvSpPr txBox="1"/>
-          <p:nvPr/>
-        </p:nvSpPr>
-        <p:spPr>
-          <a:xfrm>
-            <a:off x="4692034" y="3805364"/>
-            <a:ext cx="3874735" cy="1477328"/>
-          </a:xfrm>
-          <a:prstGeom prst="rect">
-            <a:avLst/>
-          </a:prstGeom>
-          <a:noFill/>
-        </p:spPr>
-        <p:txBody>
-          <a:bodyPr wrap="square" rtlCol="0">
-            <a:spAutoFit/>
-          </a:bodyPr>
-          <a:lstStyle/>
-          <a:p>
-            <a:pPr marL="120650" indent="-120650" defTabSz="457200">
-              <a:buFont typeface="Arial" panose="020B0604020202020204" pitchFamily="34" charset="0"/>
-              <a:buChar char="•"/>
-            </a:pPr>
-            <a:r>
-              <a:rPr lang="en-US" sz="1800" kern="1200" dirty="0">
-                <a:solidFill>
-                  <a:prstClr val="black"/>
-                </a:solidFill>
-                <a:latin typeface="Arial Unicode MS" panose="020B0604020202020204" pitchFamily="34" charset="-128"/>
-                <a:ea typeface="Arial Unicode MS" panose="020B0604020202020204" pitchFamily="34" charset="-128"/>
-                <a:cs typeface="Arial Unicode MS" panose="020B0604020202020204" pitchFamily="34" charset="-128"/>
-              </a:rPr>
-              <a:t>library(</a:t>
-            </a:r>
-            <a:r>
-              <a:rPr lang="en-US" sz="1800" kern="1200" dirty="0" err="1">
-                <a:solidFill>
-                  <a:prstClr val="black"/>
-                </a:solidFill>
-                <a:latin typeface="Arial Unicode MS" panose="020B0604020202020204" pitchFamily="34" charset="-128"/>
-                <a:ea typeface="Arial Unicode MS" panose="020B0604020202020204" pitchFamily="34" charset="-128"/>
-                <a:cs typeface="Arial Unicode MS" panose="020B0604020202020204" pitchFamily="34" charset="-128"/>
-              </a:rPr>
-              <a:t>qdap</a:t>
-            </a:r>
-            <a:r>
-              <a:rPr lang="en-US" sz="1800" kern="1200" dirty="0">
-                <a:solidFill>
-                  <a:prstClr val="black"/>
-                </a:solidFill>
-                <a:latin typeface="Arial Unicode MS" panose="020B0604020202020204" pitchFamily="34" charset="-128"/>
-                <a:ea typeface="Arial Unicode MS" panose="020B0604020202020204" pitchFamily="34" charset="-128"/>
-                <a:cs typeface="Arial Unicode MS" panose="020B0604020202020204" pitchFamily="34" charset="-128"/>
-              </a:rPr>
-              <a:t>) </a:t>
-            </a:r>
-          </a:p>
-          <a:p>
-            <a:pPr marL="577850" lvl="1" indent="-120650" defTabSz="457200">
-              <a:buFont typeface="Arial" panose="020B0604020202020204" pitchFamily="34" charset="0"/>
-              <a:buChar char="•"/>
-            </a:pPr>
-            <a:r>
-              <a:rPr lang="en-US" dirty="0">
-                <a:solidFill>
-                  <a:prstClr val="black"/>
-                </a:solidFill>
-                <a:latin typeface="Arial Unicode MS" panose="020B0604020202020204" pitchFamily="34" charset="-128"/>
-                <a:ea typeface="Arial Unicode MS" panose="020B0604020202020204" pitchFamily="34" charset="-128"/>
-                <a:cs typeface="Arial Unicode MS" panose="020B0604020202020204" pitchFamily="34" charset="-128"/>
-              </a:rPr>
-              <a:t>polarity()</a:t>
-            </a:r>
-          </a:p>
-          <a:p>
-            <a:pPr marL="120650" indent="-120650" defTabSz="457200">
-              <a:buFont typeface="Arial" panose="020B0604020202020204" pitchFamily="34" charset="0"/>
-              <a:buChar char="•"/>
-            </a:pPr>
-            <a:endParaRPr lang="en-US" kern="1200" dirty="0">
-              <a:solidFill>
-                <a:prstClr val="black"/>
-              </a:solidFill>
-              <a:latin typeface="Arial Unicode MS" panose="020B0604020202020204" pitchFamily="34" charset="-128"/>
-              <a:ea typeface="Arial Unicode MS" panose="020B0604020202020204" pitchFamily="34" charset="-128"/>
-              <a:cs typeface="Arial Unicode MS" panose="020B0604020202020204" pitchFamily="34" charset="-128"/>
-            </a:endParaRPr>
-          </a:p>
-          <a:p>
-            <a:pPr marL="120650" indent="-120650" defTabSz="457200">
-              <a:buFont typeface="Arial" panose="020B0604020202020204" pitchFamily="34" charset="0"/>
-              <a:buChar char="•"/>
-            </a:pPr>
-            <a:r>
-              <a:rPr lang="en-US" dirty="0">
-                <a:solidFill>
-                  <a:prstClr val="black"/>
-                </a:solidFill>
-                <a:latin typeface="Arial Unicode MS" panose="020B0604020202020204" pitchFamily="34" charset="-128"/>
-                <a:ea typeface="Arial Unicode MS" panose="020B0604020202020204" pitchFamily="34" charset="-128"/>
-                <a:cs typeface="Arial Unicode MS" panose="020B0604020202020204" pitchFamily="34" charset="-128"/>
-              </a:rPr>
-              <a:t>library(</a:t>
-            </a:r>
-            <a:r>
-              <a:rPr lang="en-US" dirty="0" err="1">
-                <a:solidFill>
-                  <a:prstClr val="black"/>
-                </a:solidFill>
-                <a:latin typeface="Arial Unicode MS" panose="020B0604020202020204" pitchFamily="34" charset="-128"/>
-                <a:ea typeface="Arial Unicode MS" panose="020B0604020202020204" pitchFamily="34" charset="-128"/>
-                <a:cs typeface="Arial Unicode MS" panose="020B0604020202020204" pitchFamily="34" charset="-128"/>
-              </a:rPr>
-              <a:t>tidytext</a:t>
-            </a:r>
-            <a:r>
-              <a:rPr lang="en-US" dirty="0">
-                <a:solidFill>
-                  <a:prstClr val="black"/>
-                </a:solidFill>
-                <a:latin typeface="Arial Unicode MS" panose="020B0604020202020204" pitchFamily="34" charset="-128"/>
-                <a:ea typeface="Arial Unicode MS" panose="020B0604020202020204" pitchFamily="34" charset="-128"/>
-                <a:cs typeface="Arial Unicode MS" panose="020B0604020202020204" pitchFamily="34" charset="-128"/>
-              </a:rPr>
-              <a:t>) &amp; library(</a:t>
-            </a:r>
-            <a:r>
-              <a:rPr lang="en-US" dirty="0" err="1">
-                <a:solidFill>
-                  <a:prstClr val="black"/>
-                </a:solidFill>
-                <a:latin typeface="Arial Unicode MS" panose="020B0604020202020204" pitchFamily="34" charset="-128"/>
-                <a:ea typeface="Arial Unicode MS" panose="020B0604020202020204" pitchFamily="34" charset="-128"/>
-                <a:cs typeface="Arial Unicode MS" panose="020B0604020202020204" pitchFamily="34" charset="-128"/>
-              </a:rPr>
-              <a:t>dplyr</a:t>
-            </a:r>
-            <a:r>
-              <a:rPr lang="en-US" dirty="0">
-                <a:solidFill>
-                  <a:prstClr val="black"/>
-                </a:solidFill>
-                <a:latin typeface="Arial Unicode MS" panose="020B0604020202020204" pitchFamily="34" charset="-128"/>
-                <a:ea typeface="Arial Unicode MS" panose="020B0604020202020204" pitchFamily="34" charset="-128"/>
-                <a:cs typeface="Arial Unicode MS" panose="020B0604020202020204" pitchFamily="34" charset="-128"/>
-              </a:rPr>
-              <a:t>)</a:t>
-            </a:r>
-          </a:p>
-          <a:p>
-            <a:pPr marL="577850" lvl="1" indent="-120650" defTabSz="457200">
-              <a:buFont typeface="Arial" panose="020B0604020202020204" pitchFamily="34" charset="0"/>
-              <a:buChar char="•"/>
-            </a:pPr>
-            <a:r>
-              <a:rPr lang="en-US" dirty="0" err="1">
-                <a:solidFill>
-                  <a:prstClr val="black"/>
-                </a:solidFill>
-                <a:latin typeface="Arial Unicode MS" panose="020B0604020202020204" pitchFamily="34" charset="-128"/>
-                <a:ea typeface="Arial Unicode MS" panose="020B0604020202020204" pitchFamily="34" charset="-128"/>
-                <a:cs typeface="Arial Unicode MS" panose="020B0604020202020204" pitchFamily="34" charset="-128"/>
-              </a:rPr>
-              <a:t>inner_join</a:t>
-            </a:r>
-            <a:r>
-              <a:rPr lang="en-US" dirty="0">
-                <a:solidFill>
-                  <a:prstClr val="black"/>
-                </a:solidFill>
-                <a:latin typeface="Arial Unicode MS" panose="020B0604020202020204" pitchFamily="34" charset="-128"/>
-                <a:ea typeface="Arial Unicode MS" panose="020B0604020202020204" pitchFamily="34" charset="-128"/>
-                <a:cs typeface="Arial Unicode MS" panose="020B0604020202020204" pitchFamily="34" charset="-128"/>
-              </a:rPr>
-              <a:t>()</a:t>
-            </a:r>
-            <a:endParaRPr lang="en-US" kern="1200" dirty="0">
-              <a:solidFill>
-                <a:prstClr val="black"/>
-              </a:solidFill>
-              <a:latin typeface="Arial Unicode MS" panose="020B0604020202020204" pitchFamily="34" charset="-128"/>
-              <a:ea typeface="Arial Unicode MS" panose="020B0604020202020204" pitchFamily="34" charset="-128"/>
-              <a:cs typeface="Arial Unicode MS" panose="020B0604020202020204" pitchFamily="34" charset="-128"/>
-            </a:endParaRPr>
-          </a:p>
-        </p:txBody>
-      </p:sp>
-      <p:sp>
-        <p:nvSpPr>
-          <p:cNvPr id="13" name="Rectangle 12"/>
-          <p:cNvSpPr/>
-          <p:nvPr/>
-        </p:nvSpPr>
-        <p:spPr>
-          <a:xfrm>
-            <a:off x="4657725" y="2209044"/>
-            <a:ext cx="3943350" cy="822960"/>
-          </a:xfrm>
-          <a:prstGeom prst="rect">
-            <a:avLst/>
-          </a:prstGeom>
-          <a:ln>
-            <a:noFill/>
-          </a:ln>
-          <a:effectLst>
-            <a:outerShdw blurRad="50800" dist="38100" dir="2700000" algn="tl" rotWithShape="0">
-              <a:prstClr val="black">
-                <a:alpha val="40000"/>
-              </a:prstClr>
-            </a:outerShdw>
-          </a:effectLst>
-        </p:spPr>
-        <p:style>
-          <a:lnRef idx="2">
-            <a:schemeClr val="accent1">
-              <a:shade val="50000"/>
-            </a:schemeClr>
-          </a:lnRef>
-          <a:fillRef idx="1">
-            <a:schemeClr val="accent1"/>
-          </a:fillRef>
-          <a:effectRef idx="0">
-            <a:schemeClr val="accent1"/>
-          </a:effectRef>
-          <a:fontRef idx="minor">
-            <a:schemeClr val="lt1"/>
-          </a:fontRef>
-        </p:style>
-        <p:txBody>
-          <a:bodyPr rtlCol="0" anchor="ctr"/>
-          <a:lstStyle/>
-          <a:p>
-            <a:pPr algn="ctr" defTabSz="457200"/>
-            <a:r>
-              <a:rPr lang="en-US" sz="1600" b="1" kern="1200" dirty="0">
-                <a:solidFill>
-                  <a:prstClr val="white"/>
-                </a:solidFill>
-                <a:latin typeface="Arial Unicode MS" panose="020B0604020202020204" pitchFamily="34" charset="-128"/>
-                <a:cs typeface="Arial Unicode MS" panose="020B0604020202020204" pitchFamily="34" charset="-128"/>
-              </a:rPr>
-              <a:t>Because of </a:t>
-            </a:r>
-            <a:r>
-              <a:rPr lang="en-US" sz="1600" b="1" kern="1200" dirty="0" err="1">
-                <a:solidFill>
-                  <a:prstClr val="white"/>
-                </a:solidFill>
-                <a:latin typeface="Arial Unicode MS" panose="020B0604020202020204" pitchFamily="34" charset="-128"/>
-                <a:cs typeface="Arial Unicode MS" panose="020B0604020202020204" pitchFamily="34" charset="-128"/>
-              </a:rPr>
-              <a:t>Zipf’s</a:t>
-            </a:r>
-            <a:r>
-              <a:rPr lang="en-US" sz="1600" b="1" kern="1200" dirty="0">
-                <a:solidFill>
-                  <a:prstClr val="white"/>
-                </a:solidFill>
-                <a:latin typeface="Arial Unicode MS" panose="020B0604020202020204" pitchFamily="34" charset="-128"/>
-                <a:cs typeface="Arial Unicode MS" panose="020B0604020202020204" pitchFamily="34" charset="-128"/>
-              </a:rPr>
-              <a:t> Law you can have </a:t>
-            </a:r>
-            <a:r>
-              <a:rPr lang="en-US" sz="1600" b="1" kern="1200" dirty="0" err="1">
-                <a:solidFill>
-                  <a:prstClr val="white"/>
-                </a:solidFill>
-                <a:latin typeface="Arial Unicode MS" panose="020B0604020202020204" pitchFamily="34" charset="-128"/>
-                <a:cs typeface="Arial Unicode MS" panose="020B0604020202020204" pitchFamily="34" charset="-128"/>
-              </a:rPr>
-              <a:t>pos</a:t>
-            </a:r>
-            <a:r>
-              <a:rPr lang="en-US" sz="1600" b="1" kern="1200" dirty="0">
-                <a:solidFill>
-                  <a:prstClr val="white"/>
-                </a:solidFill>
-                <a:latin typeface="Arial Unicode MS" panose="020B0604020202020204" pitchFamily="34" charset="-128"/>
-                <a:cs typeface="Arial Unicode MS" panose="020B0604020202020204" pitchFamily="34" charset="-128"/>
-              </a:rPr>
-              <a:t>/</a:t>
-            </a:r>
-            <a:r>
-              <a:rPr lang="en-US" sz="1600" b="1" kern="1200" dirty="0" err="1">
-                <a:solidFill>
-                  <a:prstClr val="white"/>
-                </a:solidFill>
-                <a:latin typeface="Arial Unicode MS" panose="020B0604020202020204" pitchFamily="34" charset="-128"/>
-                <a:cs typeface="Arial Unicode MS" panose="020B0604020202020204" pitchFamily="34" charset="-128"/>
-              </a:rPr>
-              <a:t>neg</a:t>
-            </a:r>
-            <a:r>
-              <a:rPr lang="en-US" sz="1600" b="1" kern="1200" dirty="0">
-                <a:solidFill>
-                  <a:prstClr val="white"/>
-                </a:solidFill>
-                <a:latin typeface="Arial Unicode MS" panose="020B0604020202020204" pitchFamily="34" charset="-128"/>
-                <a:cs typeface="Arial Unicode MS" panose="020B0604020202020204" pitchFamily="34" charset="-128"/>
-              </a:rPr>
-              <a:t> lexicons that do not encompass all possible terms.</a:t>
-            </a:r>
-          </a:p>
-        </p:txBody>
-      </p:sp>
-      <p:cxnSp>
-        <p:nvCxnSpPr>
-          <p:cNvPr id="14" name="Straight Connector 13">
-            <a:extLst>
-              <a:ext uri="{FF2B5EF4-FFF2-40B4-BE49-F238E27FC236}">
-                <a16:creationId xmlns:a16="http://schemas.microsoft.com/office/drawing/2014/main" id="{D74CF0A8-C7EC-624B-A148-D5FFA2ABEE05}"/>
-              </a:ext>
-            </a:extLst>
-          </p:cNvPr>
-          <p:cNvCxnSpPr/>
-          <p:nvPr/>
-        </p:nvCxnSpPr>
-        <p:spPr>
-          <a:xfrm>
-            <a:off x="6798363" y="6549885"/>
-            <a:ext cx="0" cy="182880"/>
-          </a:xfrm>
-          <a:prstGeom prst="line">
-            <a:avLst/>
-          </a:prstGeom>
-          <a:ln>
-            <a:solidFill>
-              <a:schemeClr val="bg1">
-                <a:lumMod val="85000"/>
-              </a:schemeClr>
-            </a:solidFill>
-          </a:ln>
-        </p:spPr>
-        <p:style>
-          <a:lnRef idx="1">
-            <a:schemeClr val="accent1"/>
-          </a:lnRef>
-          <a:fillRef idx="0">
-            <a:schemeClr val="accent1"/>
-          </a:fillRef>
-          <a:effectRef idx="0">
-            <a:schemeClr val="accent1"/>
-          </a:effectRef>
-          <a:fontRef idx="minor">
-            <a:schemeClr val="tx1"/>
-          </a:fontRef>
-        </p:style>
-      </p:cxnSp>
-      <p:cxnSp>
-        <p:nvCxnSpPr>
-          <p:cNvPr id="15" name="Straight Connector 14">
-            <a:extLst>
-              <a:ext uri="{FF2B5EF4-FFF2-40B4-BE49-F238E27FC236}">
-                <a16:creationId xmlns:a16="http://schemas.microsoft.com/office/drawing/2014/main" id="{A42F4250-2533-2B4D-B0BB-6CE0A87CC28F}"/>
-              </a:ext>
-            </a:extLst>
-          </p:cNvPr>
-          <p:cNvCxnSpPr/>
-          <p:nvPr/>
-        </p:nvCxnSpPr>
-        <p:spPr>
-          <a:xfrm>
-            <a:off x="7076661" y="4664763"/>
-            <a:ext cx="182880" cy="0"/>
-          </a:xfrm>
-          <a:prstGeom prst="line">
-            <a:avLst/>
-          </a:prstGeom>
-          <a:ln>
-            <a:solidFill>
-              <a:schemeClr val="bg1">
-                <a:lumMod val="85000"/>
-              </a:schemeClr>
-            </a:solidFill>
-          </a:ln>
-        </p:spPr>
-        <p:style>
-          <a:lnRef idx="1">
-            <a:schemeClr val="accent1"/>
-          </a:lnRef>
-          <a:fillRef idx="0">
-            <a:schemeClr val="accent1"/>
-          </a:fillRef>
-          <a:effectRef idx="0">
-            <a:schemeClr val="accent1"/>
-          </a:effectRef>
-          <a:fontRef idx="minor">
-            <a:schemeClr val="tx1"/>
-          </a:fontRef>
-        </p:style>
-      </p:cxnSp>
-      <p:sp>
-        <p:nvSpPr>
-          <p:cNvPr id="16" name="Rectangle 15">
-            <a:extLst>
-              <a:ext uri="{FF2B5EF4-FFF2-40B4-BE49-F238E27FC236}">
-                <a16:creationId xmlns:a16="http://schemas.microsoft.com/office/drawing/2014/main" id="{67AB155B-F941-AE44-B62A-5CB3BD62385A}"/>
-              </a:ext>
-            </a:extLst>
-          </p:cNvPr>
-          <p:cNvSpPr/>
-          <p:nvPr/>
-        </p:nvSpPr>
-        <p:spPr>
-          <a:xfrm>
-            <a:off x="266623" y="1679493"/>
-            <a:ext cx="4114800" cy="4389120"/>
-          </a:xfrm>
-          <a:prstGeom prst="rect">
-            <a:avLst/>
-          </a:prstGeom>
-          <a:solidFill>
-            <a:schemeClr val="bg1">
-              <a:lumMod val="95000"/>
-            </a:schemeClr>
-          </a:solidFill>
-          <a:ln>
-            <a:noFill/>
-          </a:ln>
-          <a:effectLst>
-            <a:outerShdw blurRad="50800" dist="38100" dir="2700000" algn="tl" rotWithShape="0">
-              <a:prstClr val="black">
-                <a:alpha val="40000"/>
-              </a:prstClr>
-            </a:outerShdw>
-          </a:effectLst>
-        </p:spPr>
-        <p:style>
-          <a:lnRef idx="2">
-            <a:schemeClr val="accent1">
-              <a:shade val="50000"/>
-            </a:schemeClr>
-          </a:lnRef>
-          <a:fillRef idx="1">
-            <a:schemeClr val="accent1"/>
-          </a:fillRef>
-          <a:effectRef idx="0">
-            <a:schemeClr val="accent1"/>
-          </a:effectRef>
-          <a:fontRef idx="minor">
-            <a:schemeClr val="lt1"/>
-          </a:fontRef>
-        </p:style>
-        <p:txBody>
-          <a:bodyPr rtlCol="0" anchor="ctr"/>
-          <a:lstStyle/>
-          <a:p>
-            <a:pPr algn="ctr" defTabSz="457200"/>
-            <a:endParaRPr lang="en-US" sz="1800" kern="1200" dirty="0">
-              <a:solidFill>
-                <a:prstClr val="white"/>
-              </a:solidFill>
-              <a:latin typeface="Arial Unicode MS" panose="020B0604020202020204" pitchFamily="34" charset="-128"/>
-              <a:cs typeface="Arial Unicode MS" panose="020B0604020202020204" pitchFamily="34" charset="-128"/>
-            </a:endParaRPr>
-          </a:p>
-        </p:txBody>
-      </p:sp>
-      <p:sp>
-        <p:nvSpPr>
-          <p:cNvPr id="17" name="Rectangle 16">
-            <a:extLst>
-              <a:ext uri="{FF2B5EF4-FFF2-40B4-BE49-F238E27FC236}">
-                <a16:creationId xmlns:a16="http://schemas.microsoft.com/office/drawing/2014/main" id="{48582DBD-5915-D347-99D7-EB5FD1E7BE28}"/>
-              </a:ext>
-            </a:extLst>
-          </p:cNvPr>
-          <p:cNvSpPr/>
-          <p:nvPr/>
-        </p:nvSpPr>
-        <p:spPr>
-          <a:xfrm>
-            <a:off x="267676" y="1346409"/>
-            <a:ext cx="4114800" cy="457200"/>
-          </a:xfrm>
-          <a:prstGeom prst="rect">
-            <a:avLst/>
-          </a:prstGeom>
-          <a:solidFill>
-            <a:schemeClr val="bg1">
-              <a:lumMod val="50000"/>
-            </a:schemeClr>
-          </a:solidFill>
-          <a:ln>
-            <a:noFill/>
-          </a:ln>
-        </p:spPr>
-        <p:style>
-          <a:lnRef idx="2">
-            <a:schemeClr val="accent1">
-              <a:shade val="50000"/>
-            </a:schemeClr>
-          </a:lnRef>
-          <a:fillRef idx="1">
-            <a:schemeClr val="accent1"/>
-          </a:fillRef>
-          <a:effectRef idx="0">
-            <a:schemeClr val="accent1"/>
-          </a:effectRef>
-          <a:fontRef idx="minor">
-            <a:schemeClr val="lt1"/>
-          </a:fontRef>
-        </p:style>
-        <p:txBody>
-          <a:bodyPr rtlCol="0" anchor="ctr"/>
-          <a:lstStyle/>
-          <a:p>
-            <a:pPr algn="ctr" defTabSz="457200"/>
-            <a:r>
-              <a:rPr lang="en-US" sz="2400" b="1" kern="1200" dirty="0">
-                <a:solidFill>
-                  <a:prstClr val="white"/>
-                </a:solidFill>
-                <a:latin typeface="Arial Unicode MS" panose="020B0604020202020204" pitchFamily="34" charset="-128"/>
-                <a:cs typeface="Arial Unicode MS" panose="020B0604020202020204" pitchFamily="34" charset="-128"/>
-              </a:rPr>
-              <a:t>Zipf’s Law</a:t>
-            </a:r>
-          </a:p>
-        </p:txBody>
-      </p:sp>
-      <p:graphicFrame>
-        <p:nvGraphicFramePr>
-          <p:cNvPr id="18" name="Chart 17">
-            <a:extLst>
-              <a:ext uri="{FF2B5EF4-FFF2-40B4-BE49-F238E27FC236}">
-                <a16:creationId xmlns:a16="http://schemas.microsoft.com/office/drawing/2014/main" id="{4A4034D4-5B52-3745-A298-E5764C6EC740}"/>
-              </a:ext>
-            </a:extLst>
-          </p:cNvPr>
-          <p:cNvGraphicFramePr>
-            <a:graphicFrameLocks/>
-          </p:cNvGraphicFramePr>
-          <p:nvPr>
-            <p:extLst>
-              <p:ext uri="{D42A27DB-BD31-4B8C-83A1-F6EECF244321}">
-                <p14:modId xmlns:p14="http://schemas.microsoft.com/office/powerpoint/2010/main" val="800195304"/>
-              </p:ext>
-            </p:extLst>
-          </p:nvPr>
-        </p:nvGraphicFramePr>
-        <p:xfrm>
-          <a:off x="338778" y="3302651"/>
-          <a:ext cx="3931919" cy="2491622"/>
-        </p:xfrm>
-        <a:graphic>
-          <a:graphicData uri="http://schemas.openxmlformats.org/drawingml/2006/chart">
-            <c:chart xmlns:c="http://schemas.openxmlformats.org/drawingml/2006/chart" xmlns:r="http://schemas.openxmlformats.org/officeDocument/2006/relationships" r:id="rId2"/>
-          </a:graphicData>
-        </a:graphic>
-      </p:graphicFrame>
-      <p:sp>
-        <p:nvSpPr>
-          <p:cNvPr id="19" name="Rectangle 18">
-            <a:extLst>
-              <a:ext uri="{FF2B5EF4-FFF2-40B4-BE49-F238E27FC236}">
-                <a16:creationId xmlns:a16="http://schemas.microsoft.com/office/drawing/2014/main" id="{CB80A3BE-A646-C44C-A629-239BC76FD4D4}"/>
-              </a:ext>
-            </a:extLst>
-          </p:cNvPr>
-          <p:cNvSpPr/>
-          <p:nvPr/>
-        </p:nvSpPr>
-        <p:spPr>
-          <a:xfrm>
-            <a:off x="337432" y="2257953"/>
-            <a:ext cx="3943350" cy="822960"/>
-          </a:xfrm>
-          <a:prstGeom prst="rect">
-            <a:avLst/>
-          </a:prstGeom>
-          <a:ln>
-            <a:noFill/>
-          </a:ln>
-          <a:effectLst>
-            <a:outerShdw blurRad="50800" dist="38100" dir="2700000" algn="tl" rotWithShape="0">
-              <a:prstClr val="black">
-                <a:alpha val="40000"/>
-              </a:prstClr>
-            </a:outerShdw>
-          </a:effectLst>
-        </p:spPr>
-        <p:style>
-          <a:lnRef idx="2">
-            <a:schemeClr val="accent1">
-              <a:shade val="50000"/>
-            </a:schemeClr>
-          </a:lnRef>
-          <a:fillRef idx="1">
-            <a:schemeClr val="accent1"/>
-          </a:fillRef>
-          <a:effectRef idx="0">
-            <a:schemeClr val="accent1"/>
-          </a:effectRef>
-          <a:fontRef idx="minor">
-            <a:schemeClr val="lt1"/>
-          </a:fontRef>
-        </p:style>
-        <p:txBody>
-          <a:bodyPr rtlCol="0" anchor="ctr"/>
-          <a:lstStyle/>
-          <a:p>
-            <a:pPr algn="ctr" defTabSz="457200"/>
-            <a:r>
-              <a:rPr lang="en-US" sz="1600" b="1" kern="1200" dirty="0">
-                <a:solidFill>
-                  <a:prstClr val="white"/>
-                </a:solidFill>
-                <a:latin typeface="Arial Unicode MS" panose="020B0604020202020204" pitchFamily="34" charset="-128"/>
-                <a:cs typeface="Arial Unicode MS" panose="020B0604020202020204" pitchFamily="34" charset="-128"/>
-              </a:rPr>
-              <a:t>Many words in natural language but there is steep decline in everyday usage.  Follows a predictable pattern.  </a:t>
-            </a:r>
-          </a:p>
-        </p:txBody>
-      </p:sp>
-    </p:spTree>
-    <p:extLst>
-      <p:ext uri="{BB962C8B-B14F-4D97-AF65-F5344CB8AC3E}">
-        <p14:creationId xmlns:p14="http://schemas.microsoft.com/office/powerpoint/2010/main" val="2328698724"/>
-      </p:ext>
-    </p:extLst>
-  </p:cSld>
-  <p:clrMapOvr>
-    <a:masterClrMapping/>
-  </p:clrMapOvr>
-</p:sld>
-</file>
-
-<file path=ppt/slides/slide11.xml><?xml version="1.0" encoding="utf-8"?>
-<p:sld xmlns:a="http://schemas.openxmlformats.org/drawingml/2006/main" xmlns:r="http://schemas.openxmlformats.org/officeDocument/2006/relationships" xmlns:p="http://schemas.openxmlformats.org/presentationml/2006/main">
-  <p:cSld>
-    <p:spTree>
-      <p:nvGrpSpPr>
-        <p:cNvPr id="1" name=""/>
-        <p:cNvGrpSpPr/>
-        <p:nvPr/>
-      </p:nvGrpSpPr>
-      <p:grpSpPr>
-        <a:xfrm>
-          <a:off x="0" y="0"/>
-          <a:ext cx="0" cy="0"/>
-          <a:chOff x="0" y="0"/>
-          <a:chExt cx="0" cy="0"/>
-        </a:xfrm>
-      </p:grpSpPr>
-      <p:sp>
-        <p:nvSpPr>
-          <p:cNvPr id="2" name="Date Placeholder 1"/>
-          <p:cNvSpPr>
-            <a:spLocks noGrp="1"/>
-          </p:cNvSpPr>
-          <p:nvPr>
-            <p:ph type="dt" sz="half" idx="10"/>
-          </p:nvPr>
-        </p:nvSpPr>
-        <p:spPr/>
-        <p:txBody>
-          <a:bodyPr/>
-          <a:lstStyle/>
-          <a:p>
-            <a:fld id="{6700A58B-DD98-43D0-B791-721480A02982}" type="datetime1">
-              <a:rPr lang="en-US" smtClean="0"/>
-              <a:t>12/30/20</a:t>
-            </a:fld>
-            <a:endParaRPr lang="en-US"/>
-          </a:p>
-        </p:txBody>
-      </p:sp>
-      <p:sp>
-        <p:nvSpPr>
-          <p:cNvPr id="3" name="Title 2"/>
-          <p:cNvSpPr>
-            <a:spLocks noGrp="1"/>
-          </p:cNvSpPr>
-          <p:nvPr>
-            <p:ph type="title"/>
-          </p:nvPr>
-        </p:nvSpPr>
-        <p:spPr/>
-        <p:txBody>
-          <a:bodyPr/>
-          <a:lstStyle/>
-          <a:p>
-            <a:r>
-              <a:rPr lang="en-US" dirty="0"/>
-              <a:t>Differences between Polarity &amp; Emotion</a:t>
-            </a:r>
-          </a:p>
-        </p:txBody>
-      </p:sp>
-      <p:sp>
-        <p:nvSpPr>
-          <p:cNvPr id="4" name="Footer Placeholder 3"/>
-          <p:cNvSpPr>
-            <a:spLocks noGrp="1"/>
-          </p:cNvSpPr>
-          <p:nvPr>
-            <p:ph type="ftr" sz="quarter" idx="3"/>
-          </p:nvPr>
-        </p:nvSpPr>
-        <p:spPr/>
-        <p:txBody>
-          <a:bodyPr/>
-          <a:lstStyle/>
-          <a:p>
-            <a:r>
-              <a:rPr lang="en-US"/>
-              <a:t>Kwartler</a:t>
-            </a:r>
-            <a:endParaRPr lang="en-US" dirty="0"/>
-          </a:p>
-        </p:txBody>
-      </p:sp>
-      <p:sp>
-        <p:nvSpPr>
-          <p:cNvPr id="5" name="Slide Number Placeholder 4"/>
-          <p:cNvSpPr>
-            <a:spLocks noGrp="1"/>
-          </p:cNvSpPr>
-          <p:nvPr>
-            <p:ph type="sldNum" sz="quarter" idx="4"/>
-          </p:nvPr>
-        </p:nvSpPr>
-        <p:spPr/>
-        <p:txBody>
-          <a:bodyPr/>
-          <a:lstStyle/>
-          <a:p>
-            <a:fld id="{37290FF7-652B-4475-AEAB-8B1A5D23AE09}" type="slidenum">
-              <a:rPr lang="en-US" smtClean="0"/>
-              <a:pPr/>
-              <a:t>11</a:t>
-            </a:fld>
-            <a:endParaRPr lang="en-US" dirty="0"/>
-          </a:p>
-        </p:txBody>
-      </p:sp>
-      <p:pic>
-        <p:nvPicPr>
-          <p:cNvPr id="1026" name="Picture 2" descr="Image result for trap meme"/>
-          <p:cNvPicPr>
-            <a:picLocks noChangeAspect="1" noChangeArrowheads="1"/>
-          </p:cNvPicPr>
-          <p:nvPr/>
-        </p:nvPicPr>
-        <p:blipFill>
-          <a:blip r:embed="rId2">
-            <a:extLst>
-              <a:ext uri="{28A0092B-C50C-407E-A947-70E740481C1C}">
-                <a14:useLocalDpi xmlns:a14="http://schemas.microsoft.com/office/drawing/2010/main" val="0"/>
-              </a:ext>
-            </a:extLst>
-          </a:blip>
-          <a:srcRect/>
-          <a:stretch>
-            <a:fillRect/>
-          </a:stretch>
-        </p:blipFill>
-        <p:spPr bwMode="auto">
-          <a:xfrm>
-            <a:off x="378372" y="2287368"/>
-            <a:ext cx="3581290" cy="2650155"/>
-          </a:xfrm>
-          <a:prstGeom prst="rect">
-            <a:avLst/>
-          </a:prstGeom>
-          <a:noFill/>
-          <a:extLst>
-            <a:ext uri="{909E8E84-426E-40DD-AFC4-6F175D3DCCD1}">
-              <a14:hiddenFill xmlns:a14="http://schemas.microsoft.com/office/drawing/2010/main">
-                <a:solidFill>
-                  <a:srgbClr val="FFFFFF"/>
-                </a:solidFill>
-              </a14:hiddenFill>
-            </a:ext>
-          </a:extLst>
-        </p:spPr>
-      </p:pic>
-      <p:sp>
-        <p:nvSpPr>
-          <p:cNvPr id="6" name="TextBox 5"/>
-          <p:cNvSpPr txBox="1"/>
-          <p:nvPr/>
-        </p:nvSpPr>
-        <p:spPr>
-          <a:xfrm>
-            <a:off x="4035973" y="2682920"/>
-            <a:ext cx="4382814" cy="1938992"/>
-          </a:xfrm>
-          <a:prstGeom prst="rect">
-            <a:avLst/>
-          </a:prstGeom>
-          <a:noFill/>
-        </p:spPr>
-        <p:txBody>
-          <a:bodyPr wrap="square" rtlCol="0">
-            <a:spAutoFit/>
-          </a:bodyPr>
-          <a:lstStyle/>
-          <a:p>
-            <a:pPr marL="285750" indent="-285750">
-              <a:buFont typeface="Arial" panose="020B0604020202020204" pitchFamily="34" charset="0"/>
-              <a:buChar char="•"/>
-            </a:pPr>
-            <a:r>
-              <a:rPr lang="en-US" sz="2400" dirty="0"/>
-              <a:t>Surprise is an emotion</a:t>
-            </a:r>
-          </a:p>
-          <a:p>
-            <a:pPr marL="285750" indent="-285750">
-              <a:buFont typeface="Arial" panose="020B0604020202020204" pitchFamily="34" charset="0"/>
-              <a:buChar char="•"/>
-            </a:pPr>
-            <a:endParaRPr lang="en-US" sz="2400" dirty="0"/>
-          </a:p>
-          <a:p>
-            <a:pPr marL="285750" indent="-285750">
-              <a:buFont typeface="Arial" panose="020B0604020202020204" pitchFamily="34" charset="0"/>
-              <a:buChar char="•"/>
-            </a:pPr>
-            <a:r>
-              <a:rPr lang="en-US" sz="2400" dirty="0"/>
-              <a:t>Some emotions can be positive &amp; negative</a:t>
-            </a:r>
-          </a:p>
-          <a:p>
-            <a:pPr lvl="1"/>
-            <a:endParaRPr lang="en-US" sz="2400" dirty="0"/>
-          </a:p>
-        </p:txBody>
-      </p:sp>
-      <p:sp>
-        <p:nvSpPr>
-          <p:cNvPr id="8" name="Rectangle 7"/>
-          <p:cNvSpPr/>
-          <p:nvPr/>
-        </p:nvSpPr>
-        <p:spPr>
-          <a:xfrm>
-            <a:off x="4243388" y="2268917"/>
-            <a:ext cx="4114800" cy="457200"/>
-          </a:xfrm>
-          <a:prstGeom prst="rect">
-            <a:avLst/>
-          </a:prstGeom>
-          <a:solidFill>
-            <a:schemeClr val="bg1">
-              <a:lumMod val="50000"/>
-            </a:schemeClr>
-          </a:solidFill>
-          <a:ln>
-            <a:noFill/>
-          </a:ln>
-        </p:spPr>
-        <p:style>
-          <a:lnRef idx="2">
-            <a:schemeClr val="accent1">
-              <a:shade val="50000"/>
-            </a:schemeClr>
-          </a:lnRef>
-          <a:fillRef idx="1">
-            <a:schemeClr val="accent1"/>
-          </a:fillRef>
-          <a:effectRef idx="0">
-            <a:schemeClr val="accent1"/>
-          </a:effectRef>
-          <a:fontRef idx="minor">
-            <a:schemeClr val="lt1"/>
-          </a:fontRef>
-        </p:style>
-        <p:txBody>
-          <a:bodyPr rtlCol="0" anchor="ctr"/>
-          <a:lstStyle/>
-          <a:p>
-            <a:pPr algn="ctr" defTabSz="457200"/>
-            <a:r>
-              <a:rPr lang="en-US" sz="2400" b="1" dirty="0">
-                <a:solidFill>
-                  <a:prstClr val="white"/>
-                </a:solidFill>
-                <a:latin typeface="Arial Unicode MS" panose="020B0604020202020204" pitchFamily="34" charset="-128"/>
-                <a:cs typeface="Arial Unicode MS" panose="020B0604020202020204" pitchFamily="34" charset="-128"/>
-              </a:rPr>
-              <a:t>Polarity isn’t an emotion</a:t>
-            </a:r>
-            <a:endParaRPr lang="en-US" sz="2400" b="1" kern="1200" dirty="0">
-              <a:solidFill>
-                <a:prstClr val="white"/>
-              </a:solidFill>
-              <a:latin typeface="Arial Unicode MS" panose="020B0604020202020204" pitchFamily="34" charset="-128"/>
-              <a:cs typeface="Arial Unicode MS" panose="020B0604020202020204" pitchFamily="34" charset="-128"/>
-            </a:endParaRPr>
-          </a:p>
-        </p:txBody>
-      </p:sp>
-      <p:sp>
-        <p:nvSpPr>
-          <p:cNvPr id="10" name="TextBox 9"/>
-          <p:cNvSpPr txBox="1"/>
-          <p:nvPr/>
-        </p:nvSpPr>
-        <p:spPr>
-          <a:xfrm>
-            <a:off x="382543" y="5863407"/>
-            <a:ext cx="8361679" cy="338554"/>
-          </a:xfrm>
-          <a:prstGeom prst="rect">
-            <a:avLst/>
-          </a:prstGeom>
-          <a:solidFill>
-            <a:schemeClr val="accent6"/>
-          </a:solidFill>
-        </p:spPr>
-        <p:txBody>
-          <a:bodyPr wrap="square" rtlCol="0">
-            <a:spAutoFit/>
-          </a:bodyPr>
-          <a:lstStyle/>
-          <a:p>
-            <a:pPr algn="ctr" defTabSz="457200"/>
-            <a:r>
-              <a:rPr lang="en-US" sz="1600" kern="1200" dirty="0">
-                <a:solidFill>
-                  <a:prstClr val="white"/>
-                </a:solidFill>
-                <a:latin typeface="Arial Unicode MS" panose="020B0604020202020204" pitchFamily="34" charset="-128"/>
-                <a:ea typeface="Arial Unicode MS" panose="020B0604020202020204" pitchFamily="34" charset="-128"/>
-                <a:cs typeface="Arial Unicode MS" panose="020B0604020202020204" pitchFamily="34" charset="-128"/>
-              </a:rPr>
-              <a:t>Surprise!  You won the lottery!!</a:t>
-            </a:r>
-          </a:p>
-        </p:txBody>
-      </p:sp>
-      <p:cxnSp>
-        <p:nvCxnSpPr>
-          <p:cNvPr id="15" name="Straight Connector 14">
-            <a:extLst>
-              <a:ext uri="{FF2B5EF4-FFF2-40B4-BE49-F238E27FC236}">
-                <a16:creationId xmlns:a16="http://schemas.microsoft.com/office/drawing/2014/main" id="{17A16838-6667-D947-A7BD-E0F5E9F609C9}"/>
-              </a:ext>
-            </a:extLst>
-          </p:cNvPr>
-          <p:cNvCxnSpPr/>
-          <p:nvPr/>
-        </p:nvCxnSpPr>
-        <p:spPr>
-          <a:xfrm>
-            <a:off x="6798363" y="6549885"/>
-            <a:ext cx="0" cy="182880"/>
-          </a:xfrm>
-          <a:prstGeom prst="line">
-            <a:avLst/>
-          </a:prstGeom>
-          <a:ln>
-            <a:solidFill>
-              <a:schemeClr val="bg1">
-                <a:lumMod val="85000"/>
-              </a:schemeClr>
-            </a:solidFill>
-          </a:ln>
-        </p:spPr>
-        <p:style>
-          <a:lnRef idx="1">
-            <a:schemeClr val="accent1"/>
-          </a:lnRef>
-          <a:fillRef idx="0">
-            <a:schemeClr val="accent1"/>
-          </a:fillRef>
-          <a:effectRef idx="0">
-            <a:schemeClr val="accent1"/>
-          </a:effectRef>
-          <a:fontRef idx="minor">
-            <a:schemeClr val="tx1"/>
-          </a:fontRef>
-        </p:style>
-      </p:cxnSp>
-      <p:cxnSp>
-        <p:nvCxnSpPr>
-          <p:cNvPr id="16" name="Straight Connector 15">
-            <a:extLst>
-              <a:ext uri="{FF2B5EF4-FFF2-40B4-BE49-F238E27FC236}">
-                <a16:creationId xmlns:a16="http://schemas.microsoft.com/office/drawing/2014/main" id="{B69E23AE-BBA5-FA45-9A89-C560D11F3D5C}"/>
-              </a:ext>
-            </a:extLst>
-          </p:cNvPr>
-          <p:cNvCxnSpPr/>
-          <p:nvPr/>
-        </p:nvCxnSpPr>
-        <p:spPr>
-          <a:xfrm>
-            <a:off x="7076661" y="4664763"/>
-            <a:ext cx="182880" cy="0"/>
-          </a:xfrm>
-          <a:prstGeom prst="line">
-            <a:avLst/>
-          </a:prstGeom>
-          <a:ln>
-            <a:solidFill>
-              <a:schemeClr val="bg1">
-                <a:lumMod val="85000"/>
-              </a:schemeClr>
-            </a:solidFill>
-          </a:ln>
-        </p:spPr>
-        <p:style>
-          <a:lnRef idx="1">
-            <a:schemeClr val="accent1"/>
-          </a:lnRef>
-          <a:fillRef idx="0">
-            <a:schemeClr val="accent1"/>
-          </a:fillRef>
-          <a:effectRef idx="0">
-            <a:schemeClr val="accent1"/>
-          </a:effectRef>
-          <a:fontRef idx="minor">
-            <a:schemeClr val="tx1"/>
-          </a:fontRef>
-        </p:style>
-      </p:cxnSp>
-    </p:spTree>
-    <p:extLst>
-      <p:ext uri="{BB962C8B-B14F-4D97-AF65-F5344CB8AC3E}">
-        <p14:creationId xmlns:p14="http://schemas.microsoft.com/office/powerpoint/2010/main" val="3437578903"/>
-      </p:ext>
-    </p:extLst>
-  </p:cSld>
-  <p:clrMapOvr>
-    <a:masterClrMapping/>
-  </p:clrMapOvr>
-</p:sld>
-</file>
-
-<file path=ppt/slides/slide12.xml><?xml version="1.0" encoding="utf-8"?>
-<p:sld xmlns:a="http://schemas.openxmlformats.org/drawingml/2006/main" xmlns:r="http://schemas.openxmlformats.org/officeDocument/2006/relationships" xmlns:p="http://schemas.openxmlformats.org/presentationml/2006/main">
-  <p:cSld>
-    <p:spTree>
-      <p:nvGrpSpPr>
-        <p:cNvPr id="1" name=""/>
-        <p:cNvGrpSpPr/>
-        <p:nvPr/>
-      </p:nvGrpSpPr>
-      <p:grpSpPr>
-        <a:xfrm>
-          <a:off x="0" y="0"/>
-          <a:ext cx="0" cy="0"/>
-          <a:chOff x="0" y="0"/>
-          <a:chExt cx="0" cy="0"/>
-        </a:xfrm>
-      </p:grpSpPr>
-      <p:sp>
-        <p:nvSpPr>
-          <p:cNvPr id="2" name="Date Placeholder 1"/>
-          <p:cNvSpPr>
-            <a:spLocks noGrp="1"/>
-          </p:cNvSpPr>
-          <p:nvPr>
-            <p:ph type="dt" sz="half" idx="10"/>
-          </p:nvPr>
-        </p:nvSpPr>
-        <p:spPr/>
-        <p:txBody>
-          <a:bodyPr/>
-          <a:lstStyle/>
-          <a:p>
-            <a:fld id="{6700A58B-DD98-43D0-B791-721480A02982}" type="datetime1">
-              <a:rPr lang="en-US" smtClean="0"/>
-              <a:t>12/30/20</a:t>
-            </a:fld>
-            <a:endParaRPr lang="en-US"/>
-          </a:p>
-        </p:txBody>
-      </p:sp>
-      <p:sp>
-        <p:nvSpPr>
-          <p:cNvPr id="3" name="Title 2"/>
-          <p:cNvSpPr>
-            <a:spLocks noGrp="1"/>
-          </p:cNvSpPr>
-          <p:nvPr>
-            <p:ph type="title"/>
-          </p:nvPr>
-        </p:nvSpPr>
-        <p:spPr/>
-        <p:txBody>
-          <a:bodyPr/>
-          <a:lstStyle/>
-          <a:p>
-            <a:r>
-              <a:rPr lang="en-US" dirty="0"/>
-              <a:t>Differences between Polarity &amp; Emotion</a:t>
-            </a:r>
-          </a:p>
-        </p:txBody>
-      </p:sp>
-      <p:sp>
-        <p:nvSpPr>
-          <p:cNvPr id="4" name="Footer Placeholder 3"/>
-          <p:cNvSpPr>
-            <a:spLocks noGrp="1"/>
-          </p:cNvSpPr>
-          <p:nvPr>
-            <p:ph type="ftr" sz="quarter" idx="3"/>
-          </p:nvPr>
-        </p:nvSpPr>
-        <p:spPr/>
-        <p:txBody>
-          <a:bodyPr/>
-          <a:lstStyle/>
-          <a:p>
-            <a:r>
-              <a:rPr lang="en-US"/>
-              <a:t>Kwartler</a:t>
-            </a:r>
-            <a:endParaRPr lang="en-US" dirty="0"/>
-          </a:p>
-        </p:txBody>
-      </p:sp>
-      <p:sp>
-        <p:nvSpPr>
-          <p:cNvPr id="5" name="Slide Number Placeholder 4"/>
-          <p:cNvSpPr>
-            <a:spLocks noGrp="1"/>
-          </p:cNvSpPr>
-          <p:nvPr>
-            <p:ph type="sldNum" sz="quarter" idx="4"/>
-          </p:nvPr>
-        </p:nvSpPr>
-        <p:spPr/>
-        <p:txBody>
-          <a:bodyPr/>
-          <a:lstStyle/>
-          <a:p>
-            <a:fld id="{37290FF7-652B-4475-AEAB-8B1A5D23AE09}" type="slidenum">
-              <a:rPr lang="en-US" smtClean="0"/>
-              <a:pPr/>
-              <a:t>12</a:t>
-            </a:fld>
-            <a:endParaRPr lang="en-US" dirty="0"/>
-          </a:p>
-        </p:txBody>
-      </p:sp>
-      <p:pic>
-        <p:nvPicPr>
-          <p:cNvPr id="1026" name="Picture 2" descr="Image result for trap meme"/>
-          <p:cNvPicPr>
-            <a:picLocks noChangeAspect="1" noChangeArrowheads="1"/>
-          </p:cNvPicPr>
-          <p:nvPr/>
-        </p:nvPicPr>
-        <p:blipFill>
-          <a:blip r:embed="rId2">
-            <a:extLst>
-              <a:ext uri="{28A0092B-C50C-407E-A947-70E740481C1C}">
-                <a14:useLocalDpi xmlns:a14="http://schemas.microsoft.com/office/drawing/2010/main" val="0"/>
-              </a:ext>
-            </a:extLst>
-          </a:blip>
-          <a:srcRect/>
-          <a:stretch>
-            <a:fillRect/>
-          </a:stretch>
-        </p:blipFill>
-        <p:spPr bwMode="auto">
-          <a:xfrm>
-            <a:off x="378372" y="2287368"/>
-            <a:ext cx="3581290" cy="2650155"/>
-          </a:xfrm>
-          <a:prstGeom prst="rect">
-            <a:avLst/>
-          </a:prstGeom>
-          <a:noFill/>
-          <a:extLst>
-            <a:ext uri="{909E8E84-426E-40DD-AFC4-6F175D3DCCD1}">
-              <a14:hiddenFill xmlns:a14="http://schemas.microsoft.com/office/drawing/2010/main">
-                <a:solidFill>
-                  <a:srgbClr val="FFFFFF"/>
-                </a:solidFill>
-              </a14:hiddenFill>
-            </a:ext>
-          </a:extLst>
-        </p:spPr>
-      </p:pic>
-      <p:sp>
-        <p:nvSpPr>
-          <p:cNvPr id="8" name="Rectangle 7"/>
-          <p:cNvSpPr/>
-          <p:nvPr/>
-        </p:nvSpPr>
-        <p:spPr>
-          <a:xfrm>
-            <a:off x="4243388" y="2268917"/>
-            <a:ext cx="4114800" cy="457200"/>
-          </a:xfrm>
-          <a:prstGeom prst="rect">
-            <a:avLst/>
-          </a:prstGeom>
-          <a:solidFill>
-            <a:schemeClr val="bg1">
-              <a:lumMod val="50000"/>
-            </a:schemeClr>
-          </a:solidFill>
-          <a:ln>
-            <a:noFill/>
-          </a:ln>
-        </p:spPr>
-        <p:style>
-          <a:lnRef idx="2">
-            <a:schemeClr val="accent1">
-              <a:shade val="50000"/>
-            </a:schemeClr>
-          </a:lnRef>
-          <a:fillRef idx="1">
-            <a:schemeClr val="accent1"/>
-          </a:fillRef>
-          <a:effectRef idx="0">
-            <a:schemeClr val="accent1"/>
-          </a:effectRef>
-          <a:fontRef idx="minor">
-            <a:schemeClr val="lt1"/>
-          </a:fontRef>
-        </p:style>
-        <p:txBody>
-          <a:bodyPr rtlCol="0" anchor="ctr"/>
-          <a:lstStyle/>
-          <a:p>
-            <a:pPr algn="ctr" defTabSz="457200"/>
-            <a:r>
-              <a:rPr lang="en-US" sz="2400" b="1" dirty="0">
-                <a:solidFill>
-                  <a:prstClr val="white"/>
-                </a:solidFill>
-                <a:latin typeface="Arial Unicode MS" panose="020B0604020202020204" pitchFamily="34" charset="-128"/>
-                <a:cs typeface="Arial Unicode MS" panose="020B0604020202020204" pitchFamily="34" charset="-128"/>
-              </a:rPr>
-              <a:t>Polarity isn’t an emotion</a:t>
-            </a:r>
-            <a:endParaRPr lang="en-US" sz="2400" b="1" kern="1200" dirty="0">
-              <a:solidFill>
-                <a:prstClr val="white"/>
-              </a:solidFill>
-              <a:latin typeface="Arial Unicode MS" panose="020B0604020202020204" pitchFamily="34" charset="-128"/>
-              <a:cs typeface="Arial Unicode MS" panose="020B0604020202020204" pitchFamily="34" charset="-128"/>
-            </a:endParaRPr>
-          </a:p>
-        </p:txBody>
-      </p:sp>
-      <p:sp>
-        <p:nvSpPr>
-          <p:cNvPr id="9" name="TextBox 8"/>
-          <p:cNvSpPr txBox="1"/>
-          <p:nvPr/>
-        </p:nvSpPr>
-        <p:spPr>
-          <a:xfrm>
-            <a:off x="382543" y="5863407"/>
-            <a:ext cx="8361679" cy="338554"/>
-          </a:xfrm>
-          <a:prstGeom prst="rect">
-            <a:avLst/>
-          </a:prstGeom>
-          <a:solidFill>
-            <a:schemeClr val="accent6"/>
-          </a:solidFill>
-        </p:spPr>
-        <p:txBody>
-          <a:bodyPr wrap="square" rtlCol="0">
-            <a:spAutoFit/>
-          </a:bodyPr>
-          <a:lstStyle/>
-          <a:p>
-            <a:pPr algn="ctr" defTabSz="457200"/>
-            <a:r>
-              <a:rPr lang="en-US" sz="1600" kern="1200" dirty="0">
-                <a:solidFill>
-                  <a:prstClr val="white"/>
-                </a:solidFill>
-                <a:latin typeface="Arial Unicode MS" panose="020B0604020202020204" pitchFamily="34" charset="-128"/>
-                <a:ea typeface="Arial Unicode MS" panose="020B0604020202020204" pitchFamily="34" charset="-128"/>
-                <a:cs typeface="Arial Unicode MS" panose="020B0604020202020204" pitchFamily="34" charset="-128"/>
-              </a:rPr>
-              <a:t>Surprise!  You were hit by a bus!!</a:t>
-            </a:r>
-          </a:p>
-        </p:txBody>
-      </p:sp>
-      <p:sp>
-        <p:nvSpPr>
-          <p:cNvPr id="10" name="TextBox 9"/>
-          <p:cNvSpPr txBox="1"/>
-          <p:nvPr/>
-        </p:nvSpPr>
-        <p:spPr>
-          <a:xfrm>
-            <a:off x="4035973" y="2739027"/>
-            <a:ext cx="4382814" cy="1938992"/>
-          </a:xfrm>
-          <a:prstGeom prst="rect">
-            <a:avLst/>
-          </a:prstGeom>
-          <a:noFill/>
-        </p:spPr>
-        <p:txBody>
-          <a:bodyPr wrap="square" rtlCol="0">
-            <a:spAutoFit/>
-          </a:bodyPr>
-          <a:lstStyle/>
-          <a:p>
-            <a:pPr marL="285750" indent="-285750">
-              <a:buFont typeface="Arial" panose="020B0604020202020204" pitchFamily="34" charset="0"/>
-              <a:buChar char="•"/>
-            </a:pPr>
-            <a:r>
-              <a:rPr lang="en-US" sz="2400" dirty="0"/>
-              <a:t>Surprise is an emotion</a:t>
-            </a:r>
-          </a:p>
-          <a:p>
-            <a:pPr marL="285750" indent="-285750">
-              <a:buFont typeface="Arial" panose="020B0604020202020204" pitchFamily="34" charset="0"/>
-              <a:buChar char="•"/>
-            </a:pPr>
-            <a:endParaRPr lang="en-US" sz="2400" dirty="0"/>
-          </a:p>
-          <a:p>
-            <a:pPr marL="285750" indent="-285750">
-              <a:buFont typeface="Arial" panose="020B0604020202020204" pitchFamily="34" charset="0"/>
-              <a:buChar char="•"/>
-            </a:pPr>
-            <a:r>
-              <a:rPr lang="en-US" sz="2400" dirty="0"/>
-              <a:t>Some emotions can be positive &amp; negative</a:t>
-            </a:r>
-          </a:p>
-          <a:p>
-            <a:pPr lvl="1"/>
-            <a:endParaRPr lang="en-US" sz="2400" dirty="0"/>
-          </a:p>
-        </p:txBody>
-      </p:sp>
-      <p:cxnSp>
-        <p:nvCxnSpPr>
-          <p:cNvPr id="11" name="Straight Connector 10">
-            <a:extLst>
-              <a:ext uri="{FF2B5EF4-FFF2-40B4-BE49-F238E27FC236}">
-                <a16:creationId xmlns:a16="http://schemas.microsoft.com/office/drawing/2014/main" id="{F084AB3F-0B5E-ED46-9BC5-62A3F05ADF77}"/>
-              </a:ext>
-            </a:extLst>
-          </p:cNvPr>
-          <p:cNvCxnSpPr/>
-          <p:nvPr/>
-        </p:nvCxnSpPr>
-        <p:spPr>
-          <a:xfrm>
-            <a:off x="6798363" y="6549885"/>
-            <a:ext cx="0" cy="182880"/>
-          </a:xfrm>
-          <a:prstGeom prst="line">
-            <a:avLst/>
-          </a:prstGeom>
-          <a:ln>
-            <a:solidFill>
-              <a:schemeClr val="bg1">
-                <a:lumMod val="85000"/>
-              </a:schemeClr>
-            </a:solidFill>
-          </a:ln>
-        </p:spPr>
-        <p:style>
-          <a:lnRef idx="1">
-            <a:schemeClr val="accent1"/>
-          </a:lnRef>
-          <a:fillRef idx="0">
-            <a:schemeClr val="accent1"/>
-          </a:fillRef>
-          <a:effectRef idx="0">
-            <a:schemeClr val="accent1"/>
-          </a:effectRef>
-          <a:fontRef idx="minor">
-            <a:schemeClr val="tx1"/>
-          </a:fontRef>
-        </p:style>
-      </p:cxnSp>
-      <p:cxnSp>
-        <p:nvCxnSpPr>
-          <p:cNvPr id="12" name="Straight Connector 11">
-            <a:extLst>
-              <a:ext uri="{FF2B5EF4-FFF2-40B4-BE49-F238E27FC236}">
-                <a16:creationId xmlns:a16="http://schemas.microsoft.com/office/drawing/2014/main" id="{8B862B9D-A925-354E-A806-FECC88B1D833}"/>
-              </a:ext>
-            </a:extLst>
-          </p:cNvPr>
-          <p:cNvCxnSpPr/>
-          <p:nvPr/>
-        </p:nvCxnSpPr>
-        <p:spPr>
-          <a:xfrm>
-            <a:off x="7076661" y="4664763"/>
-            <a:ext cx="182880" cy="0"/>
-          </a:xfrm>
-          <a:prstGeom prst="line">
-            <a:avLst/>
-          </a:prstGeom>
-          <a:ln>
-            <a:solidFill>
-              <a:schemeClr val="bg1">
-                <a:lumMod val="85000"/>
-              </a:schemeClr>
-            </a:solidFill>
-          </a:ln>
-        </p:spPr>
-        <p:style>
-          <a:lnRef idx="1">
-            <a:schemeClr val="accent1"/>
-          </a:lnRef>
-          <a:fillRef idx="0">
-            <a:schemeClr val="accent1"/>
-          </a:fillRef>
-          <a:effectRef idx="0">
-            <a:schemeClr val="accent1"/>
-          </a:effectRef>
-          <a:fontRef idx="minor">
-            <a:schemeClr val="tx1"/>
-          </a:fontRef>
-        </p:style>
-      </p:cxnSp>
-    </p:spTree>
-    <p:extLst>
-      <p:ext uri="{BB962C8B-B14F-4D97-AF65-F5344CB8AC3E}">
-        <p14:creationId xmlns:p14="http://schemas.microsoft.com/office/powerpoint/2010/main" val="1961875374"/>
-      </p:ext>
-    </p:extLst>
-  </p:cSld>
-  <p:clrMapOvr>
-    <a:masterClrMapping/>
-  </p:clrMapOvr>
-</p:sld>
-</file>
-
-<file path=ppt/slides/slide13.xml><?xml version="1.0" encoding="utf-8"?>
-<p:sld xmlns:a="http://schemas.openxmlformats.org/drawingml/2006/main" xmlns:r="http://schemas.openxmlformats.org/officeDocument/2006/relationships" xmlns:p="http://schemas.openxmlformats.org/presentationml/2006/main">
-  <p:cSld>
-    <p:spTree>
-      <p:nvGrpSpPr>
-        <p:cNvPr id="1" name=""/>
-        <p:cNvGrpSpPr/>
-        <p:nvPr/>
-      </p:nvGrpSpPr>
-      <p:grpSpPr>
-        <a:xfrm>
-          <a:off x="0" y="0"/>
-          <a:ext cx="0" cy="0"/>
-          <a:chOff x="0" y="0"/>
-          <a:chExt cx="0" cy="0"/>
-        </a:xfrm>
-      </p:grpSpPr>
-      <p:sp>
-        <p:nvSpPr>
-          <p:cNvPr id="2" name="Title 1"/>
-          <p:cNvSpPr>
-            <a:spLocks noGrp="1"/>
-          </p:cNvSpPr>
-          <p:nvPr>
-            <p:ph type="title"/>
-          </p:nvPr>
-        </p:nvSpPr>
-        <p:spPr/>
-        <p:txBody>
-          <a:bodyPr>
-            <a:normAutofit/>
-          </a:bodyPr>
-          <a:lstStyle/>
-          <a:p>
-            <a:r>
-              <a:rPr lang="en-US" dirty="0"/>
-              <a:t>A bit more complex polarity</a:t>
-            </a:r>
-          </a:p>
-        </p:txBody>
-      </p:sp>
-      <p:sp>
-        <p:nvSpPr>
-          <p:cNvPr id="8" name="Rectangle 7"/>
-          <p:cNvSpPr/>
-          <p:nvPr/>
-        </p:nvSpPr>
-        <p:spPr>
-          <a:xfrm>
-            <a:off x="334476" y="1159660"/>
-            <a:ext cx="8484403" cy="4959785"/>
-          </a:xfrm>
-          <a:prstGeom prst="rect">
-            <a:avLst/>
-          </a:prstGeom>
-          <a:solidFill>
-            <a:schemeClr val="bg1">
-              <a:lumMod val="95000"/>
-            </a:schemeClr>
-          </a:solidFill>
-          <a:ln>
-            <a:noFill/>
-          </a:ln>
-          <a:effectLst>
-            <a:outerShdw blurRad="50800" dist="38100" dir="2700000" algn="tl" rotWithShape="0">
-              <a:prstClr val="black">
-                <a:alpha val="40000"/>
-              </a:prstClr>
-            </a:outerShdw>
-          </a:effectLst>
-        </p:spPr>
-        <p:style>
-          <a:lnRef idx="2">
-            <a:schemeClr val="accent1">
-              <a:shade val="50000"/>
-            </a:schemeClr>
-          </a:lnRef>
-          <a:fillRef idx="1">
-            <a:schemeClr val="accent1"/>
-          </a:fillRef>
-          <a:effectRef idx="0">
-            <a:schemeClr val="accent1"/>
-          </a:effectRef>
-          <a:fontRef idx="minor">
-            <a:schemeClr val="lt1"/>
-          </a:fontRef>
-        </p:style>
-        <p:txBody>
-          <a:bodyPr rtlCol="0" anchor="ctr"/>
-          <a:lstStyle/>
-          <a:p>
-            <a:pPr marL="120650" indent="-120650" defTabSz="457200">
-              <a:buFont typeface="Arial" panose="020B0604020202020204" pitchFamily="34" charset="0"/>
-              <a:buChar char="•"/>
-            </a:pPr>
-            <a:endParaRPr lang="en-US" sz="2000" b="1" kern="1200" dirty="0">
-              <a:solidFill>
-                <a:prstClr val="white"/>
-              </a:solidFill>
-              <a:latin typeface="Arial Unicode MS" panose="020B0604020202020204" pitchFamily="34" charset="-128"/>
-              <a:cs typeface="Arial Unicode MS" panose="020B0604020202020204" pitchFamily="34" charset="-128"/>
-            </a:endParaRPr>
-          </a:p>
-        </p:txBody>
-      </p:sp>
-      <p:sp>
-        <p:nvSpPr>
-          <p:cNvPr id="9" name="Rectangle 8"/>
-          <p:cNvSpPr/>
-          <p:nvPr/>
-        </p:nvSpPr>
-        <p:spPr>
-          <a:xfrm>
-            <a:off x="334477" y="1157657"/>
-            <a:ext cx="8484402" cy="457200"/>
-          </a:xfrm>
-          <a:prstGeom prst="rect">
-            <a:avLst/>
-          </a:prstGeom>
-          <a:solidFill>
-            <a:schemeClr val="bg1">
-              <a:lumMod val="50000"/>
-            </a:schemeClr>
-          </a:solidFill>
-          <a:ln>
-            <a:noFill/>
-          </a:ln>
-        </p:spPr>
-        <p:style>
-          <a:lnRef idx="2">
-            <a:schemeClr val="accent1">
-              <a:shade val="50000"/>
-            </a:schemeClr>
-          </a:lnRef>
-          <a:fillRef idx="1">
-            <a:schemeClr val="accent1"/>
-          </a:fillRef>
-          <a:effectRef idx="0">
-            <a:schemeClr val="accent1"/>
-          </a:effectRef>
-          <a:fontRef idx="minor">
-            <a:schemeClr val="lt1"/>
-          </a:fontRef>
-        </p:style>
-        <p:txBody>
-          <a:bodyPr rtlCol="0" anchor="ctr"/>
-          <a:lstStyle/>
-          <a:p>
-            <a:pPr algn="ctr" defTabSz="457200"/>
-            <a:r>
-              <a:rPr lang="en-US" sz="2400" b="1" u="sng" kern="1200" dirty="0">
-                <a:solidFill>
-                  <a:prstClr val="white"/>
-                </a:solidFill>
-                <a:latin typeface="Arial Unicode MS" panose="020B0604020202020204" pitchFamily="34" charset="-128"/>
-                <a:cs typeface="Arial Unicode MS" panose="020B0604020202020204" pitchFamily="34" charset="-128"/>
-              </a:rPr>
-              <a:t>Scoring</a:t>
-            </a:r>
-          </a:p>
-        </p:txBody>
-      </p:sp>
-      <p:sp>
-        <p:nvSpPr>
-          <p:cNvPr id="16" name="TextBox 15"/>
-          <p:cNvSpPr txBox="1"/>
-          <p:nvPr/>
-        </p:nvSpPr>
-        <p:spPr>
-          <a:xfrm>
-            <a:off x="530088" y="1674845"/>
-            <a:ext cx="6233784" cy="3323987"/>
-          </a:xfrm>
-          <a:prstGeom prst="rect">
-            <a:avLst/>
-          </a:prstGeom>
-          <a:noFill/>
-        </p:spPr>
-        <p:txBody>
-          <a:bodyPr wrap="square" rtlCol="0">
-            <a:spAutoFit/>
-          </a:bodyPr>
-          <a:lstStyle/>
-          <a:p>
-            <a:pPr marL="342900" indent="-342900" defTabSz="457200">
-              <a:buAutoNum type="arabicPeriod"/>
-            </a:pPr>
-            <a:r>
-              <a:rPr lang="en-US" sz="1500" b="1" dirty="0">
-                <a:solidFill>
-                  <a:prstClr val="black"/>
-                </a:solidFill>
-                <a:latin typeface="Arial Unicode MS" panose="020B0604020202020204" pitchFamily="34" charset="-128"/>
-                <a:ea typeface="Arial Unicode MS" panose="020B0604020202020204" pitchFamily="34" charset="-128"/>
-                <a:cs typeface="Arial Unicode MS" panose="020B0604020202020204" pitchFamily="34" charset="-128"/>
-              </a:rPr>
-              <a:t>Identify a polarized word from a lexicon</a:t>
-            </a:r>
-          </a:p>
-          <a:p>
-            <a:pPr marL="342900" indent="-342900" defTabSz="457200">
-              <a:buAutoNum type="arabicPeriod"/>
-            </a:pPr>
-            <a:r>
-              <a:rPr lang="en-US" sz="1500" b="1" kern="1200" dirty="0">
-                <a:solidFill>
-                  <a:prstClr val="black"/>
-                </a:solidFill>
-                <a:latin typeface="Arial Unicode MS" panose="020B0604020202020204" pitchFamily="34" charset="-128"/>
-                <a:ea typeface="Arial Unicode MS" panose="020B0604020202020204" pitchFamily="34" charset="-128"/>
-                <a:cs typeface="Arial Unicode MS" panose="020B0604020202020204" pitchFamily="34" charset="-128"/>
-              </a:rPr>
-              <a:t>Identify “context cluster”</a:t>
-            </a:r>
-          </a:p>
-          <a:p>
-            <a:pPr marL="800100" lvl="1" indent="-342900" defTabSz="457200">
-              <a:buAutoNum type="arabicPeriod"/>
-            </a:pPr>
-            <a:r>
-              <a:rPr lang="en-US" sz="1500" dirty="0">
-                <a:solidFill>
-                  <a:prstClr val="black"/>
-                </a:solidFill>
-                <a:latin typeface="Arial Unicode MS" panose="020B0604020202020204" pitchFamily="34" charset="-128"/>
-                <a:ea typeface="Arial Unicode MS" panose="020B0604020202020204" pitchFamily="34" charset="-128"/>
-                <a:cs typeface="Arial Unicode MS" panose="020B0604020202020204" pitchFamily="34" charset="-128"/>
-              </a:rPr>
-              <a:t>ID Neutral Words </a:t>
-            </a:r>
-          </a:p>
-          <a:p>
-            <a:pPr marL="800100" lvl="1" indent="-342900" defTabSz="457200">
-              <a:buAutoNum type="arabicPeriod"/>
-            </a:pPr>
-            <a:r>
-              <a:rPr lang="en-US" sz="1500" kern="1200" dirty="0">
-                <a:solidFill>
-                  <a:prstClr val="black"/>
-                </a:solidFill>
-                <a:latin typeface="Arial Unicode MS" panose="020B0604020202020204" pitchFamily="34" charset="-128"/>
-                <a:ea typeface="Arial Unicode MS" panose="020B0604020202020204" pitchFamily="34" charset="-128"/>
-                <a:cs typeface="Arial Unicode MS" panose="020B0604020202020204" pitchFamily="34" charset="-128"/>
-              </a:rPr>
-              <a:t>ID Amplifiers “very”</a:t>
-            </a:r>
-          </a:p>
-          <a:p>
-            <a:pPr marL="800100" lvl="1" indent="-342900" defTabSz="457200">
-              <a:buAutoNum type="arabicPeriod"/>
-            </a:pPr>
-            <a:r>
-              <a:rPr lang="en-US" sz="1500" dirty="0">
-                <a:solidFill>
-                  <a:prstClr val="black"/>
-                </a:solidFill>
-                <a:latin typeface="Arial Unicode MS" panose="020B0604020202020204" pitchFamily="34" charset="-128"/>
-                <a:ea typeface="Arial Unicode MS" panose="020B0604020202020204" pitchFamily="34" charset="-128"/>
-                <a:cs typeface="Arial Unicode MS" panose="020B0604020202020204" pitchFamily="34" charset="-128"/>
-              </a:rPr>
-              <a:t>ID d</a:t>
-            </a:r>
-            <a:r>
-              <a:rPr lang="en-US" sz="1500" kern="1200" dirty="0">
-                <a:solidFill>
-                  <a:prstClr val="black"/>
-                </a:solidFill>
-                <a:latin typeface="Arial Unicode MS" panose="020B0604020202020204" pitchFamily="34" charset="-128"/>
-                <a:ea typeface="Arial Unicode MS" panose="020B0604020202020204" pitchFamily="34" charset="-128"/>
-                <a:cs typeface="Arial Unicode MS" panose="020B0604020202020204" pitchFamily="34" charset="-128"/>
-              </a:rPr>
-              <a:t>e-amplifiers i.e. “hardly”</a:t>
-            </a:r>
-          </a:p>
-          <a:p>
-            <a:pPr marL="800100" lvl="1" indent="-342900" defTabSz="457200">
-              <a:buAutoNum type="arabicPeriod"/>
-            </a:pPr>
-            <a:r>
-              <a:rPr lang="en-US" sz="1500" dirty="0">
-                <a:solidFill>
-                  <a:prstClr val="black"/>
-                </a:solidFill>
-                <a:latin typeface="Arial Unicode MS" panose="020B0604020202020204" pitchFamily="34" charset="-128"/>
-                <a:ea typeface="Arial Unicode MS" panose="020B0604020202020204" pitchFamily="34" charset="-128"/>
-                <a:cs typeface="Arial Unicode MS" panose="020B0604020202020204" pitchFamily="34" charset="-128"/>
-              </a:rPr>
-              <a:t>ID Negators i.e. “not”</a:t>
-            </a:r>
-            <a:endParaRPr lang="en-US" sz="1500" kern="1200" dirty="0">
-              <a:solidFill>
-                <a:prstClr val="black"/>
-              </a:solidFill>
-              <a:latin typeface="Arial Unicode MS" panose="020B0604020202020204" pitchFamily="34" charset="-128"/>
-              <a:ea typeface="Arial Unicode MS" panose="020B0604020202020204" pitchFamily="34" charset="-128"/>
-              <a:cs typeface="Arial Unicode MS" panose="020B0604020202020204" pitchFamily="34" charset="-128"/>
-            </a:endParaRPr>
-          </a:p>
-          <a:p>
-            <a:pPr marL="342900" indent="-342900" defTabSz="457200">
-              <a:buAutoNum type="arabicPeriod"/>
-            </a:pPr>
-            <a:r>
-              <a:rPr lang="en-US" sz="1500" b="1" kern="1200" dirty="0">
-                <a:solidFill>
-                  <a:prstClr val="black"/>
-                </a:solidFill>
-                <a:latin typeface="Arial Unicode MS" panose="020B0604020202020204" pitchFamily="34" charset="-128"/>
-                <a:ea typeface="Arial Unicode MS" panose="020B0604020202020204" pitchFamily="34" charset="-128"/>
-                <a:cs typeface="Arial Unicode MS" panose="020B0604020202020204" pitchFamily="34" charset="-128"/>
-              </a:rPr>
-              <a:t>Assign Values </a:t>
-            </a:r>
-          </a:p>
-          <a:p>
-            <a:pPr marL="800100" lvl="1" indent="-342900" defTabSz="457200">
-              <a:buAutoNum type="arabicPeriod"/>
-            </a:pPr>
-            <a:r>
-              <a:rPr lang="en-US" sz="1500" dirty="0">
-                <a:solidFill>
-                  <a:prstClr val="black"/>
-                </a:solidFill>
-                <a:latin typeface="Arial Unicode MS" panose="020B0604020202020204" pitchFamily="34" charset="-128"/>
-                <a:ea typeface="Arial Unicode MS" panose="020B0604020202020204" pitchFamily="34" charset="-128"/>
-                <a:cs typeface="Arial Unicode MS" panose="020B0604020202020204" pitchFamily="34" charset="-128"/>
-              </a:rPr>
-              <a:t>Neutral Words = 0</a:t>
-            </a:r>
-          </a:p>
-          <a:p>
-            <a:pPr marL="800100" lvl="1" indent="-342900" defTabSz="457200">
-              <a:buAutoNum type="arabicPeriod"/>
-            </a:pPr>
-            <a:r>
-              <a:rPr lang="en-US" sz="1500" dirty="0">
-                <a:solidFill>
-                  <a:prstClr val="black"/>
-                </a:solidFill>
-                <a:latin typeface="Arial Unicode MS" panose="020B0604020202020204" pitchFamily="34" charset="-128"/>
-                <a:ea typeface="Arial Unicode MS" panose="020B0604020202020204" pitchFamily="34" charset="-128"/>
-                <a:cs typeface="Arial Unicode MS" panose="020B0604020202020204" pitchFamily="34" charset="-128"/>
-              </a:rPr>
-              <a:t>Amplifiers = 0.8</a:t>
-            </a:r>
-          </a:p>
-          <a:p>
-            <a:pPr marL="800100" lvl="1" indent="-342900" defTabSz="457200">
-              <a:buAutoNum type="arabicPeriod"/>
-            </a:pPr>
-            <a:r>
-              <a:rPr lang="en-US" sz="1500" dirty="0">
-                <a:solidFill>
-                  <a:prstClr val="black"/>
-                </a:solidFill>
-                <a:latin typeface="Arial Unicode MS" panose="020B0604020202020204" pitchFamily="34" charset="-128"/>
-                <a:ea typeface="Arial Unicode MS" panose="020B0604020202020204" pitchFamily="34" charset="-128"/>
-                <a:cs typeface="Arial Unicode MS" panose="020B0604020202020204" pitchFamily="34" charset="-128"/>
-              </a:rPr>
-              <a:t>De-amplifiers = -0.8</a:t>
-            </a:r>
-          </a:p>
-          <a:p>
-            <a:pPr marL="800100" lvl="1" indent="-342900" defTabSz="457200">
-              <a:buAutoNum type="arabicPeriod"/>
-            </a:pPr>
-            <a:r>
-              <a:rPr lang="en-US" sz="1500" dirty="0">
-                <a:solidFill>
-                  <a:prstClr val="black"/>
-                </a:solidFill>
-                <a:latin typeface="Arial Unicode MS" panose="020B0604020202020204" pitchFamily="34" charset="-128"/>
-                <a:ea typeface="Arial Unicode MS" panose="020B0604020202020204" pitchFamily="34" charset="-128"/>
-                <a:cs typeface="Arial Unicode MS" panose="020B0604020202020204" pitchFamily="34" charset="-128"/>
-              </a:rPr>
-              <a:t>ID Negators = -1 * </a:t>
-            </a:r>
-          </a:p>
-          <a:p>
-            <a:pPr marL="342900" indent="-342900" defTabSz="457200">
-              <a:buAutoNum type="arabicPeriod"/>
-            </a:pPr>
-            <a:r>
-              <a:rPr lang="en-US" sz="1500" b="1" kern="1200" dirty="0">
-                <a:solidFill>
-                  <a:prstClr val="black"/>
-                </a:solidFill>
-                <a:latin typeface="Arial Unicode MS" panose="020B0604020202020204" pitchFamily="34" charset="-128"/>
-                <a:ea typeface="Arial Unicode MS" panose="020B0604020202020204" pitchFamily="34" charset="-128"/>
-                <a:cs typeface="Arial Unicode MS" panose="020B0604020202020204" pitchFamily="34" charset="-128"/>
-              </a:rPr>
-              <a:t>Sum Values</a:t>
-            </a:r>
-          </a:p>
-          <a:p>
-            <a:pPr marL="342900" indent="-342900" defTabSz="457200">
-              <a:buAutoNum type="arabicPeriod"/>
-            </a:pPr>
-            <a:r>
-              <a:rPr lang="en-US" sz="1500" b="1" dirty="0">
-                <a:solidFill>
-                  <a:prstClr val="black"/>
-                </a:solidFill>
-                <a:latin typeface="Arial Unicode MS" panose="020B0604020202020204" pitchFamily="34" charset="-128"/>
-                <a:ea typeface="Arial Unicode MS" panose="020B0604020202020204" pitchFamily="34" charset="-128"/>
-                <a:cs typeface="Arial Unicode MS" panose="020B0604020202020204" pitchFamily="34" charset="-128"/>
-              </a:rPr>
-              <a:t>Divide Sum by sqrt of word count </a:t>
-            </a:r>
-            <a:r>
-              <a:rPr lang="en-US" sz="1500" dirty="0">
-                <a:solidFill>
-                  <a:prstClr val="black"/>
-                </a:solidFill>
-                <a:latin typeface="Arial Unicode MS" panose="020B0604020202020204" pitchFamily="34" charset="-128"/>
-                <a:ea typeface="Arial Unicode MS" panose="020B0604020202020204" pitchFamily="34" charset="-128"/>
-                <a:cs typeface="Arial Unicode MS" panose="020B0604020202020204" pitchFamily="34" charset="-128"/>
-              </a:rPr>
-              <a:t>– accounts for length of document “how dense the polarity is”</a:t>
-            </a:r>
-            <a:endParaRPr lang="en-US" sz="1500" kern="1200" dirty="0">
-              <a:solidFill>
-                <a:prstClr val="black"/>
-              </a:solidFill>
-              <a:latin typeface="Arial Unicode MS" panose="020B0604020202020204" pitchFamily="34" charset="-128"/>
-              <a:ea typeface="Arial Unicode MS" panose="020B0604020202020204" pitchFamily="34" charset="-128"/>
-              <a:cs typeface="Arial Unicode MS" panose="020B0604020202020204" pitchFamily="34" charset="-128"/>
-            </a:endParaRPr>
-          </a:p>
-        </p:txBody>
-      </p:sp>
-      <p:sp>
-        <p:nvSpPr>
-          <p:cNvPr id="11" name="Footer Placeholder 5">
-            <a:extLst>
-              <a:ext uri="{FF2B5EF4-FFF2-40B4-BE49-F238E27FC236}">
-                <a16:creationId xmlns:a16="http://schemas.microsoft.com/office/drawing/2014/main" id="{966A28C3-CD6B-42ED-BBBD-47C0AC8CD3BC}"/>
-              </a:ext>
-            </a:extLst>
-          </p:cNvPr>
-          <p:cNvSpPr>
-            <a:spLocks noGrp="1"/>
-          </p:cNvSpPr>
-          <p:nvPr>
-            <p:ph type="ftr" sz="quarter" idx="3"/>
-          </p:nvPr>
-        </p:nvSpPr>
-        <p:spPr>
-          <a:xfrm>
-            <a:off x="3028950" y="6356351"/>
-            <a:ext cx="3086100" cy="365125"/>
-          </a:xfrm>
-        </p:spPr>
-        <p:txBody>
-          <a:bodyPr/>
-          <a:lstStyle/>
-          <a:p>
-            <a:r>
-              <a:rPr lang="en-US" dirty="0"/>
-              <a:t>Kwartler</a:t>
-            </a:r>
-          </a:p>
-        </p:txBody>
-      </p:sp>
-      <p:sp>
-        <p:nvSpPr>
-          <p:cNvPr id="5" name="Rectangle 4">
-            <a:extLst>
-              <a:ext uri="{FF2B5EF4-FFF2-40B4-BE49-F238E27FC236}">
-                <a16:creationId xmlns:a16="http://schemas.microsoft.com/office/drawing/2014/main" id="{D6BC52BC-3A2D-2D4F-9863-A1066DAB60F6}"/>
-              </a:ext>
-            </a:extLst>
-          </p:cNvPr>
-          <p:cNvSpPr/>
-          <p:nvPr/>
-        </p:nvSpPr>
-        <p:spPr>
-          <a:xfrm>
-            <a:off x="516835" y="5486400"/>
-            <a:ext cx="8091588" cy="463826"/>
-          </a:xfrm>
-          <a:prstGeom prst="rect">
-            <a:avLst/>
-          </a:prstGeom>
-        </p:spPr>
-        <p:style>
-          <a:lnRef idx="2">
-            <a:schemeClr val="accent1">
-              <a:shade val="50000"/>
-            </a:schemeClr>
-          </a:lnRef>
-          <a:fillRef idx="1">
-            <a:schemeClr val="accent1"/>
-          </a:fillRef>
-          <a:effectRef idx="0">
-            <a:schemeClr val="accent1"/>
-          </a:effectRef>
-          <a:fontRef idx="minor">
-            <a:schemeClr val="lt1"/>
-          </a:fontRef>
-        </p:style>
-        <p:txBody>
-          <a:bodyPr rtlCol="0" anchor="ctr"/>
-          <a:lstStyle/>
-          <a:p>
-            <a:pPr algn="ctr"/>
-            <a:r>
-              <a:rPr lang="en-US" dirty="0"/>
-              <a:t>Let’s open ﻿</a:t>
-            </a:r>
-            <a:r>
-              <a:rPr lang="en-US" dirty="0" err="1"/>
-              <a:t>A_polarity_math.R</a:t>
-            </a:r>
-            <a:r>
-              <a:rPr lang="en-US" dirty="0"/>
-              <a:t> to see it in action.</a:t>
-            </a:r>
-          </a:p>
-        </p:txBody>
-      </p:sp>
-      <p:cxnSp>
-        <p:nvCxnSpPr>
-          <p:cNvPr id="10" name="Straight Connector 9">
-            <a:extLst>
-              <a:ext uri="{FF2B5EF4-FFF2-40B4-BE49-F238E27FC236}">
-                <a16:creationId xmlns:a16="http://schemas.microsoft.com/office/drawing/2014/main" id="{EE912FC4-D092-D941-8D15-6CFBCAEA270C}"/>
-              </a:ext>
-            </a:extLst>
-          </p:cNvPr>
-          <p:cNvCxnSpPr/>
-          <p:nvPr/>
-        </p:nvCxnSpPr>
-        <p:spPr>
-          <a:xfrm>
-            <a:off x="6798363" y="6549885"/>
-            <a:ext cx="0" cy="182880"/>
-          </a:xfrm>
-          <a:prstGeom prst="line">
-            <a:avLst/>
-          </a:prstGeom>
-          <a:ln>
-            <a:solidFill>
-              <a:schemeClr val="bg1">
-                <a:lumMod val="85000"/>
-              </a:schemeClr>
-            </a:solidFill>
-          </a:ln>
-        </p:spPr>
-        <p:style>
-          <a:lnRef idx="1">
-            <a:schemeClr val="accent1"/>
-          </a:lnRef>
-          <a:fillRef idx="0">
-            <a:schemeClr val="accent1"/>
-          </a:fillRef>
-          <a:effectRef idx="0">
-            <a:schemeClr val="accent1"/>
-          </a:effectRef>
-          <a:fontRef idx="minor">
-            <a:schemeClr val="tx1"/>
-          </a:fontRef>
-        </p:style>
-      </p:cxnSp>
-      <p:cxnSp>
-        <p:nvCxnSpPr>
-          <p:cNvPr id="12" name="Straight Connector 11">
-            <a:extLst>
-              <a:ext uri="{FF2B5EF4-FFF2-40B4-BE49-F238E27FC236}">
-                <a16:creationId xmlns:a16="http://schemas.microsoft.com/office/drawing/2014/main" id="{99689052-05DB-1D4B-A1AF-66A6E4430635}"/>
-              </a:ext>
-            </a:extLst>
-          </p:cNvPr>
-          <p:cNvCxnSpPr/>
-          <p:nvPr/>
-        </p:nvCxnSpPr>
-        <p:spPr>
-          <a:xfrm>
-            <a:off x="7076661" y="4664763"/>
-            <a:ext cx="182880" cy="0"/>
-          </a:xfrm>
-          <a:prstGeom prst="line">
-            <a:avLst/>
-          </a:prstGeom>
-          <a:ln>
-            <a:solidFill>
-              <a:schemeClr val="bg1">
-                <a:lumMod val="85000"/>
-              </a:schemeClr>
-            </a:solidFill>
-          </a:ln>
-        </p:spPr>
-        <p:style>
-          <a:lnRef idx="1">
-            <a:schemeClr val="accent1"/>
-          </a:lnRef>
-          <a:fillRef idx="0">
-            <a:schemeClr val="accent1"/>
-          </a:fillRef>
-          <a:effectRef idx="0">
-            <a:schemeClr val="accent1"/>
-          </a:effectRef>
-          <a:fontRef idx="minor">
-            <a:schemeClr val="tx1"/>
-          </a:fontRef>
-        </p:style>
-      </p:cxnSp>
-    </p:spTree>
-    <p:extLst>
-      <p:ext uri="{BB962C8B-B14F-4D97-AF65-F5344CB8AC3E}">
-        <p14:creationId xmlns:p14="http://schemas.microsoft.com/office/powerpoint/2010/main" val="4100425887"/>
-      </p:ext>
-    </p:extLst>
-  </p:cSld>
-  <p:clrMapOvr>
-    <a:masterClrMapping/>
-  </p:clrMapOvr>
-</p:sld>
-</file>
-
-<file path=ppt/slides/slide2.xml><?xml version="1.0" encoding="utf-8"?>
-<p:sld xmlns:a="http://schemas.openxmlformats.org/drawingml/2006/main" xmlns:r="http://schemas.openxmlformats.org/officeDocument/2006/relationships" xmlns:p="http://schemas.openxmlformats.org/presentationml/2006/main">
-  <p:cSld>
-    <p:spTree>
-      <p:nvGrpSpPr>
-        <p:cNvPr id="1" name=""/>
-        <p:cNvGrpSpPr/>
-        <p:nvPr/>
-      </p:nvGrpSpPr>
-      <p:grpSpPr>
-        <a:xfrm>
-          <a:off x="0" y="0"/>
-          <a:ext cx="0" cy="0"/>
-          <a:chOff x="0" y="0"/>
-          <a:chExt cx="0" cy="0"/>
-        </a:xfrm>
-      </p:grpSpPr>
-      <p:sp>
-        <p:nvSpPr>
-          <p:cNvPr id="2" name="Date Placeholder 1"/>
-          <p:cNvSpPr>
-            <a:spLocks noGrp="1"/>
-          </p:cNvSpPr>
-          <p:nvPr>
-            <p:ph type="dt" sz="half" idx="10"/>
-          </p:nvPr>
-        </p:nvSpPr>
-        <p:spPr/>
-        <p:txBody>
-          <a:bodyPr/>
-          <a:lstStyle/>
-          <a:p>
-            <a:fld id="{6700A58B-DD98-43D0-B791-721480A02982}" type="datetime1">
-              <a:rPr lang="en-US" smtClean="0"/>
-              <a:t>12/30/20</a:t>
-            </a:fld>
-            <a:endParaRPr lang="en-US"/>
-          </a:p>
-        </p:txBody>
-      </p:sp>
-      <p:sp>
-        <p:nvSpPr>
-          <p:cNvPr id="3" name="Title 2"/>
-          <p:cNvSpPr>
-            <a:spLocks noGrp="1"/>
-          </p:cNvSpPr>
-          <p:nvPr>
-            <p:ph type="title"/>
-          </p:nvPr>
-        </p:nvSpPr>
-        <p:spPr/>
-        <p:txBody>
-          <a:bodyPr/>
-          <a:lstStyle/>
-          <a:p>
-            <a:r>
-              <a:rPr lang="en-US" dirty="0"/>
-              <a:t>Why do we see </a:t>
-            </a:r>
-            <a:r>
-              <a:rPr lang="en-US" dirty="0" err="1"/>
-              <a:t>Zipf’s</a:t>
-            </a:r>
-            <a:r>
-              <a:rPr lang="en-US" dirty="0"/>
-              <a:t> law in linguistics?</a:t>
-            </a:r>
-          </a:p>
-        </p:txBody>
-      </p:sp>
-      <p:sp>
-        <p:nvSpPr>
-          <p:cNvPr id="4" name="Footer Placeholder 3"/>
-          <p:cNvSpPr>
-            <a:spLocks noGrp="1"/>
-          </p:cNvSpPr>
-          <p:nvPr>
-            <p:ph type="ftr" sz="quarter" idx="3"/>
-          </p:nvPr>
-        </p:nvSpPr>
-        <p:spPr/>
-        <p:txBody>
-          <a:bodyPr/>
-          <a:lstStyle/>
-          <a:p>
-            <a:r>
-              <a:rPr lang="en-US"/>
-              <a:t>Kwartler</a:t>
-            </a:r>
-            <a:endParaRPr lang="en-US" dirty="0"/>
-          </a:p>
-        </p:txBody>
-      </p:sp>
-      <p:sp>
-        <p:nvSpPr>
-          <p:cNvPr id="5" name="Slide Number Placeholder 4"/>
-          <p:cNvSpPr>
-            <a:spLocks noGrp="1"/>
-          </p:cNvSpPr>
-          <p:nvPr>
-            <p:ph type="sldNum" sz="quarter" idx="4"/>
-          </p:nvPr>
-        </p:nvSpPr>
-        <p:spPr/>
-        <p:txBody>
-          <a:bodyPr/>
-          <a:lstStyle/>
-          <a:p>
-            <a:fld id="{37290FF7-652B-4475-AEAB-8B1A5D23AE09}" type="slidenum">
-              <a:rPr lang="en-US" smtClean="0"/>
-              <a:pPr/>
-              <a:t>2</a:t>
+              <a:t>3</a:t>
             </a:fld>
             <a:endParaRPr lang="en-US" dirty="0"/>
           </a:p>
@@ -9015,7 +9615,7 @@
 </p:sld>
 </file>
 
-<file path=ppt/slides/slide3.xml><?xml version="1.0" encoding="utf-8"?>
+<file path=ppt/slides/slide4.xml><?xml version="1.0" encoding="utf-8"?>
 <p:sld xmlns:a="http://schemas.openxmlformats.org/drawingml/2006/main" xmlns:r="http://schemas.openxmlformats.org/officeDocument/2006/relationships" xmlns:p="http://schemas.openxmlformats.org/presentationml/2006/main">
   <p:cSld>
     <p:spTree>
@@ -9050,7 +9650,7 @@
             <a:fld id="{6700A58B-DD98-43D0-B791-721480A02982}" type="datetime1">
               <a:rPr lang="en-US" smtClean="0"/>
               <a:pPr/>
-              <a:t>12/30/20</a:t>
+              <a:t>1/10/21</a:t>
             </a:fld>
             <a:endParaRPr lang="en-US"/>
           </a:p>
@@ -9120,7 +9720,7 @@
             <a:fld id="{37290FF7-652B-4475-AEAB-8B1A5D23AE09}" type="slidenum">
               <a:rPr lang="en-US" smtClean="0"/>
               <a:pPr/>
-              <a:t>3</a:t>
+              <a:t>4</a:t>
             </a:fld>
             <a:endParaRPr lang="en-US" dirty="0"/>
           </a:p>
@@ -9381,7 +9981,7 @@
 </p:sld>
 </file>
 
-<file path=ppt/slides/slide4.xml><?xml version="1.0" encoding="utf-8"?>
+<file path=ppt/slides/slide5.xml><?xml version="1.0" encoding="utf-8"?>
 <p:sld xmlns:a="http://schemas.openxmlformats.org/drawingml/2006/main" xmlns:r="http://schemas.openxmlformats.org/officeDocument/2006/relationships" xmlns:p="http://schemas.openxmlformats.org/presentationml/2006/main">
   <p:cSld>
     <p:spTree>
@@ -9415,7 +10015,7 @@
           <a:p>
             <a:fld id="{6700A58B-DD98-43D0-B791-721480A02982}" type="datetime1">
               <a:rPr lang="en-US" smtClean="0"/>
-              <a:t>12/30/20</a:t>
+              <a:t>1/10/21</a:t>
             </a:fld>
             <a:endParaRPr lang="en-US"/>
           </a:p>
@@ -9484,7 +10084,7 @@
             <a:fld id="{37290FF7-652B-4475-AEAB-8B1A5D23AE09}" type="slidenum">
               <a:rPr lang="en-US" smtClean="0"/>
               <a:pPr/>
-              <a:t>4</a:t>
+              <a:t>5</a:t>
             </a:fld>
             <a:endParaRPr lang="en-US" dirty="0"/>
           </a:p>
@@ -9636,7 +10236,7 @@
 </p:sld>
 </file>
 
-<file path=ppt/slides/slide5.xml><?xml version="1.0" encoding="utf-8"?>
+<file path=ppt/slides/slide6.xml><?xml version="1.0" encoding="utf-8"?>
 <p:sld xmlns:a="http://schemas.openxmlformats.org/drawingml/2006/main" xmlns:r="http://schemas.openxmlformats.org/officeDocument/2006/relationships" xmlns:p="http://schemas.openxmlformats.org/presentationml/2006/main">
   <p:cSld>
     <p:spTree>
@@ -9670,7 +10270,7 @@
           <a:p>
             <a:fld id="{6700A58B-DD98-43D0-B791-721480A02982}" type="datetime1">
               <a:rPr lang="en-US" smtClean="0"/>
-              <a:t>12/30/20</a:t>
+              <a:t>1/10/21</a:t>
             </a:fld>
             <a:endParaRPr lang="en-US"/>
           </a:p>
@@ -9747,7 +10347,7 @@
             <a:fld id="{37290FF7-652B-4475-AEAB-8B1A5D23AE09}" type="slidenum">
               <a:rPr lang="en-US" smtClean="0"/>
               <a:pPr/>
-              <a:t>5</a:t>
+              <a:t>6</a:t>
             </a:fld>
             <a:endParaRPr lang="en-US" dirty="0"/>
           </a:p>
@@ -10167,7 +10767,7 @@
 </p:sld>
 </file>
 
-<file path=ppt/slides/slide6.xml><?xml version="1.0" encoding="utf-8"?>
+<file path=ppt/slides/slide7.xml><?xml version="1.0" encoding="utf-8"?>
 <p:sld xmlns:a="http://schemas.openxmlformats.org/drawingml/2006/main" xmlns:r="http://schemas.openxmlformats.org/officeDocument/2006/relationships" xmlns:p="http://schemas.openxmlformats.org/presentationml/2006/main">
   <p:cSld>
     <p:spTree>
@@ -10201,7 +10801,7 @@
           <a:p>
             <a:fld id="{6700A58B-DD98-43D0-B791-721480A02982}" type="datetime1">
               <a:rPr lang="en-US" smtClean="0"/>
-              <a:t>12/30/20</a:t>
+              <a:t>1/10/21</a:t>
             </a:fld>
             <a:endParaRPr lang="en-US"/>
           </a:p>
@@ -10278,7 +10878,7 @@
             <a:fld id="{37290FF7-652B-4475-AEAB-8B1A5D23AE09}" type="slidenum">
               <a:rPr lang="en-US" smtClean="0"/>
               <a:pPr/>
-              <a:t>6</a:t>
+              <a:t>7</a:t>
             </a:fld>
             <a:endParaRPr lang="en-US" dirty="0"/>
           </a:p>
@@ -10981,7 +11581,7 @@
 </p:sld>
 </file>
 
-<file path=ppt/slides/slide7.xml><?xml version="1.0" encoding="utf-8"?>
+<file path=ppt/slides/slide8.xml><?xml version="1.0" encoding="utf-8"?>
 <p:sld xmlns:a="http://schemas.openxmlformats.org/drawingml/2006/main" xmlns:r="http://schemas.openxmlformats.org/officeDocument/2006/relationships" xmlns:p="http://schemas.openxmlformats.org/presentationml/2006/main">
   <p:cSld>
     <p:spTree>
@@ -11015,7 +11615,7 @@
           <a:p>
             <a:fld id="{6700A58B-DD98-43D0-B791-721480A02982}" type="datetime1">
               <a:rPr lang="en-US" smtClean="0"/>
-              <a:t>12/30/20</a:t>
+              <a:t>1/10/21</a:t>
             </a:fld>
             <a:endParaRPr lang="en-US"/>
           </a:p>
@@ -11092,7 +11692,7 @@
             <a:fld id="{37290FF7-652B-4475-AEAB-8B1A5D23AE09}" type="slidenum">
               <a:rPr lang="en-US" smtClean="0"/>
               <a:pPr/>
-              <a:t>7</a:t>
+              <a:t>8</a:t>
             </a:fld>
             <a:endParaRPr lang="en-US" dirty="0"/>
           </a:p>
@@ -11810,7 +12410,7 @@
 </p:sld>
 </file>
 
-<file path=ppt/slides/slide8.xml><?xml version="1.0" encoding="utf-8"?>
+<file path=ppt/slides/slide9.xml><?xml version="1.0" encoding="utf-8"?>
 <p:sld xmlns:a="http://schemas.openxmlformats.org/drawingml/2006/main" xmlns:r="http://schemas.openxmlformats.org/officeDocument/2006/relationships" xmlns:p="http://schemas.openxmlformats.org/presentationml/2006/main">
   <p:cSld>
     <p:spTree>
@@ -11844,7 +12444,7 @@
           <a:p>
             <a:fld id="{6700A58B-DD98-43D0-B791-721480A02982}" type="datetime1">
               <a:rPr lang="en-US" smtClean="0"/>
-              <a:t>12/30/20</a:t>
+              <a:t>1/10/21</a:t>
             </a:fld>
             <a:endParaRPr lang="en-US"/>
           </a:p>
@@ -11913,7 +12513,7 @@
             <a:fld id="{37290FF7-652B-4475-AEAB-8B1A5D23AE09}" type="slidenum">
               <a:rPr lang="en-US" smtClean="0"/>
               <a:pPr/>
-              <a:t>8</a:t>
+              <a:t>9</a:t>
             </a:fld>
             <a:endParaRPr lang="en-US" dirty="0"/>
           </a:p>
@@ -12501,415 +13101,6 @@
     <p:extLst>
       <p:ext uri="{BB962C8B-B14F-4D97-AF65-F5344CB8AC3E}">
         <p14:creationId xmlns:p14="http://schemas.microsoft.com/office/powerpoint/2010/main" val="1537959715"/>
-      </p:ext>
-    </p:extLst>
-  </p:cSld>
-  <p:clrMapOvr>
-    <a:masterClrMapping/>
-  </p:clrMapOvr>
-</p:sld>
-</file>
-
-<file path=ppt/slides/slide9.xml><?xml version="1.0" encoding="utf-8"?>
-<p:sld xmlns:a="http://schemas.openxmlformats.org/drawingml/2006/main" xmlns:r="http://schemas.openxmlformats.org/officeDocument/2006/relationships" xmlns:p="http://schemas.openxmlformats.org/presentationml/2006/main">
-  <p:cSld>
-    <p:spTree>
-      <p:nvGrpSpPr>
-        <p:cNvPr id="1" name=""/>
-        <p:cNvGrpSpPr/>
-        <p:nvPr/>
-      </p:nvGrpSpPr>
-      <p:grpSpPr>
-        <a:xfrm>
-          <a:off x="0" y="0"/>
-          <a:ext cx="0" cy="0"/>
-          <a:chOff x="0" y="0"/>
-          <a:chExt cx="0" cy="0"/>
-        </a:xfrm>
-      </p:grpSpPr>
-      <p:sp>
-        <p:nvSpPr>
-          <p:cNvPr id="2" name="Date Placeholder 1"/>
-          <p:cNvSpPr>
-            <a:spLocks noGrp="1"/>
-          </p:cNvSpPr>
-          <p:nvPr>
-            <p:ph type="dt" sz="half" idx="10"/>
-          </p:nvPr>
-        </p:nvSpPr>
-        <p:spPr/>
-        <p:txBody>
-          <a:bodyPr/>
-          <a:lstStyle/>
-          <a:p>
-            <a:fld id="{6700A58B-DD98-43D0-B791-721480A02982}" type="datetime1">
-              <a:rPr lang="en-US" smtClean="0"/>
-              <a:t>12/30/20</a:t>
-            </a:fld>
-            <a:endParaRPr lang="en-US"/>
-          </a:p>
-        </p:txBody>
-      </p:sp>
-      <p:sp>
-        <p:nvSpPr>
-          <p:cNvPr id="3" name="Title 2"/>
-          <p:cNvSpPr>
-            <a:spLocks noGrp="1"/>
-          </p:cNvSpPr>
-          <p:nvPr>
-            <p:ph type="title"/>
-          </p:nvPr>
-        </p:nvSpPr>
-        <p:spPr/>
-        <p:txBody>
-          <a:bodyPr/>
-          <a:lstStyle/>
-          <a:p>
-            <a:r>
-              <a:rPr lang="en-US" dirty="0"/>
-              <a:t>Simple Sentiment Polarity</a:t>
-            </a:r>
-          </a:p>
-        </p:txBody>
-      </p:sp>
-      <p:sp>
-        <p:nvSpPr>
-          <p:cNvPr id="4" name="Footer Placeholder 3"/>
-          <p:cNvSpPr>
-            <a:spLocks noGrp="1"/>
-          </p:cNvSpPr>
-          <p:nvPr>
-            <p:ph type="ftr" sz="quarter" idx="3"/>
-          </p:nvPr>
-        </p:nvSpPr>
-        <p:spPr/>
-        <p:txBody>
-          <a:bodyPr/>
-          <a:lstStyle/>
-          <a:p>
-            <a:r>
-              <a:rPr lang="en-US"/>
-              <a:t>Kwartler</a:t>
-            </a:r>
-            <a:endParaRPr lang="en-US" dirty="0"/>
-          </a:p>
-        </p:txBody>
-      </p:sp>
-      <p:sp>
-        <p:nvSpPr>
-          <p:cNvPr id="5" name="Slide Number Placeholder 4"/>
-          <p:cNvSpPr>
-            <a:spLocks noGrp="1"/>
-          </p:cNvSpPr>
-          <p:nvPr>
-            <p:ph type="sldNum" sz="quarter" idx="4"/>
-          </p:nvPr>
-        </p:nvSpPr>
-        <p:spPr/>
-        <p:txBody>
-          <a:bodyPr/>
-          <a:lstStyle/>
-          <a:p>
-            <a:fld id="{37290FF7-652B-4475-AEAB-8B1A5D23AE09}" type="slidenum">
-              <a:rPr lang="en-US" smtClean="0"/>
-              <a:pPr/>
-              <a:t>9</a:t>
-            </a:fld>
-            <a:endParaRPr lang="en-US" dirty="0"/>
-          </a:p>
-        </p:txBody>
-      </p:sp>
-      <p:sp>
-        <p:nvSpPr>
-          <p:cNvPr id="6" name="Rectangle 5"/>
-          <p:cNvSpPr/>
-          <p:nvPr/>
-        </p:nvSpPr>
-        <p:spPr>
-          <a:xfrm>
-            <a:off x="423379" y="1640304"/>
-            <a:ext cx="4114800" cy="4389120"/>
-          </a:xfrm>
-          <a:prstGeom prst="rect">
-            <a:avLst/>
-          </a:prstGeom>
-          <a:solidFill>
-            <a:schemeClr val="bg1">
-              <a:lumMod val="95000"/>
-            </a:schemeClr>
-          </a:solidFill>
-          <a:ln>
-            <a:noFill/>
-          </a:ln>
-          <a:effectLst>
-            <a:outerShdw blurRad="50800" dist="38100" dir="2700000" algn="tl" rotWithShape="0">
-              <a:prstClr val="black">
-                <a:alpha val="40000"/>
-              </a:prstClr>
-            </a:outerShdw>
-          </a:effectLst>
-        </p:spPr>
-        <p:style>
-          <a:lnRef idx="2">
-            <a:schemeClr val="accent1">
-              <a:shade val="50000"/>
-            </a:schemeClr>
-          </a:lnRef>
-          <a:fillRef idx="1">
-            <a:schemeClr val="accent1"/>
-          </a:fillRef>
-          <a:effectRef idx="0">
-            <a:schemeClr val="accent1"/>
-          </a:effectRef>
-          <a:fontRef idx="minor">
-            <a:schemeClr val="lt1"/>
-          </a:fontRef>
-        </p:style>
-        <p:txBody>
-          <a:bodyPr rtlCol="0" anchor="ctr"/>
-          <a:lstStyle/>
-          <a:p>
-            <a:pPr algn="ctr" defTabSz="457200"/>
-            <a:endParaRPr lang="en-US" sz="1800" kern="1200" dirty="0">
-              <a:solidFill>
-                <a:prstClr val="white"/>
-              </a:solidFill>
-              <a:latin typeface="Arial Unicode MS" panose="020B0604020202020204" pitchFamily="34" charset="-128"/>
-              <a:cs typeface="Arial Unicode MS" panose="020B0604020202020204" pitchFamily="34" charset="-128"/>
-            </a:endParaRPr>
-          </a:p>
-        </p:txBody>
-      </p:sp>
-      <p:sp>
-        <p:nvSpPr>
-          <p:cNvPr id="7" name="Rectangle 6"/>
-          <p:cNvSpPr/>
-          <p:nvPr/>
-        </p:nvSpPr>
-        <p:spPr>
-          <a:xfrm>
-            <a:off x="424432" y="1307220"/>
-            <a:ext cx="4114800" cy="457200"/>
-          </a:xfrm>
-          <a:prstGeom prst="rect">
-            <a:avLst/>
-          </a:prstGeom>
-          <a:solidFill>
-            <a:schemeClr val="bg1">
-              <a:lumMod val="50000"/>
-            </a:schemeClr>
-          </a:solidFill>
-          <a:ln>
-            <a:noFill/>
-          </a:ln>
-        </p:spPr>
-        <p:style>
-          <a:lnRef idx="2">
-            <a:schemeClr val="accent1">
-              <a:shade val="50000"/>
-            </a:schemeClr>
-          </a:lnRef>
-          <a:fillRef idx="1">
-            <a:schemeClr val="accent1"/>
-          </a:fillRef>
-          <a:effectRef idx="0">
-            <a:schemeClr val="accent1"/>
-          </a:effectRef>
-          <a:fontRef idx="minor">
-            <a:schemeClr val="lt1"/>
-          </a:fontRef>
-        </p:style>
-        <p:txBody>
-          <a:bodyPr rtlCol="0" anchor="ctr"/>
-          <a:lstStyle/>
-          <a:p>
-            <a:pPr algn="ctr" defTabSz="457200"/>
-            <a:r>
-              <a:rPr lang="en-US" sz="2400" b="1" kern="1200" dirty="0">
-                <a:solidFill>
-                  <a:prstClr val="white"/>
-                </a:solidFill>
-                <a:latin typeface="Arial Unicode MS" panose="020B0604020202020204" pitchFamily="34" charset="-128"/>
-                <a:cs typeface="Arial Unicode MS" panose="020B0604020202020204" pitchFamily="34" charset="-128"/>
-              </a:rPr>
-              <a:t>Zipf’s Law</a:t>
-            </a:r>
-          </a:p>
-        </p:txBody>
-      </p:sp>
-      <p:graphicFrame>
-        <p:nvGraphicFramePr>
-          <p:cNvPr id="8" name="Chart 7"/>
-          <p:cNvGraphicFramePr>
-            <a:graphicFrameLocks/>
-          </p:cNvGraphicFramePr>
-          <p:nvPr>
-            <p:extLst>
-              <p:ext uri="{D42A27DB-BD31-4B8C-83A1-F6EECF244321}">
-                <p14:modId xmlns:p14="http://schemas.microsoft.com/office/powerpoint/2010/main" val="1843735760"/>
-              </p:ext>
-            </p:extLst>
-          </p:nvPr>
-        </p:nvGraphicFramePr>
-        <p:xfrm>
-          <a:off x="495534" y="3263462"/>
-          <a:ext cx="3931919" cy="2491622"/>
-        </p:xfrm>
-        <a:graphic>
-          <a:graphicData uri="http://schemas.openxmlformats.org/drawingml/2006/chart">
-            <c:chart xmlns:c="http://schemas.openxmlformats.org/drawingml/2006/chart" xmlns:r="http://schemas.openxmlformats.org/officeDocument/2006/relationships" r:id="rId2"/>
-          </a:graphicData>
-        </a:graphic>
-      </p:graphicFrame>
-      <p:sp>
-        <p:nvSpPr>
-          <p:cNvPr id="9" name="Rectangle 8"/>
-          <p:cNvSpPr/>
-          <p:nvPr/>
-        </p:nvSpPr>
-        <p:spPr>
-          <a:xfrm>
-            <a:off x="494188" y="2218764"/>
-            <a:ext cx="3943350" cy="822960"/>
-          </a:xfrm>
-          <a:prstGeom prst="rect">
-            <a:avLst/>
-          </a:prstGeom>
-          <a:ln>
-            <a:noFill/>
-          </a:ln>
-          <a:effectLst>
-            <a:outerShdw blurRad="50800" dist="38100" dir="2700000" algn="tl" rotWithShape="0">
-              <a:prstClr val="black">
-                <a:alpha val="40000"/>
-              </a:prstClr>
-            </a:outerShdw>
-          </a:effectLst>
-        </p:spPr>
-        <p:style>
-          <a:lnRef idx="2">
-            <a:schemeClr val="accent1">
-              <a:shade val="50000"/>
-            </a:schemeClr>
-          </a:lnRef>
-          <a:fillRef idx="1">
-            <a:schemeClr val="accent1"/>
-          </a:fillRef>
-          <a:effectRef idx="0">
-            <a:schemeClr val="accent1"/>
-          </a:effectRef>
-          <a:fontRef idx="minor">
-            <a:schemeClr val="lt1"/>
-          </a:fontRef>
-        </p:style>
-        <p:txBody>
-          <a:bodyPr rtlCol="0" anchor="ctr"/>
-          <a:lstStyle/>
-          <a:p>
-            <a:pPr algn="ctr" defTabSz="457200"/>
-            <a:r>
-              <a:rPr lang="en-US" sz="1600" b="1" kern="1200" dirty="0">
-                <a:solidFill>
-                  <a:prstClr val="white"/>
-                </a:solidFill>
-                <a:latin typeface="Arial Unicode MS" panose="020B0604020202020204" pitchFamily="34" charset="-128"/>
-                <a:cs typeface="Arial Unicode MS" panose="020B0604020202020204" pitchFamily="34" charset="-128"/>
-              </a:rPr>
-              <a:t>Many words in natural language but there is steep decline in everyday usage.  Follows a predictable pattern.  </a:t>
-            </a:r>
-          </a:p>
-        </p:txBody>
-      </p:sp>
-      <p:cxnSp>
-        <p:nvCxnSpPr>
-          <p:cNvPr id="14" name="Straight Connector 13">
-            <a:extLst>
-              <a:ext uri="{FF2B5EF4-FFF2-40B4-BE49-F238E27FC236}">
-                <a16:creationId xmlns:a16="http://schemas.microsoft.com/office/drawing/2014/main" id="{7411C58D-8320-694F-9D2F-F704AAAC8318}"/>
-              </a:ext>
-            </a:extLst>
-          </p:cNvPr>
-          <p:cNvCxnSpPr/>
-          <p:nvPr/>
-        </p:nvCxnSpPr>
-        <p:spPr>
-          <a:xfrm>
-            <a:off x="6798363" y="6549885"/>
-            <a:ext cx="0" cy="182880"/>
-          </a:xfrm>
-          <a:prstGeom prst="line">
-            <a:avLst/>
-          </a:prstGeom>
-          <a:ln>
-            <a:solidFill>
-              <a:schemeClr val="bg1">
-                <a:lumMod val="85000"/>
-              </a:schemeClr>
-            </a:solidFill>
-          </a:ln>
-        </p:spPr>
-        <p:style>
-          <a:lnRef idx="1">
-            <a:schemeClr val="accent1"/>
-          </a:lnRef>
-          <a:fillRef idx="0">
-            <a:schemeClr val="accent1"/>
-          </a:fillRef>
-          <a:effectRef idx="0">
-            <a:schemeClr val="accent1"/>
-          </a:effectRef>
-          <a:fontRef idx="minor">
-            <a:schemeClr val="tx1"/>
-          </a:fontRef>
-        </p:style>
-      </p:cxnSp>
-      <p:cxnSp>
-        <p:nvCxnSpPr>
-          <p:cNvPr id="15" name="Straight Connector 14">
-            <a:extLst>
-              <a:ext uri="{FF2B5EF4-FFF2-40B4-BE49-F238E27FC236}">
-                <a16:creationId xmlns:a16="http://schemas.microsoft.com/office/drawing/2014/main" id="{D7C46A7B-29FB-DD42-95C7-E7F38E65E588}"/>
-              </a:ext>
-            </a:extLst>
-          </p:cNvPr>
-          <p:cNvCxnSpPr/>
-          <p:nvPr/>
-        </p:nvCxnSpPr>
-        <p:spPr>
-          <a:xfrm>
-            <a:off x="7076661" y="4664763"/>
-            <a:ext cx="182880" cy="0"/>
-          </a:xfrm>
-          <a:prstGeom prst="line">
-            <a:avLst/>
-          </a:prstGeom>
-          <a:ln>
-            <a:solidFill>
-              <a:schemeClr val="bg1">
-                <a:lumMod val="85000"/>
-              </a:schemeClr>
-            </a:solidFill>
-          </a:ln>
-        </p:spPr>
-        <p:style>
-          <a:lnRef idx="1">
-            <a:schemeClr val="accent1"/>
-          </a:lnRef>
-          <a:fillRef idx="0">
-            <a:schemeClr val="accent1"/>
-          </a:fillRef>
-          <a:effectRef idx="0">
-            <a:schemeClr val="accent1"/>
-          </a:effectRef>
-          <a:fontRef idx="minor">
-            <a:schemeClr val="tx1"/>
-          </a:fontRef>
-        </p:style>
-      </p:cxnSp>
-    </p:spTree>
-    <p:extLst>
-      <p:ext uri="{BB962C8B-B14F-4D97-AF65-F5344CB8AC3E}">
-        <p14:creationId xmlns:p14="http://schemas.microsoft.com/office/powerpoint/2010/main" val="530107012"/>
       </p:ext>
     </p:extLst>
   </p:cSld>
